--- a/nlp assignment 1.pptx
+++ b/nlp assignment 1.pptx
@@ -11,11 +11,14 @@
     <p:sldId id="258" r:id="rId5"/>
     <p:sldId id="259" r:id="rId6"/>
     <p:sldId id="260" r:id="rId7"/>
-    <p:sldId id="262" r:id="rId8"/>
-    <p:sldId id="263" r:id="rId9"/>
-    <p:sldId id="264" r:id="rId10"/>
-    <p:sldId id="265" r:id="rId11"/>
-    <p:sldId id="266" r:id="rId12"/>
+    <p:sldId id="268" r:id="rId8"/>
+    <p:sldId id="262" r:id="rId9"/>
+    <p:sldId id="263" r:id="rId10"/>
+    <p:sldId id="264" r:id="rId11"/>
+    <p:sldId id="265" r:id="rId12"/>
+    <p:sldId id="266" r:id="rId13"/>
+    <p:sldId id="267" r:id="rId14"/>
+    <p:sldId id="269" r:id="rId15"/>
   </p:sldIdLst>
   <p:sldSz cx="12192000" cy="6858000"/>
   <p:notesSz cx="6858000" cy="9144000"/>
@@ -114,6 +117,11 @@
       </a:defRPr>
     </a:lvl9pPr>
   </p:defaultTextStyle>
+  <p:extLst>
+    <p:ext uri="{EFAFB233-063F-42B5-8137-9DF3F51BA10A}">
+      <p15:sldGuideLst xmlns:p15="http://schemas.microsoft.com/office/powerpoint/2012/main"/>
+    </p:ext>
+  </p:extLst>
 </p:presentation>
 </file>
 
@@ -10318,69 +10326,6 @@
           </a:p>
         </p:txBody>
       </p:sp>
-      <p:pic>
-        <p:nvPicPr>
-          <p:cNvPr id="4" name="Picture 3" descr="Abstract red geometric pattern">
-            <a:extLst>
-              <a:ext uri="{FF2B5EF4-FFF2-40B4-BE49-F238E27FC236}">
-                <a16:creationId xmlns:a16="http://schemas.microsoft.com/office/drawing/2014/main" id="{A0DF6AA1-4B1E-C9A5-9B68-63BA6EE13771}"/>
-              </a:ext>
-            </a:extLst>
-          </p:cNvPr>
-          <p:cNvPicPr>
-            <a:picLocks noChangeAspect="1"/>
-          </p:cNvPicPr>
-          <p:nvPr/>
-        </p:nvPicPr>
-        <p:blipFill>
-          <a:blip r:embed="rId2"/>
-          <a:stretch>
-            <a:fillRect/>
-          </a:stretch>
-        </p:blipFill>
-        <p:spPr>
-          <a:xfrm>
-            <a:off x="5030587" y="2355215"/>
-            <a:ext cx="3217333" cy="2147569"/>
-          </a:xfrm>
-          <a:prstGeom prst="rect">
-            <a:avLst/>
-          </a:prstGeom>
-        </p:spPr>
-      </p:pic>
-      <p:pic>
-        <p:nvPicPr>
-          <p:cNvPr id="5" name="Picture 4" descr="Abstract red geometric pattern">
-            <a:extLst>
-              <a:ext uri="{FF2B5EF4-FFF2-40B4-BE49-F238E27FC236}">
-                <a16:creationId xmlns:a16="http://schemas.microsoft.com/office/drawing/2014/main" id="{64458853-A45C-01D3-5CA2-C43060F04F52}"/>
-              </a:ext>
-            </a:extLst>
-          </p:cNvPr>
-          <p:cNvPicPr>
-            <a:picLocks noChangeAspect="1"/>
-          </p:cNvPicPr>
-          <p:nvPr/>
-        </p:nvPicPr>
-        <p:blipFill>
-          <a:blip r:embed="rId3"/>
-          <a:stretch>
-            <a:fillRect/>
-          </a:stretch>
-        </p:blipFill>
-        <p:spPr>
-          <a:xfrm>
-            <a:off x="8341026" y="2355215"/>
-            <a:ext cx="3217333" cy="2147569"/>
-          </a:xfrm>
-          <a:prstGeom prst="rect">
-            <a:avLst/>
-          </a:prstGeom>
-          <a:ln w="28575">
-            <a:noFill/>
-          </a:ln>
-        </p:spPr>
-      </p:pic>
       <p:grpSp>
         <p:nvGrpSpPr>
           <p:cNvPr id="88" name="Graphic 185">
@@ -10851,6 +10796,71 @@
           </p:txBody>
         </p:sp>
       </p:grpSp>
+      <p:pic>
+        <p:nvPicPr>
+          <p:cNvPr id="6" name="Picture 2">
+            <a:extLst>
+              <a:ext uri="{FF2B5EF4-FFF2-40B4-BE49-F238E27FC236}">
+                <a16:creationId xmlns:a16="http://schemas.microsoft.com/office/drawing/2014/main" id="{33F01BE6-3439-8A54-5D99-EB36B2EB7DB5}"/>
+              </a:ext>
+            </a:extLst>
+          </p:cNvPr>
+          <p:cNvPicPr>
+            <a:picLocks noChangeAspect="1" noChangeArrowheads="1"/>
+          </p:cNvPicPr>
+          <p:nvPr/>
+        </p:nvPicPr>
+        <p:blipFill>
+          <a:blip r:embed="rId2">
+            <a:clrChange>
+              <a:clrFrom>
+                <a:srgbClr val="FFFFFF"/>
+              </a:clrFrom>
+              <a:clrTo>
+                <a:srgbClr val="FFFFFF">
+                  <a:alpha val="0"/>
+                </a:srgbClr>
+              </a:clrTo>
+            </a:clrChange>
+            <a:duotone>
+              <a:prstClr val="black"/>
+              <a:schemeClr val="accent5">
+                <a:tint val="45000"/>
+                <a:satMod val="400000"/>
+              </a:schemeClr>
+            </a:duotone>
+            <a:alphaModFix amt="85000"/>
+            <a:extLst>
+              <a:ext uri="{28A0092B-C50C-407E-A947-70E740481C1C}">
+                <a14:useLocalDpi xmlns:a14="http://schemas.microsoft.com/office/drawing/2010/main" val="0"/>
+              </a:ext>
+            </a:extLst>
+          </a:blip>
+          <a:srcRect/>
+          <a:stretch>
+            <a:fillRect/>
+          </a:stretch>
+        </p:blipFill>
+        <p:spPr bwMode="auto">
+          <a:xfrm>
+            <a:off x="5161980" y="1906304"/>
+            <a:ext cx="6557881" cy="3333942"/>
+          </a:xfrm>
+          <a:prstGeom prst="rect">
+            <a:avLst/>
+          </a:prstGeom>
+          <a:noFill/>
+          <a:extLst>
+            <a:ext uri="{909E8E84-426E-40DD-AFC4-6F175D3DCCD1}">
+              <a14:hiddenFill xmlns:a14="http://schemas.microsoft.com/office/drawing/2010/main">
+                <a:solidFill>
+                  <a:srgbClr val="FFFFFF"/>
+                </a:solidFill>
+              </a14:hiddenFill>
+            </a:ext>
+          </a:extLst>
+        </p:spPr>
+      </p:pic>
     </p:spTree>
     <p:extLst>
       <p:ext uri="{BB962C8B-B14F-4D97-AF65-F5344CB8AC3E}">
@@ -10865,6 +10875,166 @@
 </file>
 
 <file path=ppt/slides/slide10.xml><?xml version="1.0" encoding="utf-8"?>
+<p:sld xmlns:a="http://schemas.openxmlformats.org/drawingml/2006/main" xmlns:r="http://schemas.openxmlformats.org/officeDocument/2006/relationships" xmlns:p="http://schemas.openxmlformats.org/presentationml/2006/main">
+  <p:cSld>
+    <p:spTree>
+      <p:nvGrpSpPr>
+        <p:cNvPr id="1" name="">
+          <a:extLst>
+            <a:ext uri="{FF2B5EF4-FFF2-40B4-BE49-F238E27FC236}">
+              <a16:creationId xmlns:a16="http://schemas.microsoft.com/office/drawing/2014/main" id="{99F5739F-9891-1519-5038-7FE8FF4F404D}"/>
+            </a:ext>
+          </a:extLst>
+        </p:cNvPr>
+        <p:cNvGrpSpPr/>
+        <p:nvPr/>
+      </p:nvGrpSpPr>
+      <p:grpSpPr>
+        <a:xfrm>
+          <a:off x="0" y="0"/>
+          <a:ext cx="0" cy="0"/>
+          <a:chOff x="0" y="0"/>
+          <a:chExt cx="0" cy="0"/>
+        </a:xfrm>
+      </p:grpSpPr>
+      <p:sp>
+        <p:nvSpPr>
+          <p:cNvPr id="2" name="Title 1">
+            <a:extLst>
+              <a:ext uri="{FF2B5EF4-FFF2-40B4-BE49-F238E27FC236}">
+                <a16:creationId xmlns:a16="http://schemas.microsoft.com/office/drawing/2014/main" id="{A1ADC040-BE1B-167B-0781-3AF0EE5F3290}"/>
+              </a:ext>
+            </a:extLst>
+          </p:cNvPr>
+          <p:cNvSpPr>
+            <a:spLocks noGrp="1"/>
+          </p:cNvSpPr>
+          <p:nvPr>
+            <p:ph type="title"/>
+          </p:nvPr>
+        </p:nvSpPr>
+        <p:spPr/>
+        <p:txBody>
+          <a:bodyPr/>
+          <a:lstStyle/>
+          <a:p>
+            <a:r>
+              <a:rPr lang="en-US" b="1" spc="1500" dirty="0"/>
+              <a:t>OUR CODE</a:t>
+            </a:r>
+            <a:endParaRPr lang="en-CA" b="1" spc="1500" dirty="0"/>
+          </a:p>
+        </p:txBody>
+      </p:sp>
+      <p:sp>
+        <p:nvSpPr>
+          <p:cNvPr id="3" name="Content Placeholder 2">
+            <a:extLst>
+              <a:ext uri="{FF2B5EF4-FFF2-40B4-BE49-F238E27FC236}">
+                <a16:creationId xmlns:a16="http://schemas.microsoft.com/office/drawing/2014/main" id="{A8888916-18F2-097E-7516-F68889E4A0EE}"/>
+              </a:ext>
+            </a:extLst>
+          </p:cNvPr>
+          <p:cNvSpPr>
+            <a:spLocks noGrp="1"/>
+          </p:cNvSpPr>
+          <p:nvPr>
+            <p:ph idx="1"/>
+          </p:nvPr>
+        </p:nvSpPr>
+        <p:spPr/>
+        <p:txBody>
+          <a:bodyPr/>
+          <a:lstStyle/>
+          <a:p>
+            <a:pPr marL="0" indent="0">
+              <a:spcAft>
+                <a:spcPts val="600"/>
+              </a:spcAft>
+              <a:buNone/>
+            </a:pPr>
+            <a:r>
+              <a:rPr lang="en-US" sz="3200" spc="400" dirty="0"/>
+              <a:t>EXPORTING DATA SETS</a:t>
+            </a:r>
+          </a:p>
+          <a:p>
+            <a:pPr marL="536575" indent="-361950">
+              <a:buClr>
+                <a:schemeClr val="tx1">
+                  <a:lumMod val="50000"/>
+                  <a:lumOff val="50000"/>
+                </a:schemeClr>
+              </a:buClr>
+              <a:buFont typeface="Source Sans Pro" panose="020B0503030403020204" pitchFamily="34" charset="0"/>
+              <a:buChar char="›"/>
+            </a:pPr>
+            <a:r>
+              <a:rPr lang="en-US" sz="2400" dirty="0"/>
+              <a:t>A </a:t>
+            </a:r>
+          </a:p>
+        </p:txBody>
+      </p:sp>
+      <p:pic>
+        <p:nvPicPr>
+          <p:cNvPr id="3074" name="Picture 2">
+            <a:extLst>
+              <a:ext uri="{FF2B5EF4-FFF2-40B4-BE49-F238E27FC236}">
+                <a16:creationId xmlns:a16="http://schemas.microsoft.com/office/drawing/2014/main" id="{745BEEF0-61AB-C484-65C5-E94F8DB6F979}"/>
+              </a:ext>
+            </a:extLst>
+          </p:cNvPr>
+          <p:cNvPicPr>
+            <a:picLocks noChangeAspect="1" noChangeArrowheads="1"/>
+          </p:cNvPicPr>
+          <p:nvPr/>
+        </p:nvPicPr>
+        <p:blipFill rotWithShape="1">
+          <a:blip r:embed="rId2">
+            <a:extLst>
+              <a:ext uri="{28A0092B-C50C-407E-A947-70E740481C1C}">
+                <a14:useLocalDpi xmlns:a14="http://schemas.microsoft.com/office/drawing/2010/main" val="0"/>
+              </a:ext>
+            </a:extLst>
+          </a:blip>
+          <a:srcRect t="867" r="12694" b="1204"/>
+          <a:stretch/>
+        </p:blipFill>
+        <p:spPr bwMode="auto">
+          <a:xfrm>
+            <a:off x="6630330" y="360001"/>
+            <a:ext cx="5180197" cy="5294566"/>
+          </a:xfrm>
+          <a:prstGeom prst="rect">
+            <a:avLst/>
+          </a:prstGeom>
+          <a:noFill/>
+          <a:extLst>
+            <a:ext uri="{909E8E84-426E-40DD-AFC4-6F175D3DCCD1}">
+              <a14:hiddenFill xmlns:a14="http://schemas.microsoft.com/office/drawing/2010/main">
+                <a:solidFill>
+                  <a:srgbClr val="FFFFFF"/>
+                </a:solidFill>
+              </a14:hiddenFill>
+            </a:ext>
+          </a:extLst>
+        </p:spPr>
+      </p:pic>
+    </p:spTree>
+    <p:extLst>
+      <p:ext uri="{BB962C8B-B14F-4D97-AF65-F5344CB8AC3E}">
+        <p14:creationId xmlns:p14="http://schemas.microsoft.com/office/powerpoint/2010/main" val="2143880974"/>
+      </p:ext>
+    </p:extLst>
+  </p:cSld>
+  <p:clrMapOvr>
+    <a:masterClrMapping/>
+  </p:clrMapOvr>
+</p:sld>
+</file>
+
+<file path=ppt/slides/slide11.xml><?xml version="1.0" encoding="utf-8"?>
 <p:sld xmlns:a="http://schemas.openxmlformats.org/drawingml/2006/main" xmlns:r="http://schemas.openxmlformats.org/officeDocument/2006/relationships" xmlns:p="http://schemas.openxmlformats.org/presentationml/2006/main">
   <p:cSld>
     <p:spTree>
@@ -11027,7 +11197,7 @@
             </a:br>
             <a:r>
               <a:rPr lang="en-US" sz="2400" dirty="0"/>
-              <a:t>the CORD-19 dataset</a:t>
+              <a:t>the CORD-19 dataset </a:t>
             </a:r>
           </a:p>
         </p:txBody>
@@ -11102,7 +11272,7 @@
 </p:sld>
 </file>
 
-<file path=ppt/slides/slide11.xml><?xml version="1.0" encoding="utf-8"?>
+<file path=ppt/slides/slide12.xml><?xml version="1.0" encoding="utf-8"?>
 <p:sld xmlns:a="http://schemas.openxmlformats.org/drawingml/2006/main" xmlns:r="http://schemas.openxmlformats.org/officeDocument/2006/relationships" xmlns:p="http://schemas.openxmlformats.org/presentationml/2006/main">
   <p:cSld>
     <p:spTree>
@@ -11353,6 +11523,2832 @@
 </p:sld>
 </file>
 
+<file path=ppt/slides/slide13.xml><?xml version="1.0" encoding="utf-8"?>
+<p:sld xmlns:a="http://schemas.openxmlformats.org/drawingml/2006/main" xmlns:r="http://schemas.openxmlformats.org/officeDocument/2006/relationships" xmlns:p="http://schemas.openxmlformats.org/presentationml/2006/main">
+  <p:cSld>
+    <p:spTree>
+      <p:nvGrpSpPr>
+        <p:cNvPr id="1" name="">
+          <a:extLst>
+            <a:ext uri="{FF2B5EF4-FFF2-40B4-BE49-F238E27FC236}">
+              <a16:creationId xmlns:a16="http://schemas.microsoft.com/office/drawing/2014/main" id="{1FD59C24-2F3D-B934-3C53-4429F19CDEBA}"/>
+            </a:ext>
+          </a:extLst>
+        </p:cNvPr>
+        <p:cNvGrpSpPr/>
+        <p:nvPr/>
+      </p:nvGrpSpPr>
+      <p:grpSpPr>
+        <a:xfrm>
+          <a:off x="0" y="0"/>
+          <a:ext cx="0" cy="0"/>
+          <a:chOff x="0" y="0"/>
+          <a:chExt cx="0" cy="0"/>
+        </a:xfrm>
+      </p:grpSpPr>
+      <p:sp>
+        <p:nvSpPr>
+          <p:cNvPr id="2" name="Title 1">
+            <a:extLst>
+              <a:ext uri="{FF2B5EF4-FFF2-40B4-BE49-F238E27FC236}">
+                <a16:creationId xmlns:a16="http://schemas.microsoft.com/office/drawing/2014/main" id="{FF63626F-E632-9C88-70E3-5782DEF80643}"/>
+              </a:ext>
+            </a:extLst>
+          </p:cNvPr>
+          <p:cNvSpPr>
+            <a:spLocks noGrp="1"/>
+          </p:cNvSpPr>
+          <p:nvPr>
+            <p:ph type="title"/>
+          </p:nvPr>
+        </p:nvSpPr>
+        <p:spPr/>
+        <p:txBody>
+          <a:bodyPr/>
+          <a:lstStyle/>
+          <a:p>
+            <a:r>
+              <a:rPr lang="en-US" b="1" spc="1500" dirty="0"/>
+              <a:t>OUR FINDINGS</a:t>
+            </a:r>
+            <a:endParaRPr lang="en-CA" b="1" spc="1500" dirty="0"/>
+          </a:p>
+        </p:txBody>
+      </p:sp>
+      <p:sp>
+        <p:nvSpPr>
+          <p:cNvPr id="3" name="Content Placeholder 2">
+            <a:extLst>
+              <a:ext uri="{FF2B5EF4-FFF2-40B4-BE49-F238E27FC236}">
+                <a16:creationId xmlns:a16="http://schemas.microsoft.com/office/drawing/2014/main" id="{D8E7CE63-3DEA-15FA-F487-EF60321FF247}"/>
+              </a:ext>
+            </a:extLst>
+          </p:cNvPr>
+          <p:cNvSpPr>
+            <a:spLocks noGrp="1"/>
+          </p:cNvSpPr>
+          <p:nvPr>
+            <p:ph idx="1"/>
+          </p:nvPr>
+        </p:nvSpPr>
+        <p:spPr>
+          <a:xfrm>
+            <a:off x="838200" y="1825625"/>
+            <a:ext cx="10515600" cy="4742230"/>
+          </a:xfrm>
+        </p:spPr>
+        <p:txBody>
+          <a:bodyPr/>
+          <a:lstStyle/>
+          <a:p>
+            <a:pPr marL="0" indent="0">
+              <a:spcAft>
+                <a:spcPts val="600"/>
+              </a:spcAft>
+              <a:buNone/>
+            </a:pPr>
+            <a:r>
+              <a:rPr lang="en-US" sz="3200" spc="400" dirty="0"/>
+              <a:t>MOST COMMON WORDS</a:t>
+            </a:r>
+          </a:p>
+          <a:p>
+            <a:pPr marL="536575" indent="-361950">
+              <a:buClr>
+                <a:schemeClr val="tx1">
+                  <a:lumMod val="50000"/>
+                  <a:lumOff val="50000"/>
+                </a:schemeClr>
+              </a:buClr>
+              <a:buFont typeface="Source Sans Pro" panose="020B0503030403020204" pitchFamily="34" charset="0"/>
+              <a:buChar char="›"/>
+            </a:pPr>
+            <a:r>
+              <a:rPr lang="en-US" sz="2400" dirty="0"/>
+              <a:t>Using </a:t>
+            </a:r>
+            <a:r>
+              <a:rPr lang="en-US" sz="2400" i="1" dirty="0" err="1"/>
+              <a:t>WordCloud</a:t>
+            </a:r>
+            <a:r>
+              <a:rPr lang="en-US" sz="2400" dirty="0"/>
+              <a:t> and our </a:t>
+            </a:r>
+            <a:br>
+              <a:rPr lang="en-US" sz="2400" dirty="0"/>
+            </a:br>
+            <a:r>
+              <a:rPr lang="en-US" sz="2400" dirty="0"/>
+              <a:t>n-gram dataset we </a:t>
+            </a:r>
+            <a:br>
+              <a:rPr lang="en-US" sz="2400" dirty="0"/>
+            </a:br>
+            <a:r>
+              <a:rPr lang="en-US" sz="2400" dirty="0"/>
+              <a:t>generated a word cloud of </a:t>
+            </a:r>
+            <a:br>
+              <a:rPr lang="en-US" sz="2400" dirty="0"/>
+            </a:br>
+            <a:r>
+              <a:rPr lang="en-US" sz="2400" dirty="0"/>
+              <a:t>the top 50 most common</a:t>
+            </a:r>
+            <a:br>
+              <a:rPr lang="en-US" sz="2400" dirty="0"/>
+            </a:br>
+            <a:r>
+              <a:rPr lang="en-US" sz="2400" dirty="0"/>
+              <a:t>bigrams</a:t>
+            </a:r>
+          </a:p>
+          <a:p>
+            <a:pPr marL="536575" indent="-361950">
+              <a:buClr>
+                <a:schemeClr val="tx1">
+                  <a:lumMod val="50000"/>
+                  <a:lumOff val="50000"/>
+                </a:schemeClr>
+              </a:buClr>
+              <a:buFont typeface="Source Sans Pro" panose="020B0503030403020204" pitchFamily="34" charset="0"/>
+              <a:buChar char="›"/>
+            </a:pPr>
+            <a:r>
+              <a:rPr lang="en-US" sz="2400" dirty="0"/>
+              <a:t>This graph visualizes the</a:t>
+            </a:r>
+            <a:br>
+              <a:rPr lang="en-US" sz="2400" dirty="0"/>
+            </a:br>
+            <a:r>
+              <a:rPr lang="en-US" sz="2400" dirty="0"/>
+              <a:t>most frequently occurring </a:t>
+            </a:r>
+            <a:br>
+              <a:rPr lang="en-US" sz="2400" dirty="0"/>
+            </a:br>
+            <a:r>
+              <a:rPr lang="en-US" sz="2400" dirty="0"/>
+              <a:t>bigrams across the scientific </a:t>
+            </a:r>
+            <a:br>
+              <a:rPr lang="en-US" sz="2400" dirty="0"/>
+            </a:br>
+            <a:r>
+              <a:rPr lang="en-US" sz="2400" dirty="0"/>
+              <a:t>articles from the CORD-19 </a:t>
+            </a:r>
+            <a:br>
+              <a:rPr lang="en-US" sz="2400" dirty="0"/>
+            </a:br>
+            <a:r>
+              <a:rPr lang="en-US" sz="2400" dirty="0"/>
+              <a:t>dataset </a:t>
+            </a:r>
+            <a:r>
+              <a:rPr lang="en-US" sz="2400" i="1" dirty="0">
+                <a:solidFill>
+                  <a:schemeClr val="bg1">
+                    <a:lumMod val="50000"/>
+                  </a:schemeClr>
+                </a:solidFill>
+              </a:rPr>
+              <a:t>(larger font = more </a:t>
+            </a:r>
+            <a:br>
+              <a:rPr lang="en-US" sz="2400" i="1" dirty="0">
+                <a:solidFill>
+                  <a:schemeClr val="bg1">
+                    <a:lumMod val="50000"/>
+                  </a:schemeClr>
+                </a:solidFill>
+              </a:rPr>
+            </a:br>
+            <a:r>
+              <a:rPr lang="en-US" sz="2400" i="1" dirty="0">
+                <a:solidFill>
+                  <a:schemeClr val="bg1">
+                    <a:lumMod val="50000"/>
+                  </a:schemeClr>
+                </a:solidFill>
+              </a:rPr>
+              <a:t>frequent)</a:t>
+            </a:r>
+          </a:p>
+        </p:txBody>
+      </p:sp>
+      <p:pic>
+        <p:nvPicPr>
+          <p:cNvPr id="1026" name="Picture 2">
+            <a:extLst>
+              <a:ext uri="{FF2B5EF4-FFF2-40B4-BE49-F238E27FC236}">
+                <a16:creationId xmlns:a16="http://schemas.microsoft.com/office/drawing/2014/main" id="{B8576E5D-E1EB-5513-9C68-FDD6BC0B6EEF}"/>
+              </a:ext>
+            </a:extLst>
+          </p:cNvPr>
+          <p:cNvPicPr>
+            <a:picLocks noChangeAspect="1" noChangeArrowheads="1"/>
+          </p:cNvPicPr>
+          <p:nvPr/>
+        </p:nvPicPr>
+        <p:blipFill>
+          <a:blip r:embed="rId2">
+            <a:clrChange>
+              <a:clrFrom>
+                <a:srgbClr val="FFFFFF"/>
+              </a:clrFrom>
+              <a:clrTo>
+                <a:srgbClr val="FFFFFF">
+                  <a:alpha val="0"/>
+                </a:srgbClr>
+              </a:clrTo>
+            </a:clrChange>
+            <a:extLst>
+              <a:ext uri="{28A0092B-C50C-407E-A947-70E740481C1C}">
+                <a14:useLocalDpi xmlns:a14="http://schemas.microsoft.com/office/drawing/2010/main" val="0"/>
+              </a:ext>
+            </a:extLst>
+          </a:blip>
+          <a:srcRect/>
+          <a:stretch>
+            <a:fillRect/>
+          </a:stretch>
+        </p:blipFill>
+        <p:spPr bwMode="auto">
+          <a:xfrm>
+            <a:off x="5250188" y="2467769"/>
+            <a:ext cx="6557881" cy="3333942"/>
+          </a:xfrm>
+          <a:prstGeom prst="rect">
+            <a:avLst/>
+          </a:prstGeom>
+          <a:noFill/>
+          <a:extLst>
+            <a:ext uri="{909E8E84-426E-40DD-AFC4-6F175D3DCCD1}">
+              <a14:hiddenFill xmlns:a14="http://schemas.microsoft.com/office/drawing/2010/main">
+                <a:solidFill>
+                  <a:srgbClr val="FFFFFF"/>
+                </a:solidFill>
+              </a14:hiddenFill>
+            </a:ext>
+          </a:extLst>
+        </p:spPr>
+      </p:pic>
+    </p:spTree>
+    <p:extLst>
+      <p:ext uri="{BB962C8B-B14F-4D97-AF65-F5344CB8AC3E}">
+        <p14:creationId xmlns:p14="http://schemas.microsoft.com/office/powerpoint/2010/main" val="3472766140"/>
+      </p:ext>
+    </p:extLst>
+  </p:cSld>
+  <p:clrMapOvr>
+    <a:masterClrMapping/>
+  </p:clrMapOvr>
+</p:sld>
+</file>
+
+<file path=ppt/slides/slide14.xml><?xml version="1.0" encoding="utf-8"?>
+<p:sld xmlns:a="http://schemas.openxmlformats.org/drawingml/2006/main" xmlns:r="http://schemas.openxmlformats.org/officeDocument/2006/relationships" xmlns:p="http://schemas.openxmlformats.org/presentationml/2006/main">
+  <p:cSld>
+    <p:bg>
+      <p:bgPr>
+        <a:solidFill>
+          <a:schemeClr val="bg1"/>
+        </a:solidFill>
+        <a:effectLst/>
+      </p:bgPr>
+    </p:bg>
+    <p:spTree>
+      <p:nvGrpSpPr>
+        <p:cNvPr id="1" name=""/>
+        <p:cNvGrpSpPr/>
+        <p:nvPr/>
+      </p:nvGrpSpPr>
+      <p:grpSpPr>
+        <a:xfrm>
+          <a:off x="0" y="0"/>
+          <a:ext cx="0" cy="0"/>
+          <a:chOff x="0" y="0"/>
+          <a:chExt cx="0" cy="0"/>
+        </a:xfrm>
+      </p:grpSpPr>
+      <p:grpSp>
+        <p:nvGrpSpPr>
+          <p:cNvPr id="8" name="Graphic 185">
+            <a:extLst>
+              <a:ext uri="{FF2B5EF4-FFF2-40B4-BE49-F238E27FC236}">
+                <a16:creationId xmlns:a16="http://schemas.microsoft.com/office/drawing/2014/main" id="{8A351602-3772-4279-B0D3-A523F6F6EAB3}"/>
+              </a:ext>
+              <a:ext uri="{C183D7F6-B498-43B3-948B-1728B52AA6E4}">
+                <adec:decorative xmlns:adec="http://schemas.microsoft.com/office/drawing/2017/decorative" val="1"/>
+              </a:ext>
+            </a:extLst>
+          </p:cNvPr>
+          <p:cNvGrpSpPr>
+            <a:grpSpLocks noGrp="1" noUngrp="1" noRot="1" noChangeAspect="1" noMove="1" noResize="1"/>
+          </p:cNvGrpSpPr>
+          <p:nvPr>
+            <p:extLst>
+              <p:ext uri="{386F3935-93C4-4BCD-93E2-E3B085C9AB24}">
+                <p16:designElem xmlns:p16="http://schemas.microsoft.com/office/powerpoint/2015/main" val="1"/>
+              </p:ext>
+            </p:extLst>
+          </p:nvPr>
+        </p:nvGrpSpPr>
+        <p:grpSpPr>
+          <a:xfrm>
+            <a:off x="10999576" y="5987064"/>
+            <a:ext cx="1054466" cy="469689"/>
+            <a:chOff x="9841624" y="4115729"/>
+            <a:chExt cx="602169" cy="268223"/>
+          </a:xfrm>
+          <a:solidFill>
+            <a:schemeClr val="tx1"/>
+          </a:solidFill>
+        </p:grpSpPr>
+        <p:sp>
+          <p:nvSpPr>
+            <p:cNvPr id="9" name="Freeform: Shape 8">
+              <a:extLst>
+                <a:ext uri="{FF2B5EF4-FFF2-40B4-BE49-F238E27FC236}">
+                  <a16:creationId xmlns:a16="http://schemas.microsoft.com/office/drawing/2014/main" id="{A5AAAA75-5FFB-4C07-AD4A-3146773E6CDD}"/>
+                </a:ext>
+                <a:ext uri="{C183D7F6-B498-43B3-948B-1728B52AA6E4}">
+                  <adec:decorative xmlns:adec="http://schemas.microsoft.com/office/drawing/2017/decorative" val="1"/>
+                </a:ext>
+              </a:extLst>
+            </p:cNvPr>
+            <p:cNvSpPr/>
+            <p:nvPr>
+              <p:extLst>
+                <p:ext uri="{386F3935-93C4-4BCD-93E2-E3B085C9AB24}">
+                  <p16:designElem xmlns:p16="http://schemas.microsoft.com/office/powerpoint/2015/main" val="1"/>
+                </p:ext>
+              </p:extLst>
+            </p:nvPr>
+          </p:nvSpPr>
+          <p:spPr>
+            <a:xfrm>
+              <a:off x="9841624" y="4115729"/>
+              <a:ext cx="202882" cy="268223"/>
+            </a:xfrm>
+            <a:custGeom>
+              <a:avLst/>
+              <a:gdLst>
+                <a:gd name="connsiteX0" fmla="*/ 20765 w 202882"/>
+                <a:gd name="connsiteY0" fmla="*/ 268224 h 268223"/>
+                <a:gd name="connsiteX1" fmla="*/ 0 w 202882"/>
+                <a:gd name="connsiteY1" fmla="*/ 268224 h 268223"/>
+                <a:gd name="connsiteX2" fmla="*/ 182118 w 202882"/>
+                <a:gd name="connsiteY2" fmla="*/ 0 h 268223"/>
+                <a:gd name="connsiteX3" fmla="*/ 202883 w 202882"/>
+                <a:gd name="connsiteY3" fmla="*/ 0 h 268223"/>
+              </a:gdLst>
+              <a:ahLst/>
+              <a:cxnLst>
+                <a:cxn ang="0">
+                  <a:pos x="connsiteX0" y="connsiteY0"/>
+                </a:cxn>
+                <a:cxn ang="0">
+                  <a:pos x="connsiteX1" y="connsiteY1"/>
+                </a:cxn>
+                <a:cxn ang="0">
+                  <a:pos x="connsiteX2" y="connsiteY2"/>
+                </a:cxn>
+                <a:cxn ang="0">
+                  <a:pos x="connsiteX3" y="connsiteY3"/>
+                </a:cxn>
+              </a:cxnLst>
+              <a:rect l="l" t="t" r="r" b="b"/>
+              <a:pathLst>
+                <a:path w="202882" h="268223">
+                  <a:moveTo>
+                    <a:pt x="20765" y="268224"/>
+                  </a:moveTo>
+                  <a:lnTo>
+                    <a:pt x="0" y="268224"/>
+                  </a:lnTo>
+                  <a:lnTo>
+                    <a:pt x="182118" y="0"/>
+                  </a:lnTo>
+                  <a:lnTo>
+                    <a:pt x="202883" y="0"/>
+                  </a:lnTo>
+                  <a:close/>
+                </a:path>
+              </a:pathLst>
+            </a:custGeom>
+            <a:grpFill/>
+            <a:ln w="9525" cap="flat">
+              <a:noFill/>
+              <a:prstDash val="solid"/>
+              <a:miter/>
+            </a:ln>
+          </p:spPr>
+          <p:txBody>
+            <a:bodyPr rtlCol="0" anchor="ctr"/>
+            <a:lstStyle/>
+            <a:p>
+              <a:endParaRPr lang="en-US"/>
+            </a:p>
+          </p:txBody>
+        </p:sp>
+        <p:sp>
+          <p:nvSpPr>
+            <p:cNvPr id="10" name="Freeform: Shape 9">
+              <a:extLst>
+                <a:ext uri="{FF2B5EF4-FFF2-40B4-BE49-F238E27FC236}">
+                  <a16:creationId xmlns:a16="http://schemas.microsoft.com/office/drawing/2014/main" id="{1479895E-3847-44BB-8404-28F14219FB70}"/>
+                </a:ext>
+                <a:ext uri="{C183D7F6-B498-43B3-948B-1728B52AA6E4}">
+                  <adec:decorative xmlns:adec="http://schemas.microsoft.com/office/drawing/2017/decorative" val="1"/>
+                </a:ext>
+              </a:extLst>
+            </p:cNvPr>
+            <p:cNvSpPr/>
+            <p:nvPr>
+              <p:extLst>
+                <p:ext uri="{386F3935-93C4-4BCD-93E2-E3B085C9AB24}">
+                  <p16:designElem xmlns:p16="http://schemas.microsoft.com/office/powerpoint/2015/main" val="1"/>
+                </p:ext>
+              </p:extLst>
+            </p:nvPr>
+          </p:nvSpPr>
+          <p:spPr>
+            <a:xfrm>
+              <a:off x="9941445" y="4115729"/>
+              <a:ext cx="202882" cy="268223"/>
+            </a:xfrm>
+            <a:custGeom>
+              <a:avLst/>
+              <a:gdLst>
+                <a:gd name="connsiteX0" fmla="*/ 20765 w 202882"/>
+                <a:gd name="connsiteY0" fmla="*/ 268224 h 268223"/>
+                <a:gd name="connsiteX1" fmla="*/ 0 w 202882"/>
+                <a:gd name="connsiteY1" fmla="*/ 268224 h 268223"/>
+                <a:gd name="connsiteX2" fmla="*/ 182118 w 202882"/>
+                <a:gd name="connsiteY2" fmla="*/ 0 h 268223"/>
+                <a:gd name="connsiteX3" fmla="*/ 202883 w 202882"/>
+                <a:gd name="connsiteY3" fmla="*/ 0 h 268223"/>
+              </a:gdLst>
+              <a:ahLst/>
+              <a:cxnLst>
+                <a:cxn ang="0">
+                  <a:pos x="connsiteX0" y="connsiteY0"/>
+                </a:cxn>
+                <a:cxn ang="0">
+                  <a:pos x="connsiteX1" y="connsiteY1"/>
+                </a:cxn>
+                <a:cxn ang="0">
+                  <a:pos x="connsiteX2" y="connsiteY2"/>
+                </a:cxn>
+                <a:cxn ang="0">
+                  <a:pos x="connsiteX3" y="connsiteY3"/>
+                </a:cxn>
+              </a:cxnLst>
+              <a:rect l="l" t="t" r="r" b="b"/>
+              <a:pathLst>
+                <a:path w="202882" h="268223">
+                  <a:moveTo>
+                    <a:pt x="20765" y="268224"/>
+                  </a:moveTo>
+                  <a:lnTo>
+                    <a:pt x="0" y="268224"/>
+                  </a:lnTo>
+                  <a:lnTo>
+                    <a:pt x="182118" y="0"/>
+                  </a:lnTo>
+                  <a:lnTo>
+                    <a:pt x="202883" y="0"/>
+                  </a:lnTo>
+                  <a:close/>
+                </a:path>
+              </a:pathLst>
+            </a:custGeom>
+            <a:grpFill/>
+            <a:ln w="9525" cap="flat">
+              <a:noFill/>
+              <a:prstDash val="solid"/>
+              <a:miter/>
+            </a:ln>
+          </p:spPr>
+          <p:txBody>
+            <a:bodyPr rtlCol="0" anchor="ctr"/>
+            <a:lstStyle/>
+            <a:p>
+              <a:endParaRPr lang="en-US"/>
+            </a:p>
+          </p:txBody>
+        </p:sp>
+        <p:sp>
+          <p:nvSpPr>
+            <p:cNvPr id="11" name="Freeform: Shape 10">
+              <a:extLst>
+                <a:ext uri="{FF2B5EF4-FFF2-40B4-BE49-F238E27FC236}">
+                  <a16:creationId xmlns:a16="http://schemas.microsoft.com/office/drawing/2014/main" id="{50E02F68-8149-4236-8D9F-6B550F78B932}"/>
+                </a:ext>
+                <a:ext uri="{C183D7F6-B498-43B3-948B-1728B52AA6E4}">
+                  <adec:decorative xmlns:adec="http://schemas.microsoft.com/office/drawing/2017/decorative" val="1"/>
+                </a:ext>
+              </a:extLst>
+            </p:cNvPr>
+            <p:cNvSpPr/>
+            <p:nvPr>
+              <p:extLst>
+                <p:ext uri="{386F3935-93C4-4BCD-93E2-E3B085C9AB24}">
+                  <p16:designElem xmlns:p16="http://schemas.microsoft.com/office/powerpoint/2015/main" val="1"/>
+                </p:ext>
+              </p:extLst>
+            </p:nvPr>
+          </p:nvSpPr>
+          <p:spPr>
+            <a:xfrm>
+              <a:off x="10041267" y="4115729"/>
+              <a:ext cx="202882" cy="268223"/>
+            </a:xfrm>
+            <a:custGeom>
+              <a:avLst/>
+              <a:gdLst>
+                <a:gd name="connsiteX0" fmla="*/ 20669 w 202882"/>
+                <a:gd name="connsiteY0" fmla="*/ 268224 h 268223"/>
+                <a:gd name="connsiteX1" fmla="*/ 0 w 202882"/>
+                <a:gd name="connsiteY1" fmla="*/ 268224 h 268223"/>
+                <a:gd name="connsiteX2" fmla="*/ 182118 w 202882"/>
+                <a:gd name="connsiteY2" fmla="*/ 0 h 268223"/>
+                <a:gd name="connsiteX3" fmla="*/ 202883 w 202882"/>
+                <a:gd name="connsiteY3" fmla="*/ 0 h 268223"/>
+              </a:gdLst>
+              <a:ahLst/>
+              <a:cxnLst>
+                <a:cxn ang="0">
+                  <a:pos x="connsiteX0" y="connsiteY0"/>
+                </a:cxn>
+                <a:cxn ang="0">
+                  <a:pos x="connsiteX1" y="connsiteY1"/>
+                </a:cxn>
+                <a:cxn ang="0">
+                  <a:pos x="connsiteX2" y="connsiteY2"/>
+                </a:cxn>
+                <a:cxn ang="0">
+                  <a:pos x="connsiteX3" y="connsiteY3"/>
+                </a:cxn>
+              </a:cxnLst>
+              <a:rect l="l" t="t" r="r" b="b"/>
+              <a:pathLst>
+                <a:path w="202882" h="268223">
+                  <a:moveTo>
+                    <a:pt x="20669" y="268224"/>
+                  </a:moveTo>
+                  <a:lnTo>
+                    <a:pt x="0" y="268224"/>
+                  </a:lnTo>
+                  <a:lnTo>
+                    <a:pt x="182118" y="0"/>
+                  </a:lnTo>
+                  <a:lnTo>
+                    <a:pt x="202883" y="0"/>
+                  </a:lnTo>
+                  <a:close/>
+                </a:path>
+              </a:pathLst>
+            </a:custGeom>
+            <a:grpFill/>
+            <a:ln w="9525" cap="flat">
+              <a:noFill/>
+              <a:prstDash val="solid"/>
+              <a:miter/>
+            </a:ln>
+          </p:spPr>
+          <p:txBody>
+            <a:bodyPr rtlCol="0" anchor="ctr"/>
+            <a:lstStyle/>
+            <a:p>
+              <a:endParaRPr lang="en-US"/>
+            </a:p>
+          </p:txBody>
+        </p:sp>
+        <p:sp>
+          <p:nvSpPr>
+            <p:cNvPr id="12" name="Freeform: Shape 11">
+              <a:extLst>
+                <a:ext uri="{FF2B5EF4-FFF2-40B4-BE49-F238E27FC236}">
+                  <a16:creationId xmlns:a16="http://schemas.microsoft.com/office/drawing/2014/main" id="{956FCAAB-F073-4561-A484-42C7DD10DC26}"/>
+                </a:ext>
+                <a:ext uri="{C183D7F6-B498-43B3-948B-1728B52AA6E4}">
+                  <adec:decorative xmlns:adec="http://schemas.microsoft.com/office/drawing/2017/decorative" val="1"/>
+                </a:ext>
+              </a:extLst>
+            </p:cNvPr>
+            <p:cNvSpPr/>
+            <p:nvPr>
+              <p:extLst>
+                <p:ext uri="{386F3935-93C4-4BCD-93E2-E3B085C9AB24}">
+                  <p16:designElem xmlns:p16="http://schemas.microsoft.com/office/powerpoint/2015/main" val="1"/>
+                </p:ext>
+              </p:extLst>
+            </p:nvPr>
+          </p:nvSpPr>
+          <p:spPr>
+            <a:xfrm>
+              <a:off x="10141090" y="4115729"/>
+              <a:ext cx="202882" cy="268223"/>
+            </a:xfrm>
+            <a:custGeom>
+              <a:avLst/>
+              <a:gdLst>
+                <a:gd name="connsiteX0" fmla="*/ 20669 w 202882"/>
+                <a:gd name="connsiteY0" fmla="*/ 268224 h 268223"/>
+                <a:gd name="connsiteX1" fmla="*/ 0 w 202882"/>
+                <a:gd name="connsiteY1" fmla="*/ 268224 h 268223"/>
+                <a:gd name="connsiteX2" fmla="*/ 182118 w 202882"/>
+                <a:gd name="connsiteY2" fmla="*/ 0 h 268223"/>
+                <a:gd name="connsiteX3" fmla="*/ 202883 w 202882"/>
+                <a:gd name="connsiteY3" fmla="*/ 0 h 268223"/>
+              </a:gdLst>
+              <a:ahLst/>
+              <a:cxnLst>
+                <a:cxn ang="0">
+                  <a:pos x="connsiteX0" y="connsiteY0"/>
+                </a:cxn>
+                <a:cxn ang="0">
+                  <a:pos x="connsiteX1" y="connsiteY1"/>
+                </a:cxn>
+                <a:cxn ang="0">
+                  <a:pos x="connsiteX2" y="connsiteY2"/>
+                </a:cxn>
+                <a:cxn ang="0">
+                  <a:pos x="connsiteX3" y="connsiteY3"/>
+                </a:cxn>
+              </a:cxnLst>
+              <a:rect l="l" t="t" r="r" b="b"/>
+              <a:pathLst>
+                <a:path w="202882" h="268223">
+                  <a:moveTo>
+                    <a:pt x="20669" y="268224"/>
+                  </a:moveTo>
+                  <a:lnTo>
+                    <a:pt x="0" y="268224"/>
+                  </a:lnTo>
+                  <a:lnTo>
+                    <a:pt x="182118" y="0"/>
+                  </a:lnTo>
+                  <a:lnTo>
+                    <a:pt x="202883" y="0"/>
+                  </a:lnTo>
+                  <a:close/>
+                </a:path>
+              </a:pathLst>
+            </a:custGeom>
+            <a:grpFill/>
+            <a:ln w="9525" cap="flat">
+              <a:noFill/>
+              <a:prstDash val="solid"/>
+              <a:miter/>
+            </a:ln>
+          </p:spPr>
+          <p:txBody>
+            <a:bodyPr rtlCol="0" anchor="ctr"/>
+            <a:lstStyle/>
+            <a:p>
+              <a:endParaRPr lang="en-US"/>
+            </a:p>
+          </p:txBody>
+        </p:sp>
+        <p:sp>
+          <p:nvSpPr>
+            <p:cNvPr id="13" name="Freeform: Shape 12">
+              <a:extLst>
+                <a:ext uri="{FF2B5EF4-FFF2-40B4-BE49-F238E27FC236}">
+                  <a16:creationId xmlns:a16="http://schemas.microsoft.com/office/drawing/2014/main" id="{6CF8DB94-87A3-43E9-9BBB-301CFF0FB05B}"/>
+                </a:ext>
+                <a:ext uri="{C183D7F6-B498-43B3-948B-1728B52AA6E4}">
+                  <adec:decorative xmlns:adec="http://schemas.microsoft.com/office/drawing/2017/decorative" val="1"/>
+                </a:ext>
+              </a:extLst>
+            </p:cNvPr>
+            <p:cNvSpPr/>
+            <p:nvPr>
+              <p:extLst>
+                <p:ext uri="{386F3935-93C4-4BCD-93E2-E3B085C9AB24}">
+                  <p16:designElem xmlns:p16="http://schemas.microsoft.com/office/powerpoint/2015/main" val="1"/>
+                </p:ext>
+              </p:extLst>
+            </p:nvPr>
+          </p:nvSpPr>
+          <p:spPr>
+            <a:xfrm>
+              <a:off x="10240911" y="4115729"/>
+              <a:ext cx="202882" cy="268223"/>
+            </a:xfrm>
+            <a:custGeom>
+              <a:avLst/>
+              <a:gdLst>
+                <a:gd name="connsiteX0" fmla="*/ 20669 w 202882"/>
+                <a:gd name="connsiteY0" fmla="*/ 268224 h 268223"/>
+                <a:gd name="connsiteX1" fmla="*/ 0 w 202882"/>
+                <a:gd name="connsiteY1" fmla="*/ 268224 h 268223"/>
+                <a:gd name="connsiteX2" fmla="*/ 182118 w 202882"/>
+                <a:gd name="connsiteY2" fmla="*/ 0 h 268223"/>
+                <a:gd name="connsiteX3" fmla="*/ 202883 w 202882"/>
+                <a:gd name="connsiteY3" fmla="*/ 0 h 268223"/>
+              </a:gdLst>
+              <a:ahLst/>
+              <a:cxnLst>
+                <a:cxn ang="0">
+                  <a:pos x="connsiteX0" y="connsiteY0"/>
+                </a:cxn>
+                <a:cxn ang="0">
+                  <a:pos x="connsiteX1" y="connsiteY1"/>
+                </a:cxn>
+                <a:cxn ang="0">
+                  <a:pos x="connsiteX2" y="connsiteY2"/>
+                </a:cxn>
+                <a:cxn ang="0">
+                  <a:pos x="connsiteX3" y="connsiteY3"/>
+                </a:cxn>
+              </a:cxnLst>
+              <a:rect l="l" t="t" r="r" b="b"/>
+              <a:pathLst>
+                <a:path w="202882" h="268223">
+                  <a:moveTo>
+                    <a:pt x="20669" y="268224"/>
+                  </a:moveTo>
+                  <a:lnTo>
+                    <a:pt x="0" y="268224"/>
+                  </a:lnTo>
+                  <a:lnTo>
+                    <a:pt x="182118" y="0"/>
+                  </a:lnTo>
+                  <a:lnTo>
+                    <a:pt x="202883" y="0"/>
+                  </a:lnTo>
+                  <a:close/>
+                </a:path>
+              </a:pathLst>
+            </a:custGeom>
+            <a:grpFill/>
+            <a:ln w="9525" cap="flat">
+              <a:noFill/>
+              <a:prstDash val="solid"/>
+              <a:miter/>
+            </a:ln>
+          </p:spPr>
+          <p:txBody>
+            <a:bodyPr rtlCol="0" anchor="ctr"/>
+            <a:lstStyle/>
+            <a:p>
+              <a:endParaRPr lang="en-US"/>
+            </a:p>
+          </p:txBody>
+        </p:sp>
+      </p:grpSp>
+      <p:sp>
+        <p:nvSpPr>
+          <p:cNvPr id="15" name="Oval 14">
+            <a:extLst>
+              <a:ext uri="{FF2B5EF4-FFF2-40B4-BE49-F238E27FC236}">
+                <a16:creationId xmlns:a16="http://schemas.microsoft.com/office/drawing/2014/main" id="{7D6BF779-0B8C-4CC2-9268-9506AD0C5331}"/>
+              </a:ext>
+              <a:ext uri="{C183D7F6-B498-43B3-948B-1728B52AA6E4}">
+                <adec:decorative xmlns:adec="http://schemas.microsoft.com/office/drawing/2017/decorative" val="1"/>
+              </a:ext>
+            </a:extLst>
+          </p:cNvPr>
+          <p:cNvSpPr>
+            <a:spLocks noGrp="1" noRot="1" noChangeAspect="1" noMove="1" noResize="1" noEditPoints="1" noAdjustHandles="1" noChangeArrowheads="1" noChangeShapeType="1" noTextEdit="1"/>
+          </p:cNvSpPr>
+          <p:nvPr>
+            <p:extLst>
+              <p:ext uri="{386F3935-93C4-4BCD-93E2-E3B085C9AB24}">
+                <p16:designElem xmlns:p16="http://schemas.microsoft.com/office/powerpoint/2015/main" val="1"/>
+              </p:ext>
+            </p:extLst>
+          </p:nvPr>
+        </p:nvSpPr>
+        <p:spPr>
+          <a:xfrm>
+            <a:off x="320736" y="652894"/>
+            <a:ext cx="319941" cy="319941"/>
+          </a:xfrm>
+          <a:prstGeom prst="ellipse">
+            <a:avLst/>
+          </a:prstGeom>
+          <a:solidFill>
+            <a:schemeClr val="accent3">
+              <a:lumMod val="20000"/>
+              <a:lumOff val="80000"/>
+            </a:schemeClr>
+          </a:solidFill>
+          <a:ln w="28575">
+            <a:solidFill>
+              <a:schemeClr val="tx1"/>
+            </a:solidFill>
+          </a:ln>
+        </p:spPr>
+        <p:style>
+          <a:lnRef idx="2">
+            <a:schemeClr val="accent1">
+              <a:shade val="50000"/>
+            </a:schemeClr>
+          </a:lnRef>
+          <a:fillRef idx="1">
+            <a:schemeClr val="accent1"/>
+          </a:fillRef>
+          <a:effectRef idx="0">
+            <a:schemeClr val="accent1"/>
+          </a:effectRef>
+          <a:fontRef idx="minor">
+            <a:schemeClr val="lt1"/>
+          </a:fontRef>
+        </p:style>
+        <p:txBody>
+          <a:bodyPr rot="0" spcFirstLastPara="0" vertOverflow="overflow" horzOverflow="overflow" vert="horz" wrap="square" lIns="91440" tIns="45720" rIns="91440" bIns="45720" numCol="1" spcCol="0" rtlCol="0" fromWordArt="0" anchor="ctr" anchorCtr="0" forceAA="0" compatLnSpc="1">
+            <a:prstTxWarp prst="textNoShape">
+              <a:avLst/>
+            </a:prstTxWarp>
+            <a:noAutofit/>
+          </a:bodyPr>
+          <a:lstStyle/>
+          <a:p>
+            <a:pPr algn="ctr"/>
+            <a:endParaRPr lang="en-US"/>
+          </a:p>
+        </p:txBody>
+      </p:sp>
+      <p:sp useBgFill="1">
+        <p:nvSpPr>
+          <p:cNvPr id="17" name="Rectangle 16">
+            <a:extLst>
+              <a:ext uri="{FF2B5EF4-FFF2-40B4-BE49-F238E27FC236}">
+                <a16:creationId xmlns:a16="http://schemas.microsoft.com/office/drawing/2014/main" id="{3A397E3E-B90C-4D82-BAAA-36F7AC6A4565}"/>
+              </a:ext>
+              <a:ext uri="{C183D7F6-B498-43B3-948B-1728B52AA6E4}">
+                <adec:decorative xmlns:adec="http://schemas.microsoft.com/office/drawing/2017/decorative" val="1"/>
+              </a:ext>
+            </a:extLst>
+          </p:cNvPr>
+          <p:cNvSpPr>
+            <a:spLocks noGrp="1" noRot="1" noChangeAspect="1" noMove="1" noResize="1" noEditPoints="1" noAdjustHandles="1" noChangeArrowheads="1" noChangeShapeType="1" noTextEdit="1"/>
+          </p:cNvSpPr>
+          <p:nvPr>
+            <p:extLst>
+              <p:ext uri="{386F3935-93C4-4BCD-93E2-E3B085C9AB24}">
+                <p16:designElem xmlns:p16="http://schemas.microsoft.com/office/powerpoint/2015/main" val="1"/>
+              </p:ext>
+            </p:extLst>
+          </p:nvPr>
+        </p:nvSpPr>
+        <p:spPr>
+          <a:xfrm>
+            <a:off x="0" y="0"/>
+            <a:ext cx="12192000" cy="6858000"/>
+          </a:xfrm>
+          <a:prstGeom prst="rect">
+            <a:avLst/>
+          </a:prstGeom>
+          <a:ln>
+            <a:noFill/>
+          </a:ln>
+        </p:spPr>
+        <p:style>
+          <a:lnRef idx="2">
+            <a:schemeClr val="accent1">
+              <a:shade val="50000"/>
+            </a:schemeClr>
+          </a:lnRef>
+          <a:fillRef idx="1">
+            <a:schemeClr val="accent1"/>
+          </a:fillRef>
+          <a:effectRef idx="0">
+            <a:schemeClr val="accent1"/>
+          </a:effectRef>
+          <a:fontRef idx="minor">
+            <a:schemeClr val="lt1"/>
+          </a:fontRef>
+        </p:style>
+        <p:txBody>
+          <a:bodyPr rtlCol="0" anchor="ctr"/>
+          <a:lstStyle/>
+          <a:p>
+            <a:pPr algn="ctr"/>
+            <a:endParaRPr lang="en-US" dirty="0"/>
+          </a:p>
+        </p:txBody>
+      </p:sp>
+      <p:sp>
+        <p:nvSpPr>
+          <p:cNvPr id="19" name="Freeform: Shape 18">
+            <a:extLst>
+              <a:ext uri="{FF2B5EF4-FFF2-40B4-BE49-F238E27FC236}">
+                <a16:creationId xmlns:a16="http://schemas.microsoft.com/office/drawing/2014/main" id="{E16C8D8F-10E9-4498-ABDB-0F923F8B6837}"/>
+              </a:ext>
+              <a:ext uri="{C183D7F6-B498-43B3-948B-1728B52AA6E4}">
+                <adec:decorative xmlns:adec="http://schemas.microsoft.com/office/drawing/2017/decorative" val="1"/>
+              </a:ext>
+            </a:extLst>
+          </p:cNvPr>
+          <p:cNvSpPr>
+            <a:spLocks noGrp="1" noRot="1" noChangeAspect="1" noMove="1" noResize="1" noEditPoints="1" noAdjustHandles="1" noChangeArrowheads="1" noChangeShapeType="1" noTextEdit="1"/>
+          </p:cNvSpPr>
+          <p:nvPr>
+            <p:extLst>
+              <p:ext uri="{386F3935-93C4-4BCD-93E2-E3B085C9AB24}">
+                <p16:designElem xmlns:p16="http://schemas.microsoft.com/office/powerpoint/2015/main" val="1"/>
+              </p:ext>
+            </p:extLst>
+          </p:nvPr>
+        </p:nvSpPr>
+        <p:spPr>
+          <a:xfrm>
+            <a:off x="0" y="1124561"/>
+            <a:ext cx="1861854" cy="277779"/>
+          </a:xfrm>
+          <a:custGeom>
+            <a:avLst/>
+            <a:gdLst>
+              <a:gd name="connsiteX0" fmla="*/ 180458 w 1861854"/>
+              <a:gd name="connsiteY0" fmla="*/ 0 h 277779"/>
+              <a:gd name="connsiteX1" fmla="*/ 419222 w 1861854"/>
+              <a:gd name="connsiteY1" fmla="*/ 238761 h 277779"/>
+              <a:gd name="connsiteX2" fmla="*/ 657984 w 1861854"/>
+              <a:gd name="connsiteY2" fmla="*/ 0 h 277779"/>
+              <a:gd name="connsiteX3" fmla="*/ 896745 w 1861854"/>
+              <a:gd name="connsiteY3" fmla="*/ 238761 h 277779"/>
+              <a:gd name="connsiteX4" fmla="*/ 1135754 w 1861854"/>
+              <a:gd name="connsiteY4" fmla="*/ 0 h 277779"/>
+              <a:gd name="connsiteX5" fmla="*/ 1374516 w 1861854"/>
+              <a:gd name="connsiteY5" fmla="*/ 238761 h 277779"/>
+              <a:gd name="connsiteX6" fmla="*/ 1613277 w 1861854"/>
+              <a:gd name="connsiteY6" fmla="*/ 0 h 277779"/>
+              <a:gd name="connsiteX7" fmla="*/ 1861854 w 1861854"/>
+              <a:gd name="connsiteY7" fmla="*/ 248577 h 277779"/>
+              <a:gd name="connsiteX8" fmla="*/ 1842470 w 1861854"/>
+              <a:gd name="connsiteY8" fmla="*/ 267963 h 277779"/>
+              <a:gd name="connsiteX9" fmla="*/ 1613277 w 1861854"/>
+              <a:gd name="connsiteY9" fmla="*/ 39017 h 277779"/>
+              <a:gd name="connsiteX10" fmla="*/ 1374516 w 1861854"/>
+              <a:gd name="connsiteY10" fmla="*/ 277779 h 277779"/>
+              <a:gd name="connsiteX11" fmla="*/ 1135754 w 1861854"/>
+              <a:gd name="connsiteY11" fmla="*/ 39017 h 277779"/>
+              <a:gd name="connsiteX12" fmla="*/ 896745 w 1861854"/>
+              <a:gd name="connsiteY12" fmla="*/ 277779 h 277779"/>
+              <a:gd name="connsiteX13" fmla="*/ 657984 w 1861854"/>
+              <a:gd name="connsiteY13" fmla="*/ 39017 h 277779"/>
+              <a:gd name="connsiteX14" fmla="*/ 419222 w 1861854"/>
+              <a:gd name="connsiteY14" fmla="*/ 277779 h 277779"/>
+              <a:gd name="connsiteX15" fmla="*/ 180458 w 1861854"/>
+              <a:gd name="connsiteY15" fmla="*/ 39017 h 277779"/>
+              <a:gd name="connsiteX16" fmla="*/ 0 w 1861854"/>
+              <a:gd name="connsiteY16" fmla="*/ 219283 h 277779"/>
+              <a:gd name="connsiteX17" fmla="*/ 0 w 1861854"/>
+              <a:gd name="connsiteY17" fmla="*/ 180458 h 277779"/>
+            </a:gdLst>
+            <a:ahLst/>
+            <a:cxnLst>
+              <a:cxn ang="0">
+                <a:pos x="connsiteX0" y="connsiteY0"/>
+              </a:cxn>
+              <a:cxn ang="0">
+                <a:pos x="connsiteX1" y="connsiteY1"/>
+              </a:cxn>
+              <a:cxn ang="0">
+                <a:pos x="connsiteX2" y="connsiteY2"/>
+              </a:cxn>
+              <a:cxn ang="0">
+                <a:pos x="connsiteX3" y="connsiteY3"/>
+              </a:cxn>
+              <a:cxn ang="0">
+                <a:pos x="connsiteX4" y="connsiteY4"/>
+              </a:cxn>
+              <a:cxn ang="0">
+                <a:pos x="connsiteX5" y="connsiteY5"/>
+              </a:cxn>
+              <a:cxn ang="0">
+                <a:pos x="connsiteX6" y="connsiteY6"/>
+              </a:cxn>
+              <a:cxn ang="0">
+                <a:pos x="connsiteX7" y="connsiteY7"/>
+              </a:cxn>
+              <a:cxn ang="0">
+                <a:pos x="connsiteX8" y="connsiteY8"/>
+              </a:cxn>
+              <a:cxn ang="0">
+                <a:pos x="connsiteX9" y="connsiteY9"/>
+              </a:cxn>
+              <a:cxn ang="0">
+                <a:pos x="connsiteX10" y="connsiteY10"/>
+              </a:cxn>
+              <a:cxn ang="0">
+                <a:pos x="connsiteX11" y="connsiteY11"/>
+              </a:cxn>
+              <a:cxn ang="0">
+                <a:pos x="connsiteX12" y="connsiteY12"/>
+              </a:cxn>
+              <a:cxn ang="0">
+                <a:pos x="connsiteX13" y="connsiteY13"/>
+              </a:cxn>
+              <a:cxn ang="0">
+                <a:pos x="connsiteX14" y="connsiteY14"/>
+              </a:cxn>
+              <a:cxn ang="0">
+                <a:pos x="connsiteX15" y="connsiteY15"/>
+              </a:cxn>
+              <a:cxn ang="0">
+                <a:pos x="connsiteX16" y="connsiteY16"/>
+              </a:cxn>
+              <a:cxn ang="0">
+                <a:pos x="connsiteX17" y="connsiteY17"/>
+              </a:cxn>
+            </a:cxnLst>
+            <a:rect l="l" t="t" r="r" b="b"/>
+            <a:pathLst>
+              <a:path w="1861854" h="277779">
+                <a:moveTo>
+                  <a:pt x="180458" y="0"/>
+                </a:moveTo>
+                <a:lnTo>
+                  <a:pt x="419222" y="238761"/>
+                </a:lnTo>
+                <a:lnTo>
+                  <a:pt x="657984" y="0"/>
+                </a:lnTo>
+                <a:lnTo>
+                  <a:pt x="896745" y="238761"/>
+                </a:lnTo>
+                <a:lnTo>
+                  <a:pt x="1135754" y="0"/>
+                </a:lnTo>
+                <a:lnTo>
+                  <a:pt x="1374516" y="238761"/>
+                </a:lnTo>
+                <a:lnTo>
+                  <a:pt x="1613277" y="0"/>
+                </a:lnTo>
+                <a:lnTo>
+                  <a:pt x="1861854" y="248577"/>
+                </a:lnTo>
+                <a:lnTo>
+                  <a:pt x="1842470" y="267963"/>
+                </a:lnTo>
+                <a:lnTo>
+                  <a:pt x="1613277" y="39017"/>
+                </a:lnTo>
+                <a:lnTo>
+                  <a:pt x="1374516" y="277779"/>
+                </a:lnTo>
+                <a:lnTo>
+                  <a:pt x="1135754" y="39017"/>
+                </a:lnTo>
+                <a:lnTo>
+                  <a:pt x="896745" y="277779"/>
+                </a:lnTo>
+                <a:lnTo>
+                  <a:pt x="657984" y="39017"/>
+                </a:lnTo>
+                <a:lnTo>
+                  <a:pt x="419222" y="277779"/>
+                </a:lnTo>
+                <a:lnTo>
+                  <a:pt x="180458" y="39017"/>
+                </a:lnTo>
+                <a:lnTo>
+                  <a:pt x="0" y="219283"/>
+                </a:lnTo>
+                <a:lnTo>
+                  <a:pt x="0" y="180458"/>
+                </a:lnTo>
+                <a:close/>
+              </a:path>
+            </a:pathLst>
+          </a:custGeom>
+          <a:solidFill>
+            <a:schemeClr val="tx1"/>
+          </a:solidFill>
+          <a:ln w="9525" cap="flat">
+            <a:noFill/>
+            <a:prstDash val="solid"/>
+            <a:miter/>
+          </a:ln>
+        </p:spPr>
+        <p:txBody>
+          <a:bodyPr wrap="square" rtlCol="0" anchor="ctr">
+            <a:noAutofit/>
+          </a:bodyPr>
+          <a:lstStyle/>
+          <a:p>
+            <a:endParaRPr lang="en-US"/>
+          </a:p>
+        </p:txBody>
+      </p:sp>
+      <p:sp>
+        <p:nvSpPr>
+          <p:cNvPr id="21" name="Freeform: Shape 20">
+            <a:extLst>
+              <a:ext uri="{FF2B5EF4-FFF2-40B4-BE49-F238E27FC236}">
+                <a16:creationId xmlns:a16="http://schemas.microsoft.com/office/drawing/2014/main" id="{2DA1274F-9232-42BF-B9FE-B95EA14CF41B}"/>
+              </a:ext>
+              <a:ext uri="{C183D7F6-B498-43B3-948B-1728B52AA6E4}">
+                <adec:decorative xmlns:adec="http://schemas.microsoft.com/office/drawing/2017/decorative" val="1"/>
+              </a:ext>
+            </a:extLst>
+          </p:cNvPr>
+          <p:cNvSpPr>
+            <a:spLocks noGrp="1" noRot="1" noChangeAspect="1" noMove="1" noResize="1" noEditPoints="1" noAdjustHandles="1" noChangeArrowheads="1" noChangeShapeType="1" noTextEdit="1"/>
+          </p:cNvSpPr>
+          <p:nvPr>
+            <p:extLst>
+              <p:ext uri="{386F3935-93C4-4BCD-93E2-E3B085C9AB24}">
+                <p16:designElem xmlns:p16="http://schemas.microsoft.com/office/powerpoint/2015/main" val="1"/>
+              </p:ext>
+            </p:extLst>
+          </p:nvPr>
+        </p:nvSpPr>
+        <p:spPr>
+          <a:xfrm>
+            <a:off x="0" y="1124561"/>
+            <a:ext cx="1861854" cy="277779"/>
+          </a:xfrm>
+          <a:custGeom>
+            <a:avLst/>
+            <a:gdLst>
+              <a:gd name="connsiteX0" fmla="*/ 180458 w 1861854"/>
+              <a:gd name="connsiteY0" fmla="*/ 0 h 277779"/>
+              <a:gd name="connsiteX1" fmla="*/ 419222 w 1861854"/>
+              <a:gd name="connsiteY1" fmla="*/ 238761 h 277779"/>
+              <a:gd name="connsiteX2" fmla="*/ 657984 w 1861854"/>
+              <a:gd name="connsiteY2" fmla="*/ 0 h 277779"/>
+              <a:gd name="connsiteX3" fmla="*/ 896745 w 1861854"/>
+              <a:gd name="connsiteY3" fmla="*/ 238761 h 277779"/>
+              <a:gd name="connsiteX4" fmla="*/ 1135754 w 1861854"/>
+              <a:gd name="connsiteY4" fmla="*/ 0 h 277779"/>
+              <a:gd name="connsiteX5" fmla="*/ 1374516 w 1861854"/>
+              <a:gd name="connsiteY5" fmla="*/ 238761 h 277779"/>
+              <a:gd name="connsiteX6" fmla="*/ 1613277 w 1861854"/>
+              <a:gd name="connsiteY6" fmla="*/ 0 h 277779"/>
+              <a:gd name="connsiteX7" fmla="*/ 1861854 w 1861854"/>
+              <a:gd name="connsiteY7" fmla="*/ 248577 h 277779"/>
+              <a:gd name="connsiteX8" fmla="*/ 1842470 w 1861854"/>
+              <a:gd name="connsiteY8" fmla="*/ 267963 h 277779"/>
+              <a:gd name="connsiteX9" fmla="*/ 1613277 w 1861854"/>
+              <a:gd name="connsiteY9" fmla="*/ 39017 h 277779"/>
+              <a:gd name="connsiteX10" fmla="*/ 1374516 w 1861854"/>
+              <a:gd name="connsiteY10" fmla="*/ 277779 h 277779"/>
+              <a:gd name="connsiteX11" fmla="*/ 1135754 w 1861854"/>
+              <a:gd name="connsiteY11" fmla="*/ 39017 h 277779"/>
+              <a:gd name="connsiteX12" fmla="*/ 896745 w 1861854"/>
+              <a:gd name="connsiteY12" fmla="*/ 277779 h 277779"/>
+              <a:gd name="connsiteX13" fmla="*/ 657984 w 1861854"/>
+              <a:gd name="connsiteY13" fmla="*/ 39017 h 277779"/>
+              <a:gd name="connsiteX14" fmla="*/ 419222 w 1861854"/>
+              <a:gd name="connsiteY14" fmla="*/ 277779 h 277779"/>
+              <a:gd name="connsiteX15" fmla="*/ 180458 w 1861854"/>
+              <a:gd name="connsiteY15" fmla="*/ 39017 h 277779"/>
+              <a:gd name="connsiteX16" fmla="*/ 0 w 1861854"/>
+              <a:gd name="connsiteY16" fmla="*/ 219283 h 277779"/>
+              <a:gd name="connsiteX17" fmla="*/ 0 w 1861854"/>
+              <a:gd name="connsiteY17" fmla="*/ 180458 h 277779"/>
+            </a:gdLst>
+            <a:ahLst/>
+            <a:cxnLst>
+              <a:cxn ang="0">
+                <a:pos x="connsiteX0" y="connsiteY0"/>
+              </a:cxn>
+              <a:cxn ang="0">
+                <a:pos x="connsiteX1" y="connsiteY1"/>
+              </a:cxn>
+              <a:cxn ang="0">
+                <a:pos x="connsiteX2" y="connsiteY2"/>
+              </a:cxn>
+              <a:cxn ang="0">
+                <a:pos x="connsiteX3" y="connsiteY3"/>
+              </a:cxn>
+              <a:cxn ang="0">
+                <a:pos x="connsiteX4" y="connsiteY4"/>
+              </a:cxn>
+              <a:cxn ang="0">
+                <a:pos x="connsiteX5" y="connsiteY5"/>
+              </a:cxn>
+              <a:cxn ang="0">
+                <a:pos x="connsiteX6" y="connsiteY6"/>
+              </a:cxn>
+              <a:cxn ang="0">
+                <a:pos x="connsiteX7" y="connsiteY7"/>
+              </a:cxn>
+              <a:cxn ang="0">
+                <a:pos x="connsiteX8" y="connsiteY8"/>
+              </a:cxn>
+              <a:cxn ang="0">
+                <a:pos x="connsiteX9" y="connsiteY9"/>
+              </a:cxn>
+              <a:cxn ang="0">
+                <a:pos x="connsiteX10" y="connsiteY10"/>
+              </a:cxn>
+              <a:cxn ang="0">
+                <a:pos x="connsiteX11" y="connsiteY11"/>
+              </a:cxn>
+              <a:cxn ang="0">
+                <a:pos x="connsiteX12" y="connsiteY12"/>
+              </a:cxn>
+              <a:cxn ang="0">
+                <a:pos x="connsiteX13" y="connsiteY13"/>
+              </a:cxn>
+              <a:cxn ang="0">
+                <a:pos x="connsiteX14" y="connsiteY14"/>
+              </a:cxn>
+              <a:cxn ang="0">
+                <a:pos x="connsiteX15" y="connsiteY15"/>
+              </a:cxn>
+              <a:cxn ang="0">
+                <a:pos x="connsiteX16" y="connsiteY16"/>
+              </a:cxn>
+              <a:cxn ang="0">
+                <a:pos x="connsiteX17" y="connsiteY17"/>
+              </a:cxn>
+            </a:cxnLst>
+            <a:rect l="l" t="t" r="r" b="b"/>
+            <a:pathLst>
+              <a:path w="1861854" h="277779">
+                <a:moveTo>
+                  <a:pt x="180458" y="0"/>
+                </a:moveTo>
+                <a:lnTo>
+                  <a:pt x="419222" y="238761"/>
+                </a:lnTo>
+                <a:lnTo>
+                  <a:pt x="657984" y="0"/>
+                </a:lnTo>
+                <a:lnTo>
+                  <a:pt x="896745" y="238761"/>
+                </a:lnTo>
+                <a:lnTo>
+                  <a:pt x="1135754" y="0"/>
+                </a:lnTo>
+                <a:lnTo>
+                  <a:pt x="1374516" y="238761"/>
+                </a:lnTo>
+                <a:lnTo>
+                  <a:pt x="1613277" y="0"/>
+                </a:lnTo>
+                <a:lnTo>
+                  <a:pt x="1861854" y="248577"/>
+                </a:lnTo>
+                <a:lnTo>
+                  <a:pt x="1842470" y="267963"/>
+                </a:lnTo>
+                <a:lnTo>
+                  <a:pt x="1613277" y="39017"/>
+                </a:lnTo>
+                <a:lnTo>
+                  <a:pt x="1374516" y="277779"/>
+                </a:lnTo>
+                <a:lnTo>
+                  <a:pt x="1135754" y="39017"/>
+                </a:lnTo>
+                <a:lnTo>
+                  <a:pt x="896745" y="277779"/>
+                </a:lnTo>
+                <a:lnTo>
+                  <a:pt x="657984" y="39017"/>
+                </a:lnTo>
+                <a:lnTo>
+                  <a:pt x="419222" y="277779"/>
+                </a:lnTo>
+                <a:lnTo>
+                  <a:pt x="180458" y="39017"/>
+                </a:lnTo>
+                <a:lnTo>
+                  <a:pt x="0" y="219283"/>
+                </a:lnTo>
+                <a:lnTo>
+                  <a:pt x="0" y="180458"/>
+                </a:lnTo>
+                <a:close/>
+              </a:path>
+            </a:pathLst>
+          </a:custGeom>
+          <a:solidFill>
+            <a:schemeClr val="accent3">
+              <a:alpha val="20000"/>
+            </a:schemeClr>
+          </a:solidFill>
+          <a:ln w="9525" cap="flat">
+            <a:noFill/>
+            <a:prstDash val="solid"/>
+            <a:miter/>
+          </a:ln>
+        </p:spPr>
+        <p:txBody>
+          <a:bodyPr wrap="square" rtlCol="0" anchor="ctr">
+            <a:noAutofit/>
+          </a:bodyPr>
+          <a:lstStyle/>
+          <a:p>
+            <a:endParaRPr lang="en-US"/>
+          </a:p>
+        </p:txBody>
+      </p:sp>
+      <p:sp>
+        <p:nvSpPr>
+          <p:cNvPr id="23" name="Freeform: Shape 22">
+            <a:extLst>
+              <a:ext uri="{FF2B5EF4-FFF2-40B4-BE49-F238E27FC236}">
+                <a16:creationId xmlns:a16="http://schemas.microsoft.com/office/drawing/2014/main" id="{1E5A83E3-8A11-4492-BB6E-F5F2240316FB}"/>
+              </a:ext>
+              <a:ext uri="{C183D7F6-B498-43B3-948B-1728B52AA6E4}">
+                <adec:decorative xmlns:adec="http://schemas.microsoft.com/office/drawing/2017/decorative" val="1"/>
+              </a:ext>
+            </a:extLst>
+          </p:cNvPr>
+          <p:cNvSpPr>
+            <a:spLocks noGrp="1" noRot="1" noChangeAspect="1" noMove="1" noResize="1" noEditPoints="1" noAdjustHandles="1" noChangeArrowheads="1" noChangeShapeType="1" noTextEdit="1"/>
+          </p:cNvSpPr>
+          <p:nvPr>
+            <p:extLst>
+              <p:ext uri="{386F3935-93C4-4BCD-93E2-E3B085C9AB24}">
+                <p16:designElem xmlns:p16="http://schemas.microsoft.com/office/powerpoint/2015/main" val="1"/>
+              </p:ext>
+            </p:extLst>
+          </p:nvPr>
+        </p:nvSpPr>
+        <p:spPr>
+          <a:xfrm>
+            <a:off x="0" y="1564296"/>
+            <a:ext cx="1861854" cy="277779"/>
+          </a:xfrm>
+          <a:custGeom>
+            <a:avLst/>
+            <a:gdLst>
+              <a:gd name="connsiteX0" fmla="*/ 180458 w 1861854"/>
+              <a:gd name="connsiteY0" fmla="*/ 0 h 277779"/>
+              <a:gd name="connsiteX1" fmla="*/ 419222 w 1861854"/>
+              <a:gd name="connsiteY1" fmla="*/ 238761 h 277779"/>
+              <a:gd name="connsiteX2" fmla="*/ 657984 w 1861854"/>
+              <a:gd name="connsiteY2" fmla="*/ 0 h 277779"/>
+              <a:gd name="connsiteX3" fmla="*/ 896745 w 1861854"/>
+              <a:gd name="connsiteY3" fmla="*/ 238761 h 277779"/>
+              <a:gd name="connsiteX4" fmla="*/ 1135754 w 1861854"/>
+              <a:gd name="connsiteY4" fmla="*/ 0 h 277779"/>
+              <a:gd name="connsiteX5" fmla="*/ 1374516 w 1861854"/>
+              <a:gd name="connsiteY5" fmla="*/ 238761 h 277779"/>
+              <a:gd name="connsiteX6" fmla="*/ 1613277 w 1861854"/>
+              <a:gd name="connsiteY6" fmla="*/ 0 h 277779"/>
+              <a:gd name="connsiteX7" fmla="*/ 1861854 w 1861854"/>
+              <a:gd name="connsiteY7" fmla="*/ 248577 h 277779"/>
+              <a:gd name="connsiteX8" fmla="*/ 1842470 w 1861854"/>
+              <a:gd name="connsiteY8" fmla="*/ 268208 h 277779"/>
+              <a:gd name="connsiteX9" fmla="*/ 1613277 w 1861854"/>
+              <a:gd name="connsiteY9" fmla="*/ 39017 h 277779"/>
+              <a:gd name="connsiteX10" fmla="*/ 1374516 w 1861854"/>
+              <a:gd name="connsiteY10" fmla="*/ 277779 h 277779"/>
+              <a:gd name="connsiteX11" fmla="*/ 1135754 w 1861854"/>
+              <a:gd name="connsiteY11" fmla="*/ 39017 h 277779"/>
+              <a:gd name="connsiteX12" fmla="*/ 896745 w 1861854"/>
+              <a:gd name="connsiteY12" fmla="*/ 277779 h 277779"/>
+              <a:gd name="connsiteX13" fmla="*/ 657984 w 1861854"/>
+              <a:gd name="connsiteY13" fmla="*/ 39017 h 277779"/>
+              <a:gd name="connsiteX14" fmla="*/ 419222 w 1861854"/>
+              <a:gd name="connsiteY14" fmla="*/ 277779 h 277779"/>
+              <a:gd name="connsiteX15" fmla="*/ 180458 w 1861854"/>
+              <a:gd name="connsiteY15" fmla="*/ 39017 h 277779"/>
+              <a:gd name="connsiteX16" fmla="*/ 0 w 1861854"/>
+              <a:gd name="connsiteY16" fmla="*/ 219475 h 277779"/>
+              <a:gd name="connsiteX17" fmla="*/ 0 w 1861854"/>
+              <a:gd name="connsiteY17" fmla="*/ 180458 h 277779"/>
+            </a:gdLst>
+            <a:ahLst/>
+            <a:cxnLst>
+              <a:cxn ang="0">
+                <a:pos x="connsiteX0" y="connsiteY0"/>
+              </a:cxn>
+              <a:cxn ang="0">
+                <a:pos x="connsiteX1" y="connsiteY1"/>
+              </a:cxn>
+              <a:cxn ang="0">
+                <a:pos x="connsiteX2" y="connsiteY2"/>
+              </a:cxn>
+              <a:cxn ang="0">
+                <a:pos x="connsiteX3" y="connsiteY3"/>
+              </a:cxn>
+              <a:cxn ang="0">
+                <a:pos x="connsiteX4" y="connsiteY4"/>
+              </a:cxn>
+              <a:cxn ang="0">
+                <a:pos x="connsiteX5" y="connsiteY5"/>
+              </a:cxn>
+              <a:cxn ang="0">
+                <a:pos x="connsiteX6" y="connsiteY6"/>
+              </a:cxn>
+              <a:cxn ang="0">
+                <a:pos x="connsiteX7" y="connsiteY7"/>
+              </a:cxn>
+              <a:cxn ang="0">
+                <a:pos x="connsiteX8" y="connsiteY8"/>
+              </a:cxn>
+              <a:cxn ang="0">
+                <a:pos x="connsiteX9" y="connsiteY9"/>
+              </a:cxn>
+              <a:cxn ang="0">
+                <a:pos x="connsiteX10" y="connsiteY10"/>
+              </a:cxn>
+              <a:cxn ang="0">
+                <a:pos x="connsiteX11" y="connsiteY11"/>
+              </a:cxn>
+              <a:cxn ang="0">
+                <a:pos x="connsiteX12" y="connsiteY12"/>
+              </a:cxn>
+              <a:cxn ang="0">
+                <a:pos x="connsiteX13" y="connsiteY13"/>
+              </a:cxn>
+              <a:cxn ang="0">
+                <a:pos x="connsiteX14" y="connsiteY14"/>
+              </a:cxn>
+              <a:cxn ang="0">
+                <a:pos x="connsiteX15" y="connsiteY15"/>
+              </a:cxn>
+              <a:cxn ang="0">
+                <a:pos x="connsiteX16" y="connsiteY16"/>
+              </a:cxn>
+              <a:cxn ang="0">
+                <a:pos x="connsiteX17" y="connsiteY17"/>
+              </a:cxn>
+            </a:cxnLst>
+            <a:rect l="l" t="t" r="r" b="b"/>
+            <a:pathLst>
+              <a:path w="1861854" h="277779">
+                <a:moveTo>
+                  <a:pt x="180458" y="0"/>
+                </a:moveTo>
+                <a:lnTo>
+                  <a:pt x="419222" y="238761"/>
+                </a:lnTo>
+                <a:lnTo>
+                  <a:pt x="657984" y="0"/>
+                </a:lnTo>
+                <a:lnTo>
+                  <a:pt x="896745" y="238761"/>
+                </a:lnTo>
+                <a:lnTo>
+                  <a:pt x="1135754" y="0"/>
+                </a:lnTo>
+                <a:lnTo>
+                  <a:pt x="1374516" y="238761"/>
+                </a:lnTo>
+                <a:lnTo>
+                  <a:pt x="1613277" y="0"/>
+                </a:lnTo>
+                <a:lnTo>
+                  <a:pt x="1861854" y="248577"/>
+                </a:lnTo>
+                <a:lnTo>
+                  <a:pt x="1842470" y="268208"/>
+                </a:lnTo>
+                <a:lnTo>
+                  <a:pt x="1613277" y="39017"/>
+                </a:lnTo>
+                <a:lnTo>
+                  <a:pt x="1374516" y="277779"/>
+                </a:lnTo>
+                <a:lnTo>
+                  <a:pt x="1135754" y="39017"/>
+                </a:lnTo>
+                <a:lnTo>
+                  <a:pt x="896745" y="277779"/>
+                </a:lnTo>
+                <a:lnTo>
+                  <a:pt x="657984" y="39017"/>
+                </a:lnTo>
+                <a:lnTo>
+                  <a:pt x="419222" y="277779"/>
+                </a:lnTo>
+                <a:lnTo>
+                  <a:pt x="180458" y="39017"/>
+                </a:lnTo>
+                <a:lnTo>
+                  <a:pt x="0" y="219475"/>
+                </a:lnTo>
+                <a:lnTo>
+                  <a:pt x="0" y="180458"/>
+                </a:lnTo>
+                <a:close/>
+              </a:path>
+            </a:pathLst>
+          </a:custGeom>
+          <a:solidFill>
+            <a:schemeClr val="tx1"/>
+          </a:solidFill>
+          <a:ln w="9525" cap="flat">
+            <a:noFill/>
+            <a:prstDash val="solid"/>
+            <a:miter/>
+          </a:ln>
+        </p:spPr>
+        <p:txBody>
+          <a:bodyPr wrap="square" rtlCol="0" anchor="ctr">
+            <a:noAutofit/>
+          </a:bodyPr>
+          <a:lstStyle/>
+          <a:p>
+            <a:endParaRPr lang="en-US"/>
+          </a:p>
+        </p:txBody>
+      </p:sp>
+      <p:sp>
+        <p:nvSpPr>
+          <p:cNvPr id="25" name="Freeform: Shape 24">
+            <a:extLst>
+              <a:ext uri="{FF2B5EF4-FFF2-40B4-BE49-F238E27FC236}">
+                <a16:creationId xmlns:a16="http://schemas.microsoft.com/office/drawing/2014/main" id="{BE5AF1D6-62CC-4988-9174-993F112DC2A2}"/>
+              </a:ext>
+              <a:ext uri="{C183D7F6-B498-43B3-948B-1728B52AA6E4}">
+                <adec:decorative xmlns:adec="http://schemas.microsoft.com/office/drawing/2017/decorative" val="1"/>
+              </a:ext>
+            </a:extLst>
+          </p:cNvPr>
+          <p:cNvSpPr>
+            <a:spLocks noGrp="1" noRot="1" noChangeAspect="1" noMove="1" noResize="1" noEditPoints="1" noAdjustHandles="1" noChangeArrowheads="1" noChangeShapeType="1" noTextEdit="1"/>
+          </p:cNvSpPr>
+          <p:nvPr>
+            <p:extLst>
+              <p:ext uri="{386F3935-93C4-4BCD-93E2-E3B085C9AB24}">
+                <p16:designElem xmlns:p16="http://schemas.microsoft.com/office/powerpoint/2015/main" val="1"/>
+              </p:ext>
+            </p:extLst>
+          </p:nvPr>
+        </p:nvSpPr>
+        <p:spPr>
+          <a:xfrm>
+            <a:off x="0" y="1564296"/>
+            <a:ext cx="1861854" cy="277779"/>
+          </a:xfrm>
+          <a:custGeom>
+            <a:avLst/>
+            <a:gdLst>
+              <a:gd name="connsiteX0" fmla="*/ 180458 w 1861854"/>
+              <a:gd name="connsiteY0" fmla="*/ 0 h 277779"/>
+              <a:gd name="connsiteX1" fmla="*/ 419222 w 1861854"/>
+              <a:gd name="connsiteY1" fmla="*/ 238761 h 277779"/>
+              <a:gd name="connsiteX2" fmla="*/ 657984 w 1861854"/>
+              <a:gd name="connsiteY2" fmla="*/ 0 h 277779"/>
+              <a:gd name="connsiteX3" fmla="*/ 896745 w 1861854"/>
+              <a:gd name="connsiteY3" fmla="*/ 238761 h 277779"/>
+              <a:gd name="connsiteX4" fmla="*/ 1135754 w 1861854"/>
+              <a:gd name="connsiteY4" fmla="*/ 0 h 277779"/>
+              <a:gd name="connsiteX5" fmla="*/ 1374516 w 1861854"/>
+              <a:gd name="connsiteY5" fmla="*/ 238761 h 277779"/>
+              <a:gd name="connsiteX6" fmla="*/ 1613277 w 1861854"/>
+              <a:gd name="connsiteY6" fmla="*/ 0 h 277779"/>
+              <a:gd name="connsiteX7" fmla="*/ 1861854 w 1861854"/>
+              <a:gd name="connsiteY7" fmla="*/ 248577 h 277779"/>
+              <a:gd name="connsiteX8" fmla="*/ 1842470 w 1861854"/>
+              <a:gd name="connsiteY8" fmla="*/ 268208 h 277779"/>
+              <a:gd name="connsiteX9" fmla="*/ 1613277 w 1861854"/>
+              <a:gd name="connsiteY9" fmla="*/ 39017 h 277779"/>
+              <a:gd name="connsiteX10" fmla="*/ 1374516 w 1861854"/>
+              <a:gd name="connsiteY10" fmla="*/ 277779 h 277779"/>
+              <a:gd name="connsiteX11" fmla="*/ 1135754 w 1861854"/>
+              <a:gd name="connsiteY11" fmla="*/ 39017 h 277779"/>
+              <a:gd name="connsiteX12" fmla="*/ 896745 w 1861854"/>
+              <a:gd name="connsiteY12" fmla="*/ 277779 h 277779"/>
+              <a:gd name="connsiteX13" fmla="*/ 657984 w 1861854"/>
+              <a:gd name="connsiteY13" fmla="*/ 39017 h 277779"/>
+              <a:gd name="connsiteX14" fmla="*/ 419222 w 1861854"/>
+              <a:gd name="connsiteY14" fmla="*/ 277779 h 277779"/>
+              <a:gd name="connsiteX15" fmla="*/ 180458 w 1861854"/>
+              <a:gd name="connsiteY15" fmla="*/ 39017 h 277779"/>
+              <a:gd name="connsiteX16" fmla="*/ 0 w 1861854"/>
+              <a:gd name="connsiteY16" fmla="*/ 219475 h 277779"/>
+              <a:gd name="connsiteX17" fmla="*/ 0 w 1861854"/>
+              <a:gd name="connsiteY17" fmla="*/ 180458 h 277779"/>
+            </a:gdLst>
+            <a:ahLst/>
+            <a:cxnLst>
+              <a:cxn ang="0">
+                <a:pos x="connsiteX0" y="connsiteY0"/>
+              </a:cxn>
+              <a:cxn ang="0">
+                <a:pos x="connsiteX1" y="connsiteY1"/>
+              </a:cxn>
+              <a:cxn ang="0">
+                <a:pos x="connsiteX2" y="connsiteY2"/>
+              </a:cxn>
+              <a:cxn ang="0">
+                <a:pos x="connsiteX3" y="connsiteY3"/>
+              </a:cxn>
+              <a:cxn ang="0">
+                <a:pos x="connsiteX4" y="connsiteY4"/>
+              </a:cxn>
+              <a:cxn ang="0">
+                <a:pos x="connsiteX5" y="connsiteY5"/>
+              </a:cxn>
+              <a:cxn ang="0">
+                <a:pos x="connsiteX6" y="connsiteY6"/>
+              </a:cxn>
+              <a:cxn ang="0">
+                <a:pos x="connsiteX7" y="connsiteY7"/>
+              </a:cxn>
+              <a:cxn ang="0">
+                <a:pos x="connsiteX8" y="connsiteY8"/>
+              </a:cxn>
+              <a:cxn ang="0">
+                <a:pos x="connsiteX9" y="connsiteY9"/>
+              </a:cxn>
+              <a:cxn ang="0">
+                <a:pos x="connsiteX10" y="connsiteY10"/>
+              </a:cxn>
+              <a:cxn ang="0">
+                <a:pos x="connsiteX11" y="connsiteY11"/>
+              </a:cxn>
+              <a:cxn ang="0">
+                <a:pos x="connsiteX12" y="connsiteY12"/>
+              </a:cxn>
+              <a:cxn ang="0">
+                <a:pos x="connsiteX13" y="connsiteY13"/>
+              </a:cxn>
+              <a:cxn ang="0">
+                <a:pos x="connsiteX14" y="connsiteY14"/>
+              </a:cxn>
+              <a:cxn ang="0">
+                <a:pos x="connsiteX15" y="connsiteY15"/>
+              </a:cxn>
+              <a:cxn ang="0">
+                <a:pos x="connsiteX16" y="connsiteY16"/>
+              </a:cxn>
+              <a:cxn ang="0">
+                <a:pos x="connsiteX17" y="connsiteY17"/>
+              </a:cxn>
+            </a:cxnLst>
+            <a:rect l="l" t="t" r="r" b="b"/>
+            <a:pathLst>
+              <a:path w="1861854" h="277779">
+                <a:moveTo>
+                  <a:pt x="180458" y="0"/>
+                </a:moveTo>
+                <a:lnTo>
+                  <a:pt x="419222" y="238761"/>
+                </a:lnTo>
+                <a:lnTo>
+                  <a:pt x="657984" y="0"/>
+                </a:lnTo>
+                <a:lnTo>
+                  <a:pt x="896745" y="238761"/>
+                </a:lnTo>
+                <a:lnTo>
+                  <a:pt x="1135754" y="0"/>
+                </a:lnTo>
+                <a:lnTo>
+                  <a:pt x="1374516" y="238761"/>
+                </a:lnTo>
+                <a:lnTo>
+                  <a:pt x="1613277" y="0"/>
+                </a:lnTo>
+                <a:lnTo>
+                  <a:pt x="1861854" y="248577"/>
+                </a:lnTo>
+                <a:lnTo>
+                  <a:pt x="1842470" y="268208"/>
+                </a:lnTo>
+                <a:lnTo>
+                  <a:pt x="1613277" y="39017"/>
+                </a:lnTo>
+                <a:lnTo>
+                  <a:pt x="1374516" y="277779"/>
+                </a:lnTo>
+                <a:lnTo>
+                  <a:pt x="1135754" y="39017"/>
+                </a:lnTo>
+                <a:lnTo>
+                  <a:pt x="896745" y="277779"/>
+                </a:lnTo>
+                <a:lnTo>
+                  <a:pt x="657984" y="39017"/>
+                </a:lnTo>
+                <a:lnTo>
+                  <a:pt x="419222" y="277779"/>
+                </a:lnTo>
+                <a:lnTo>
+                  <a:pt x="180458" y="39017"/>
+                </a:lnTo>
+                <a:lnTo>
+                  <a:pt x="0" y="219475"/>
+                </a:lnTo>
+                <a:lnTo>
+                  <a:pt x="0" y="180458"/>
+                </a:lnTo>
+                <a:close/>
+              </a:path>
+            </a:pathLst>
+          </a:custGeom>
+          <a:solidFill>
+            <a:schemeClr val="accent3">
+              <a:alpha val="20000"/>
+            </a:schemeClr>
+          </a:solidFill>
+          <a:ln w="9525" cap="flat">
+            <a:noFill/>
+            <a:prstDash val="solid"/>
+            <a:miter/>
+          </a:ln>
+        </p:spPr>
+        <p:txBody>
+          <a:bodyPr wrap="square" rtlCol="0" anchor="ctr">
+            <a:noAutofit/>
+          </a:bodyPr>
+          <a:lstStyle/>
+          <a:p>
+            <a:endParaRPr lang="en-US"/>
+          </a:p>
+        </p:txBody>
+      </p:sp>
+      <p:sp>
+        <p:nvSpPr>
+          <p:cNvPr id="27" name="Freeform: Shape 26">
+            <a:extLst>
+              <a:ext uri="{FF2B5EF4-FFF2-40B4-BE49-F238E27FC236}">
+                <a16:creationId xmlns:a16="http://schemas.microsoft.com/office/drawing/2014/main" id="{8CF5E676-CA04-4CED-9F1E-5026ED66E66D}"/>
+              </a:ext>
+              <a:ext uri="{C183D7F6-B498-43B3-948B-1728B52AA6E4}">
+                <adec:decorative xmlns:adec="http://schemas.microsoft.com/office/drawing/2017/decorative" val="1"/>
+              </a:ext>
+            </a:extLst>
+          </p:cNvPr>
+          <p:cNvSpPr>
+            <a:spLocks noGrp="1" noRot="1" noChangeAspect="1" noMove="1" noResize="1" noEditPoints="1" noAdjustHandles="1" noChangeArrowheads="1" noChangeShapeType="1" noTextEdit="1"/>
+          </p:cNvSpPr>
+          <p:nvPr>
+            <p:extLst>
+              <p:ext uri="{386F3935-93C4-4BCD-93E2-E3B085C9AB24}">
+                <p16:designElem xmlns:p16="http://schemas.microsoft.com/office/powerpoint/2015/main" val="1"/>
+              </p:ext>
+            </p:extLst>
+          </p:nvPr>
+        </p:nvSpPr>
+        <p:spPr>
+          <a:xfrm>
+            <a:off x="0" y="0"/>
+            <a:ext cx="2782347" cy="2943932"/>
+          </a:xfrm>
+          <a:custGeom>
+            <a:avLst/>
+            <a:gdLst>
+              <a:gd name="connsiteX0" fmla="*/ 2292284 w 3871489"/>
+              <a:gd name="connsiteY0" fmla="*/ 0 h 4096327"/>
+              <a:gd name="connsiteX1" fmla="*/ 3500914 w 3871489"/>
+              <a:gd name="connsiteY1" fmla="*/ 0 h 4096327"/>
+              <a:gd name="connsiteX2" fmla="*/ 3542229 w 3871489"/>
+              <a:gd name="connsiteY2" fmla="*/ 68006 h 4096327"/>
+              <a:gd name="connsiteX3" fmla="*/ 3871489 w 3871489"/>
+              <a:gd name="connsiteY3" fmla="*/ 1368323 h 4096327"/>
+              <a:gd name="connsiteX4" fmla="*/ 1143485 w 3871489"/>
+              <a:gd name="connsiteY4" fmla="*/ 4096327 h 4096327"/>
+              <a:gd name="connsiteX5" fmla="*/ 81633 w 3871489"/>
+              <a:gd name="connsiteY5" fmla="*/ 3881944 h 4096327"/>
+              <a:gd name="connsiteX6" fmla="*/ 0 w 3871489"/>
+              <a:gd name="connsiteY6" fmla="*/ 3842618 h 4096327"/>
+              <a:gd name="connsiteX7" fmla="*/ 0 w 3871489"/>
+              <a:gd name="connsiteY7" fmla="*/ 2741475 h 4096327"/>
+              <a:gd name="connsiteX8" fmla="*/ 6615 w 3871489"/>
+              <a:gd name="connsiteY8" fmla="*/ 2747487 h 4096327"/>
+              <a:gd name="connsiteX9" fmla="*/ 1143485 w 3871489"/>
+              <a:gd name="connsiteY9" fmla="*/ 3155655 h 4096327"/>
+              <a:gd name="connsiteX10" fmla="*/ 2930817 w 3871489"/>
+              <a:gd name="connsiteY10" fmla="*/ 1368323 h 4096327"/>
+              <a:gd name="connsiteX11" fmla="*/ 2407287 w 3871489"/>
+              <a:gd name="connsiteY11" fmla="*/ 104524 h 4096327"/>
+            </a:gdLst>
+            <a:ahLst/>
+            <a:cxnLst>
+              <a:cxn ang="0">
+                <a:pos x="connsiteX0" y="connsiteY0"/>
+              </a:cxn>
+              <a:cxn ang="0">
+                <a:pos x="connsiteX1" y="connsiteY1"/>
+              </a:cxn>
+              <a:cxn ang="0">
+                <a:pos x="connsiteX2" y="connsiteY2"/>
+              </a:cxn>
+              <a:cxn ang="0">
+                <a:pos x="connsiteX3" y="connsiteY3"/>
+              </a:cxn>
+              <a:cxn ang="0">
+                <a:pos x="connsiteX4" y="connsiteY4"/>
+              </a:cxn>
+              <a:cxn ang="0">
+                <a:pos x="connsiteX5" y="connsiteY5"/>
+              </a:cxn>
+              <a:cxn ang="0">
+                <a:pos x="connsiteX6" y="connsiteY6"/>
+              </a:cxn>
+              <a:cxn ang="0">
+                <a:pos x="connsiteX7" y="connsiteY7"/>
+              </a:cxn>
+              <a:cxn ang="0">
+                <a:pos x="connsiteX8" y="connsiteY8"/>
+              </a:cxn>
+              <a:cxn ang="0">
+                <a:pos x="connsiteX9" y="connsiteY9"/>
+              </a:cxn>
+              <a:cxn ang="0">
+                <a:pos x="connsiteX10" y="connsiteY10"/>
+              </a:cxn>
+              <a:cxn ang="0">
+                <a:pos x="connsiteX11" y="connsiteY11"/>
+              </a:cxn>
+            </a:cxnLst>
+            <a:rect l="l" t="t" r="r" b="b"/>
+            <a:pathLst>
+              <a:path w="3871489" h="4096327">
+                <a:moveTo>
+                  <a:pt x="2292284" y="0"/>
+                </a:moveTo>
+                <a:lnTo>
+                  <a:pt x="3500914" y="0"/>
+                </a:lnTo>
+                <a:lnTo>
+                  <a:pt x="3542229" y="68006"/>
+                </a:lnTo>
+                <a:cubicBezTo>
+                  <a:pt x="3752213" y="454545"/>
+                  <a:pt x="3871489" y="897507"/>
+                  <a:pt x="3871489" y="1368323"/>
+                </a:cubicBezTo>
+                <a:cubicBezTo>
+                  <a:pt x="3871489" y="2874936"/>
+                  <a:pt x="2650098" y="4096327"/>
+                  <a:pt x="1143485" y="4096327"/>
+                </a:cubicBezTo>
+                <a:cubicBezTo>
+                  <a:pt x="766832" y="4096327"/>
+                  <a:pt x="408006" y="4019990"/>
+                  <a:pt x="81633" y="3881944"/>
+                </a:cubicBezTo>
+                <a:lnTo>
+                  <a:pt x="0" y="3842618"/>
+                </a:lnTo>
+                <a:lnTo>
+                  <a:pt x="0" y="2741475"/>
+                </a:lnTo>
+                <a:lnTo>
+                  <a:pt x="6615" y="2747487"/>
+                </a:lnTo>
+                <a:cubicBezTo>
+                  <a:pt x="315579" y="3002472"/>
+                  <a:pt x="711663" y="3155655"/>
+                  <a:pt x="1143485" y="3155655"/>
+                </a:cubicBezTo>
+                <a:cubicBezTo>
+                  <a:pt x="2130515" y="3155655"/>
+                  <a:pt x="2930817" y="2355353"/>
+                  <a:pt x="2930817" y="1368323"/>
+                </a:cubicBezTo>
+                <a:cubicBezTo>
+                  <a:pt x="2930817" y="874812"/>
+                  <a:pt x="2730741" y="427979"/>
+                  <a:pt x="2407287" y="104524"/>
+                </a:cubicBezTo>
+                <a:close/>
+              </a:path>
+            </a:pathLst>
+          </a:custGeom>
+          <a:solidFill>
+            <a:srgbClr val="FFFFFF"/>
+          </a:solidFill>
+          <a:ln w="28575">
+            <a:noFill/>
+          </a:ln>
+        </p:spPr>
+        <p:style>
+          <a:lnRef idx="2">
+            <a:schemeClr val="accent1">
+              <a:shade val="50000"/>
+            </a:schemeClr>
+          </a:lnRef>
+          <a:fillRef idx="1">
+            <a:schemeClr val="accent1"/>
+          </a:fillRef>
+          <a:effectRef idx="0">
+            <a:schemeClr val="accent1"/>
+          </a:effectRef>
+          <a:fontRef idx="minor">
+            <a:schemeClr val="lt1"/>
+          </a:fontRef>
+        </p:style>
+        <p:txBody>
+          <a:bodyPr rot="0" spcFirstLastPara="0" vertOverflow="overflow" horzOverflow="overflow" vert="horz" wrap="square" lIns="91440" tIns="45720" rIns="91440" bIns="45720" numCol="1" spcCol="0" rtlCol="0" fromWordArt="0" anchor="ctr" anchorCtr="0" forceAA="0" compatLnSpc="1">
+            <a:prstTxWarp prst="textNoShape">
+              <a:avLst/>
+            </a:prstTxWarp>
+            <a:noAutofit/>
+          </a:bodyPr>
+          <a:lstStyle/>
+          <a:p>
+            <a:pPr algn="ctr"/>
+            <a:endParaRPr lang="en-US">
+              <a:solidFill>
+                <a:schemeClr val="accent1"/>
+              </a:solidFill>
+            </a:endParaRPr>
+          </a:p>
+        </p:txBody>
+      </p:sp>
+      <p:sp>
+        <p:nvSpPr>
+          <p:cNvPr id="29" name="Freeform: Shape 28">
+            <a:extLst>
+              <a:ext uri="{FF2B5EF4-FFF2-40B4-BE49-F238E27FC236}">
+                <a16:creationId xmlns:a16="http://schemas.microsoft.com/office/drawing/2014/main" id="{6BA9E676-A8FC-4C2F-8D78-C13ED8ABDBA8}"/>
+              </a:ext>
+              <a:ext uri="{C183D7F6-B498-43B3-948B-1728B52AA6E4}">
+                <adec:decorative xmlns:adec="http://schemas.microsoft.com/office/drawing/2017/decorative" val="1"/>
+              </a:ext>
+            </a:extLst>
+          </p:cNvPr>
+          <p:cNvSpPr>
+            <a:spLocks noGrp="1" noRot="1" noChangeAspect="1" noMove="1" noResize="1" noEditPoints="1" noAdjustHandles="1" noChangeArrowheads="1" noChangeShapeType="1" noTextEdit="1"/>
+          </p:cNvSpPr>
+          <p:nvPr>
+            <p:extLst>
+              <p:ext uri="{386F3935-93C4-4BCD-93E2-E3B085C9AB24}">
+                <p16:designElem xmlns:p16="http://schemas.microsoft.com/office/powerpoint/2015/main" val="1"/>
+              </p:ext>
+            </p:extLst>
+          </p:nvPr>
+        </p:nvSpPr>
+        <p:spPr>
+          <a:xfrm>
+            <a:off x="0" y="0"/>
+            <a:ext cx="2782347" cy="2943932"/>
+          </a:xfrm>
+          <a:custGeom>
+            <a:avLst/>
+            <a:gdLst>
+              <a:gd name="connsiteX0" fmla="*/ 2292284 w 3871489"/>
+              <a:gd name="connsiteY0" fmla="*/ 0 h 4096327"/>
+              <a:gd name="connsiteX1" fmla="*/ 3500914 w 3871489"/>
+              <a:gd name="connsiteY1" fmla="*/ 0 h 4096327"/>
+              <a:gd name="connsiteX2" fmla="*/ 3542229 w 3871489"/>
+              <a:gd name="connsiteY2" fmla="*/ 68006 h 4096327"/>
+              <a:gd name="connsiteX3" fmla="*/ 3871489 w 3871489"/>
+              <a:gd name="connsiteY3" fmla="*/ 1368323 h 4096327"/>
+              <a:gd name="connsiteX4" fmla="*/ 1143485 w 3871489"/>
+              <a:gd name="connsiteY4" fmla="*/ 4096327 h 4096327"/>
+              <a:gd name="connsiteX5" fmla="*/ 81633 w 3871489"/>
+              <a:gd name="connsiteY5" fmla="*/ 3881944 h 4096327"/>
+              <a:gd name="connsiteX6" fmla="*/ 0 w 3871489"/>
+              <a:gd name="connsiteY6" fmla="*/ 3842618 h 4096327"/>
+              <a:gd name="connsiteX7" fmla="*/ 0 w 3871489"/>
+              <a:gd name="connsiteY7" fmla="*/ 2741475 h 4096327"/>
+              <a:gd name="connsiteX8" fmla="*/ 6615 w 3871489"/>
+              <a:gd name="connsiteY8" fmla="*/ 2747487 h 4096327"/>
+              <a:gd name="connsiteX9" fmla="*/ 1143485 w 3871489"/>
+              <a:gd name="connsiteY9" fmla="*/ 3155655 h 4096327"/>
+              <a:gd name="connsiteX10" fmla="*/ 2930817 w 3871489"/>
+              <a:gd name="connsiteY10" fmla="*/ 1368323 h 4096327"/>
+              <a:gd name="connsiteX11" fmla="*/ 2407287 w 3871489"/>
+              <a:gd name="connsiteY11" fmla="*/ 104524 h 4096327"/>
+            </a:gdLst>
+            <a:ahLst/>
+            <a:cxnLst>
+              <a:cxn ang="0">
+                <a:pos x="connsiteX0" y="connsiteY0"/>
+              </a:cxn>
+              <a:cxn ang="0">
+                <a:pos x="connsiteX1" y="connsiteY1"/>
+              </a:cxn>
+              <a:cxn ang="0">
+                <a:pos x="connsiteX2" y="connsiteY2"/>
+              </a:cxn>
+              <a:cxn ang="0">
+                <a:pos x="connsiteX3" y="connsiteY3"/>
+              </a:cxn>
+              <a:cxn ang="0">
+                <a:pos x="connsiteX4" y="connsiteY4"/>
+              </a:cxn>
+              <a:cxn ang="0">
+                <a:pos x="connsiteX5" y="connsiteY5"/>
+              </a:cxn>
+              <a:cxn ang="0">
+                <a:pos x="connsiteX6" y="connsiteY6"/>
+              </a:cxn>
+              <a:cxn ang="0">
+                <a:pos x="connsiteX7" y="connsiteY7"/>
+              </a:cxn>
+              <a:cxn ang="0">
+                <a:pos x="connsiteX8" y="connsiteY8"/>
+              </a:cxn>
+              <a:cxn ang="0">
+                <a:pos x="connsiteX9" y="connsiteY9"/>
+              </a:cxn>
+              <a:cxn ang="0">
+                <a:pos x="connsiteX10" y="connsiteY10"/>
+              </a:cxn>
+              <a:cxn ang="0">
+                <a:pos x="connsiteX11" y="connsiteY11"/>
+              </a:cxn>
+            </a:cxnLst>
+            <a:rect l="l" t="t" r="r" b="b"/>
+            <a:pathLst>
+              <a:path w="3871489" h="4096327">
+                <a:moveTo>
+                  <a:pt x="2292284" y="0"/>
+                </a:moveTo>
+                <a:lnTo>
+                  <a:pt x="3500914" y="0"/>
+                </a:lnTo>
+                <a:lnTo>
+                  <a:pt x="3542229" y="68006"/>
+                </a:lnTo>
+                <a:cubicBezTo>
+                  <a:pt x="3752213" y="454545"/>
+                  <a:pt x="3871489" y="897507"/>
+                  <a:pt x="3871489" y="1368323"/>
+                </a:cubicBezTo>
+                <a:cubicBezTo>
+                  <a:pt x="3871489" y="2874936"/>
+                  <a:pt x="2650098" y="4096327"/>
+                  <a:pt x="1143485" y="4096327"/>
+                </a:cubicBezTo>
+                <a:cubicBezTo>
+                  <a:pt x="766832" y="4096327"/>
+                  <a:pt x="408006" y="4019990"/>
+                  <a:pt x="81633" y="3881944"/>
+                </a:cubicBezTo>
+                <a:lnTo>
+                  <a:pt x="0" y="3842618"/>
+                </a:lnTo>
+                <a:lnTo>
+                  <a:pt x="0" y="2741475"/>
+                </a:lnTo>
+                <a:lnTo>
+                  <a:pt x="6615" y="2747487"/>
+                </a:lnTo>
+                <a:cubicBezTo>
+                  <a:pt x="315579" y="3002472"/>
+                  <a:pt x="711663" y="3155655"/>
+                  <a:pt x="1143485" y="3155655"/>
+                </a:cubicBezTo>
+                <a:cubicBezTo>
+                  <a:pt x="2130515" y="3155655"/>
+                  <a:pt x="2930817" y="2355353"/>
+                  <a:pt x="2930817" y="1368323"/>
+                </a:cubicBezTo>
+                <a:cubicBezTo>
+                  <a:pt x="2930817" y="874812"/>
+                  <a:pt x="2730741" y="427979"/>
+                  <a:pt x="2407287" y="104524"/>
+                </a:cubicBezTo>
+                <a:close/>
+              </a:path>
+            </a:pathLst>
+          </a:custGeom>
+          <a:solidFill>
+            <a:schemeClr val="accent1">
+              <a:alpha val="20000"/>
+            </a:schemeClr>
+          </a:solidFill>
+          <a:ln w="28575">
+            <a:noFill/>
+          </a:ln>
+        </p:spPr>
+        <p:style>
+          <a:lnRef idx="2">
+            <a:schemeClr val="accent1">
+              <a:shade val="50000"/>
+            </a:schemeClr>
+          </a:lnRef>
+          <a:fillRef idx="1">
+            <a:schemeClr val="accent1"/>
+          </a:fillRef>
+          <a:effectRef idx="0">
+            <a:schemeClr val="accent1"/>
+          </a:effectRef>
+          <a:fontRef idx="minor">
+            <a:schemeClr val="lt1"/>
+          </a:fontRef>
+        </p:style>
+        <p:txBody>
+          <a:bodyPr rot="0" spcFirstLastPara="0" vertOverflow="overflow" horzOverflow="overflow" vert="horz" wrap="square" lIns="91440" tIns="45720" rIns="91440" bIns="45720" numCol="1" spcCol="0" rtlCol="0" fromWordArt="0" anchor="ctr" anchorCtr="0" forceAA="0" compatLnSpc="1">
+            <a:prstTxWarp prst="textNoShape">
+              <a:avLst/>
+            </a:prstTxWarp>
+            <a:noAutofit/>
+          </a:bodyPr>
+          <a:lstStyle/>
+          <a:p>
+            <a:pPr algn="ctr"/>
+            <a:endParaRPr lang="en-US">
+              <a:solidFill>
+                <a:schemeClr val="accent1"/>
+              </a:solidFill>
+            </a:endParaRPr>
+          </a:p>
+        </p:txBody>
+      </p:sp>
+      <p:sp>
+        <p:nvSpPr>
+          <p:cNvPr id="31" name="Freeform: Shape 30">
+            <a:extLst>
+              <a:ext uri="{FF2B5EF4-FFF2-40B4-BE49-F238E27FC236}">
+                <a16:creationId xmlns:a16="http://schemas.microsoft.com/office/drawing/2014/main" id="{A2B5CBEA-F125-49B6-8335-227C325B112B}"/>
+              </a:ext>
+              <a:ext uri="{C183D7F6-B498-43B3-948B-1728B52AA6E4}">
+                <adec:decorative xmlns:adec="http://schemas.microsoft.com/office/drawing/2017/decorative" val="1"/>
+              </a:ext>
+            </a:extLst>
+          </p:cNvPr>
+          <p:cNvSpPr>
+            <a:spLocks noGrp="1" noRot="1" noChangeAspect="1" noMove="1" noResize="1" noEditPoints="1" noAdjustHandles="1" noChangeArrowheads="1" noChangeShapeType="1" noTextEdit="1"/>
+          </p:cNvSpPr>
+          <p:nvPr>
+            <p:extLst>
+              <p:ext uri="{386F3935-93C4-4BCD-93E2-E3B085C9AB24}">
+                <p16:designElem xmlns:p16="http://schemas.microsoft.com/office/powerpoint/2015/main" val="1"/>
+              </p:ext>
+            </p:extLst>
+          </p:nvPr>
+        </p:nvSpPr>
+        <p:spPr>
+          <a:xfrm>
+            <a:off x="9765207" y="4529611"/>
+            <a:ext cx="2426793" cy="2328389"/>
+          </a:xfrm>
+          <a:custGeom>
+            <a:avLst/>
+            <a:gdLst>
+              <a:gd name="connsiteX0" fmla="*/ 2473947 w 3432581"/>
+              <a:gd name="connsiteY0" fmla="*/ 0 h 3293393"/>
+              <a:gd name="connsiteX1" fmla="*/ 3209623 w 3432581"/>
+              <a:gd name="connsiteY1" fmla="*/ 111224 h 3293393"/>
+              <a:gd name="connsiteX2" fmla="*/ 3432581 w 3432581"/>
+              <a:gd name="connsiteY2" fmla="*/ 192828 h 3293393"/>
+              <a:gd name="connsiteX3" fmla="*/ 3432581 w 3432581"/>
+              <a:gd name="connsiteY3" fmla="*/ 3293393 h 3293393"/>
+              <a:gd name="connsiteX4" fmla="*/ 141884 w 3432581"/>
+              <a:gd name="connsiteY4" fmla="*/ 3293393 h 3293393"/>
+              <a:gd name="connsiteX5" fmla="*/ 111224 w 3432581"/>
+              <a:gd name="connsiteY5" fmla="*/ 3209623 h 3293393"/>
+              <a:gd name="connsiteX6" fmla="*/ 0 w 3432581"/>
+              <a:gd name="connsiteY6" fmla="*/ 2473947 h 3293393"/>
+              <a:gd name="connsiteX7" fmla="*/ 2473947 w 3432581"/>
+              <a:gd name="connsiteY7" fmla="*/ 0 h 3293393"/>
+            </a:gdLst>
+            <a:ahLst/>
+            <a:cxnLst>
+              <a:cxn ang="0">
+                <a:pos x="connsiteX0" y="connsiteY0"/>
+              </a:cxn>
+              <a:cxn ang="0">
+                <a:pos x="connsiteX1" y="connsiteY1"/>
+              </a:cxn>
+              <a:cxn ang="0">
+                <a:pos x="connsiteX2" y="connsiteY2"/>
+              </a:cxn>
+              <a:cxn ang="0">
+                <a:pos x="connsiteX3" y="connsiteY3"/>
+              </a:cxn>
+              <a:cxn ang="0">
+                <a:pos x="connsiteX4" y="connsiteY4"/>
+              </a:cxn>
+              <a:cxn ang="0">
+                <a:pos x="connsiteX5" y="connsiteY5"/>
+              </a:cxn>
+              <a:cxn ang="0">
+                <a:pos x="connsiteX6" y="connsiteY6"/>
+              </a:cxn>
+              <a:cxn ang="0">
+                <a:pos x="connsiteX7" y="connsiteY7"/>
+              </a:cxn>
+            </a:cxnLst>
+            <a:rect l="l" t="t" r="r" b="b"/>
+            <a:pathLst>
+              <a:path w="3432581" h="3293393">
+                <a:moveTo>
+                  <a:pt x="2473947" y="0"/>
+                </a:moveTo>
+                <a:cubicBezTo>
+                  <a:pt x="2730133" y="0"/>
+                  <a:pt x="2977223" y="38940"/>
+                  <a:pt x="3209623" y="111224"/>
+                </a:cubicBezTo>
+                <a:lnTo>
+                  <a:pt x="3432581" y="192828"/>
+                </a:lnTo>
+                <a:lnTo>
+                  <a:pt x="3432581" y="3293393"/>
+                </a:lnTo>
+                <a:lnTo>
+                  <a:pt x="141884" y="3293393"/>
+                </a:lnTo>
+                <a:lnTo>
+                  <a:pt x="111224" y="3209623"/>
+                </a:lnTo>
+                <a:cubicBezTo>
+                  <a:pt x="38940" y="2977224"/>
+                  <a:pt x="0" y="2730133"/>
+                  <a:pt x="0" y="2473947"/>
+                </a:cubicBezTo>
+                <a:cubicBezTo>
+                  <a:pt x="0" y="1107624"/>
+                  <a:pt x="1107624" y="0"/>
+                  <a:pt x="2473947" y="0"/>
+                </a:cubicBezTo>
+                <a:close/>
+              </a:path>
+            </a:pathLst>
+          </a:custGeom>
+          <a:solidFill>
+            <a:srgbClr val="FFFFFF"/>
+          </a:solidFill>
+          <a:ln w="28575">
+            <a:noFill/>
+          </a:ln>
+        </p:spPr>
+        <p:style>
+          <a:lnRef idx="2">
+            <a:schemeClr val="accent1">
+              <a:shade val="50000"/>
+            </a:schemeClr>
+          </a:lnRef>
+          <a:fillRef idx="1">
+            <a:schemeClr val="accent1"/>
+          </a:fillRef>
+          <a:effectRef idx="0">
+            <a:schemeClr val="accent1"/>
+          </a:effectRef>
+          <a:fontRef idx="minor">
+            <a:schemeClr val="lt1"/>
+          </a:fontRef>
+        </p:style>
+        <p:txBody>
+          <a:bodyPr rot="0" spcFirstLastPara="0" vertOverflow="overflow" horzOverflow="overflow" vert="horz" wrap="square" lIns="91440" tIns="45720" rIns="91440" bIns="45720" numCol="1" spcCol="0" rtlCol="0" fromWordArt="0" anchor="ctr" anchorCtr="0" forceAA="0" compatLnSpc="1">
+            <a:prstTxWarp prst="textNoShape">
+              <a:avLst/>
+            </a:prstTxWarp>
+            <a:noAutofit/>
+          </a:bodyPr>
+          <a:lstStyle/>
+          <a:p>
+            <a:pPr algn="ctr"/>
+            <a:endParaRPr lang="en-US" dirty="0"/>
+          </a:p>
+        </p:txBody>
+      </p:sp>
+      <p:sp>
+        <p:nvSpPr>
+          <p:cNvPr id="33" name="Freeform: Shape 32">
+            <a:extLst>
+              <a:ext uri="{FF2B5EF4-FFF2-40B4-BE49-F238E27FC236}">
+                <a16:creationId xmlns:a16="http://schemas.microsoft.com/office/drawing/2014/main" id="{EECD79B5-5FC5-495F-BFD6-346C16E787A7}"/>
+              </a:ext>
+              <a:ext uri="{C183D7F6-B498-43B3-948B-1728B52AA6E4}">
+                <adec:decorative xmlns:adec="http://schemas.microsoft.com/office/drawing/2017/decorative" val="1"/>
+              </a:ext>
+            </a:extLst>
+          </p:cNvPr>
+          <p:cNvSpPr>
+            <a:spLocks noGrp="1" noRot="1" noChangeAspect="1" noMove="1" noResize="1" noEditPoints="1" noAdjustHandles="1" noChangeArrowheads="1" noChangeShapeType="1" noTextEdit="1"/>
+          </p:cNvSpPr>
+          <p:nvPr>
+            <p:extLst>
+              <p:ext uri="{386F3935-93C4-4BCD-93E2-E3B085C9AB24}">
+                <p16:designElem xmlns:p16="http://schemas.microsoft.com/office/powerpoint/2015/main" val="1"/>
+              </p:ext>
+            </p:extLst>
+          </p:nvPr>
+        </p:nvSpPr>
+        <p:spPr>
+          <a:xfrm>
+            <a:off x="9765207" y="4529611"/>
+            <a:ext cx="2426793" cy="2328389"/>
+          </a:xfrm>
+          <a:custGeom>
+            <a:avLst/>
+            <a:gdLst>
+              <a:gd name="connsiteX0" fmla="*/ 2473947 w 3432581"/>
+              <a:gd name="connsiteY0" fmla="*/ 0 h 3293393"/>
+              <a:gd name="connsiteX1" fmla="*/ 3209623 w 3432581"/>
+              <a:gd name="connsiteY1" fmla="*/ 111224 h 3293393"/>
+              <a:gd name="connsiteX2" fmla="*/ 3432581 w 3432581"/>
+              <a:gd name="connsiteY2" fmla="*/ 192828 h 3293393"/>
+              <a:gd name="connsiteX3" fmla="*/ 3432581 w 3432581"/>
+              <a:gd name="connsiteY3" fmla="*/ 3293393 h 3293393"/>
+              <a:gd name="connsiteX4" fmla="*/ 141884 w 3432581"/>
+              <a:gd name="connsiteY4" fmla="*/ 3293393 h 3293393"/>
+              <a:gd name="connsiteX5" fmla="*/ 111224 w 3432581"/>
+              <a:gd name="connsiteY5" fmla="*/ 3209623 h 3293393"/>
+              <a:gd name="connsiteX6" fmla="*/ 0 w 3432581"/>
+              <a:gd name="connsiteY6" fmla="*/ 2473947 h 3293393"/>
+              <a:gd name="connsiteX7" fmla="*/ 2473947 w 3432581"/>
+              <a:gd name="connsiteY7" fmla="*/ 0 h 3293393"/>
+            </a:gdLst>
+            <a:ahLst/>
+            <a:cxnLst>
+              <a:cxn ang="0">
+                <a:pos x="connsiteX0" y="connsiteY0"/>
+              </a:cxn>
+              <a:cxn ang="0">
+                <a:pos x="connsiteX1" y="connsiteY1"/>
+              </a:cxn>
+              <a:cxn ang="0">
+                <a:pos x="connsiteX2" y="connsiteY2"/>
+              </a:cxn>
+              <a:cxn ang="0">
+                <a:pos x="connsiteX3" y="connsiteY3"/>
+              </a:cxn>
+              <a:cxn ang="0">
+                <a:pos x="connsiteX4" y="connsiteY4"/>
+              </a:cxn>
+              <a:cxn ang="0">
+                <a:pos x="connsiteX5" y="connsiteY5"/>
+              </a:cxn>
+              <a:cxn ang="0">
+                <a:pos x="connsiteX6" y="connsiteY6"/>
+              </a:cxn>
+              <a:cxn ang="0">
+                <a:pos x="connsiteX7" y="connsiteY7"/>
+              </a:cxn>
+            </a:cxnLst>
+            <a:rect l="l" t="t" r="r" b="b"/>
+            <a:pathLst>
+              <a:path w="3432581" h="3293393">
+                <a:moveTo>
+                  <a:pt x="2473947" y="0"/>
+                </a:moveTo>
+                <a:cubicBezTo>
+                  <a:pt x="2730133" y="0"/>
+                  <a:pt x="2977223" y="38940"/>
+                  <a:pt x="3209623" y="111224"/>
+                </a:cubicBezTo>
+                <a:lnTo>
+                  <a:pt x="3432581" y="192828"/>
+                </a:lnTo>
+                <a:lnTo>
+                  <a:pt x="3432581" y="3293393"/>
+                </a:lnTo>
+                <a:lnTo>
+                  <a:pt x="141884" y="3293393"/>
+                </a:lnTo>
+                <a:lnTo>
+                  <a:pt x="111224" y="3209623"/>
+                </a:lnTo>
+                <a:cubicBezTo>
+                  <a:pt x="38940" y="2977224"/>
+                  <a:pt x="0" y="2730133"/>
+                  <a:pt x="0" y="2473947"/>
+                </a:cubicBezTo>
+                <a:cubicBezTo>
+                  <a:pt x="0" y="1107624"/>
+                  <a:pt x="1107624" y="0"/>
+                  <a:pt x="2473947" y="0"/>
+                </a:cubicBezTo>
+                <a:close/>
+              </a:path>
+            </a:pathLst>
+          </a:custGeom>
+          <a:solidFill>
+            <a:schemeClr val="accent3">
+              <a:alpha val="20000"/>
+            </a:schemeClr>
+          </a:solidFill>
+          <a:ln w="28575">
+            <a:noFill/>
+          </a:ln>
+        </p:spPr>
+        <p:style>
+          <a:lnRef idx="2">
+            <a:schemeClr val="accent1">
+              <a:shade val="50000"/>
+            </a:schemeClr>
+          </a:lnRef>
+          <a:fillRef idx="1">
+            <a:schemeClr val="accent1"/>
+          </a:fillRef>
+          <a:effectRef idx="0">
+            <a:schemeClr val="accent1"/>
+          </a:effectRef>
+          <a:fontRef idx="minor">
+            <a:schemeClr val="lt1"/>
+          </a:fontRef>
+        </p:style>
+        <p:txBody>
+          <a:bodyPr rot="0" spcFirstLastPara="0" vertOverflow="overflow" horzOverflow="overflow" vert="horz" wrap="square" lIns="91440" tIns="45720" rIns="91440" bIns="45720" numCol="1" spcCol="0" rtlCol="0" fromWordArt="0" anchor="ctr" anchorCtr="0" forceAA="0" compatLnSpc="1">
+            <a:prstTxWarp prst="textNoShape">
+              <a:avLst/>
+            </a:prstTxWarp>
+            <a:noAutofit/>
+          </a:bodyPr>
+          <a:lstStyle/>
+          <a:p>
+            <a:pPr algn="ctr"/>
+            <a:endParaRPr lang="en-US" dirty="0"/>
+          </a:p>
+        </p:txBody>
+      </p:sp>
+      <p:sp>
+        <p:nvSpPr>
+          <p:cNvPr id="35" name="Rectangle 34">
+            <a:extLst>
+              <a:ext uri="{FF2B5EF4-FFF2-40B4-BE49-F238E27FC236}">
+                <a16:creationId xmlns:a16="http://schemas.microsoft.com/office/drawing/2014/main" id="{2C1D3151-5F97-4860-B56C-C98BD62CC255}"/>
+              </a:ext>
+              <a:ext uri="{C183D7F6-B498-43B3-948B-1728B52AA6E4}">
+                <adec:decorative xmlns:adec="http://schemas.microsoft.com/office/drawing/2017/decorative" val="1"/>
+              </a:ext>
+            </a:extLst>
+          </p:cNvPr>
+          <p:cNvSpPr>
+            <a:spLocks noGrp="1" noRot="1" noChangeAspect="1" noMove="1" noResize="1" noEditPoints="1" noAdjustHandles="1" noChangeArrowheads="1" noChangeShapeType="1" noTextEdit="1"/>
+          </p:cNvSpPr>
+          <p:nvPr>
+            <p:extLst>
+              <p:ext uri="{386F3935-93C4-4BCD-93E2-E3B085C9AB24}">
+                <p16:designElem xmlns:p16="http://schemas.microsoft.com/office/powerpoint/2015/main" val="1"/>
+              </p:ext>
+            </p:extLst>
+          </p:nvPr>
+        </p:nvSpPr>
+        <p:spPr>
+          <a:xfrm>
+            <a:off x="1821898" y="819446"/>
+            <a:ext cx="8751370" cy="5402463"/>
+          </a:xfrm>
+          <a:prstGeom prst="rect">
+            <a:avLst/>
+          </a:prstGeom>
+          <a:solidFill>
+            <a:srgbClr val="FFFFFF"/>
+          </a:solidFill>
+          <a:ln w="28575">
+            <a:solidFill>
+              <a:schemeClr val="tx1"/>
+            </a:solidFill>
+          </a:ln>
+        </p:spPr>
+        <p:style>
+          <a:lnRef idx="2">
+            <a:schemeClr val="accent1">
+              <a:shade val="50000"/>
+            </a:schemeClr>
+          </a:lnRef>
+          <a:fillRef idx="1">
+            <a:schemeClr val="accent1"/>
+          </a:fillRef>
+          <a:effectRef idx="0">
+            <a:schemeClr val="accent1"/>
+          </a:effectRef>
+          <a:fontRef idx="minor">
+            <a:schemeClr val="lt1"/>
+          </a:fontRef>
+        </p:style>
+        <p:txBody>
+          <a:bodyPr rtlCol="0" anchor="ctr"/>
+          <a:lstStyle/>
+          <a:p>
+            <a:pPr algn="ctr"/>
+            <a:endParaRPr lang="en-US"/>
+          </a:p>
+        </p:txBody>
+      </p:sp>
+      <p:sp>
+        <p:nvSpPr>
+          <p:cNvPr id="37" name="Rectangle 36">
+            <a:extLst>
+              <a:ext uri="{FF2B5EF4-FFF2-40B4-BE49-F238E27FC236}">
+                <a16:creationId xmlns:a16="http://schemas.microsoft.com/office/drawing/2014/main" id="{32D9D048-3063-435A-8C23-26C1907E9619}"/>
+              </a:ext>
+              <a:ext uri="{C183D7F6-B498-43B3-948B-1728B52AA6E4}">
+                <adec:decorative xmlns:adec="http://schemas.microsoft.com/office/drawing/2017/decorative" val="1"/>
+              </a:ext>
+            </a:extLst>
+          </p:cNvPr>
+          <p:cNvSpPr>
+            <a:spLocks noGrp="1" noRot="1" noChangeAspect="1" noMove="1" noResize="1" noEditPoints="1" noAdjustHandles="1" noChangeArrowheads="1" noChangeShapeType="1" noTextEdit="1"/>
+          </p:cNvSpPr>
+          <p:nvPr>
+            <p:extLst>
+              <p:ext uri="{386F3935-93C4-4BCD-93E2-E3B085C9AB24}">
+                <p16:designElem xmlns:p16="http://schemas.microsoft.com/office/powerpoint/2015/main" val="1"/>
+              </p:ext>
+            </p:extLst>
+          </p:nvPr>
+        </p:nvSpPr>
+        <p:spPr>
+          <a:xfrm>
+            <a:off x="1821898" y="819446"/>
+            <a:ext cx="8751370" cy="5402463"/>
+          </a:xfrm>
+          <a:prstGeom prst="rect">
+            <a:avLst/>
+          </a:prstGeom>
+          <a:solidFill>
+            <a:schemeClr val="accent1">
+              <a:alpha val="20000"/>
+            </a:schemeClr>
+          </a:solidFill>
+          <a:ln w="28575">
+            <a:solidFill>
+              <a:schemeClr val="tx1"/>
+            </a:solidFill>
+          </a:ln>
+        </p:spPr>
+        <p:style>
+          <a:lnRef idx="2">
+            <a:schemeClr val="accent1">
+              <a:shade val="50000"/>
+            </a:schemeClr>
+          </a:lnRef>
+          <a:fillRef idx="1">
+            <a:schemeClr val="accent1"/>
+          </a:fillRef>
+          <a:effectRef idx="0">
+            <a:schemeClr val="accent1"/>
+          </a:effectRef>
+          <a:fontRef idx="minor">
+            <a:schemeClr val="lt1"/>
+          </a:fontRef>
+        </p:style>
+        <p:txBody>
+          <a:bodyPr rtlCol="0" anchor="ctr"/>
+          <a:lstStyle/>
+          <a:p>
+            <a:pPr algn="ctr"/>
+            <a:endParaRPr lang="en-US"/>
+          </a:p>
+        </p:txBody>
+      </p:sp>
+      <p:sp useBgFill="1">
+        <p:nvSpPr>
+          <p:cNvPr id="39" name="Rectangle 38">
+            <a:extLst>
+              <a:ext uri="{FF2B5EF4-FFF2-40B4-BE49-F238E27FC236}">
+                <a16:creationId xmlns:a16="http://schemas.microsoft.com/office/drawing/2014/main" id="{8DE96824-E506-4448-8704-5EC7BF7BC51B}"/>
+              </a:ext>
+              <a:ext uri="{C183D7F6-B498-43B3-948B-1728B52AA6E4}">
+                <adec:decorative xmlns:adec="http://schemas.microsoft.com/office/drawing/2017/decorative" val="1"/>
+              </a:ext>
+            </a:extLst>
+          </p:cNvPr>
+          <p:cNvSpPr>
+            <a:spLocks noGrp="1" noRot="1" noChangeAspect="1" noMove="1" noResize="1" noEditPoints="1" noAdjustHandles="1" noChangeArrowheads="1" noChangeShapeType="1" noTextEdit="1"/>
+          </p:cNvSpPr>
+          <p:nvPr>
+            <p:extLst>
+              <p:ext uri="{386F3935-93C4-4BCD-93E2-E3B085C9AB24}">
+                <p16:designElem xmlns:p16="http://schemas.microsoft.com/office/powerpoint/2015/main" val="1"/>
+              </p:ext>
+            </p:extLst>
+          </p:nvPr>
+        </p:nvSpPr>
+        <p:spPr>
+          <a:xfrm>
+            <a:off x="1720315" y="727769"/>
+            <a:ext cx="8751370" cy="5402463"/>
+          </a:xfrm>
+          <a:prstGeom prst="rect">
+            <a:avLst/>
+          </a:prstGeom>
+          <a:ln w="28575">
+            <a:solidFill>
+              <a:schemeClr val="tx1"/>
+            </a:solidFill>
+          </a:ln>
+        </p:spPr>
+        <p:style>
+          <a:lnRef idx="2">
+            <a:schemeClr val="accent1">
+              <a:shade val="50000"/>
+            </a:schemeClr>
+          </a:lnRef>
+          <a:fillRef idx="1">
+            <a:schemeClr val="accent1"/>
+          </a:fillRef>
+          <a:effectRef idx="0">
+            <a:schemeClr val="accent1"/>
+          </a:effectRef>
+          <a:fontRef idx="minor">
+            <a:schemeClr val="lt1"/>
+          </a:fontRef>
+        </p:style>
+        <p:txBody>
+          <a:bodyPr rtlCol="0" anchor="ctr"/>
+          <a:lstStyle/>
+          <a:p>
+            <a:pPr algn="ctr"/>
+            <a:endParaRPr lang="en-US"/>
+          </a:p>
+        </p:txBody>
+      </p:sp>
+      <p:sp>
+        <p:nvSpPr>
+          <p:cNvPr id="2" name="Title 1">
+            <a:extLst>
+              <a:ext uri="{FF2B5EF4-FFF2-40B4-BE49-F238E27FC236}">
+                <a16:creationId xmlns:a16="http://schemas.microsoft.com/office/drawing/2014/main" id="{D59EFACD-60F0-E7C7-C5F5-9921CF22DF25}"/>
+              </a:ext>
+            </a:extLst>
+          </p:cNvPr>
+          <p:cNvSpPr>
+            <a:spLocks noGrp="1"/>
+          </p:cNvSpPr>
+          <p:nvPr>
+            <p:ph type="title"/>
+          </p:nvPr>
+        </p:nvSpPr>
+        <p:spPr>
+          <a:xfrm>
+            <a:off x="2886765" y="1159934"/>
+            <a:ext cx="6418471" cy="3028072"/>
+          </a:xfrm>
+        </p:spPr>
+        <p:txBody>
+          <a:bodyPr vert="horz" lIns="91440" tIns="45720" rIns="91440" bIns="45720" rtlCol="0" anchor="b">
+            <a:normAutofit/>
+          </a:bodyPr>
+          <a:lstStyle/>
+          <a:p>
+            <a:pPr algn="ctr"/>
+            <a:r>
+              <a:rPr lang="en-US" sz="5400" b="1" cap="all" spc="1500" dirty="0">
+                <a:ea typeface="Source Sans Pro SemiBold" panose="020B0603030403020204" pitchFamily="34" charset="0"/>
+              </a:rPr>
+              <a:t>Vote For US</a:t>
+            </a:r>
+            <a:br>
+              <a:rPr lang="en-US" sz="6000" b="1" cap="all" spc="1500" dirty="0">
+                <a:ea typeface="Source Sans Pro SemiBold" panose="020B0603030403020204" pitchFamily="34" charset="0"/>
+              </a:rPr>
+            </a:br>
+            <a:r>
+              <a:rPr lang="en-US" sz="3600" spc="600" dirty="0"/>
+              <a:t>GROUP 2</a:t>
+            </a:r>
+            <a:endParaRPr lang="en-US" sz="6000" b="1" kern="1200" cap="all" spc="600" dirty="0">
+              <a:solidFill>
+                <a:schemeClr val="tx1"/>
+              </a:solidFill>
+              <a:latin typeface="+mj-lt"/>
+              <a:ea typeface="Source Sans Pro SemiBold" panose="020B0603030403020204" pitchFamily="34" charset="0"/>
+              <a:cs typeface="+mj-cs"/>
+            </a:endParaRPr>
+          </a:p>
+        </p:txBody>
+      </p:sp>
+      <p:sp>
+        <p:nvSpPr>
+          <p:cNvPr id="41" name="Oval 40">
+            <a:extLst>
+              <a:ext uri="{FF2B5EF4-FFF2-40B4-BE49-F238E27FC236}">
+                <a16:creationId xmlns:a16="http://schemas.microsoft.com/office/drawing/2014/main" id="{4D1A5E71-B6B6-486A-8CDC-C7ABD9B903F6}"/>
+              </a:ext>
+              <a:ext uri="{C183D7F6-B498-43B3-948B-1728B52AA6E4}">
+                <adec:decorative xmlns:adec="http://schemas.microsoft.com/office/drawing/2017/decorative" val="1"/>
+              </a:ext>
+            </a:extLst>
+          </p:cNvPr>
+          <p:cNvSpPr>
+            <a:spLocks noGrp="1" noRot="1" noChangeAspect="1" noMove="1" noResize="1" noEditPoints="1" noAdjustHandles="1" noChangeArrowheads="1" noChangeShapeType="1" noTextEdit="1"/>
+          </p:cNvSpPr>
+          <p:nvPr>
+            <p:extLst>
+              <p:ext uri="{386F3935-93C4-4BCD-93E2-E3B085C9AB24}">
+                <p16:designElem xmlns:p16="http://schemas.microsoft.com/office/powerpoint/2015/main" val="1"/>
+              </p:ext>
+            </p:extLst>
+          </p:nvPr>
+        </p:nvSpPr>
+        <p:spPr>
+          <a:xfrm>
+            <a:off x="1429446" y="4786746"/>
+            <a:ext cx="620727" cy="620727"/>
+          </a:xfrm>
+          <a:prstGeom prst="ellipse">
+            <a:avLst/>
+          </a:prstGeom>
+          <a:solidFill>
+            <a:srgbClr val="FFFFFF"/>
+          </a:solidFill>
+          <a:ln w="28575">
+            <a:solidFill>
+              <a:schemeClr val="tx1"/>
+            </a:solidFill>
+          </a:ln>
+        </p:spPr>
+        <p:style>
+          <a:lnRef idx="2">
+            <a:schemeClr val="accent1">
+              <a:shade val="50000"/>
+            </a:schemeClr>
+          </a:lnRef>
+          <a:fillRef idx="1">
+            <a:schemeClr val="accent1"/>
+          </a:fillRef>
+          <a:effectRef idx="0">
+            <a:schemeClr val="accent1"/>
+          </a:effectRef>
+          <a:fontRef idx="minor">
+            <a:schemeClr val="lt1"/>
+          </a:fontRef>
+        </p:style>
+        <p:txBody>
+          <a:bodyPr rot="0" spcFirstLastPara="0" vertOverflow="overflow" horzOverflow="overflow" vert="horz" wrap="square" lIns="91440" tIns="45720" rIns="91440" bIns="45720" numCol="1" spcCol="0" rtlCol="0" fromWordArt="0" anchor="ctr" anchorCtr="0" forceAA="0" compatLnSpc="1">
+            <a:prstTxWarp prst="textNoShape">
+              <a:avLst/>
+            </a:prstTxWarp>
+            <a:noAutofit/>
+          </a:bodyPr>
+          <a:lstStyle/>
+          <a:p>
+            <a:pPr algn="ctr"/>
+            <a:endParaRPr lang="en-US"/>
+          </a:p>
+        </p:txBody>
+      </p:sp>
+      <p:sp>
+        <p:nvSpPr>
+          <p:cNvPr id="43" name="Oval 42">
+            <a:extLst>
+              <a:ext uri="{FF2B5EF4-FFF2-40B4-BE49-F238E27FC236}">
+                <a16:creationId xmlns:a16="http://schemas.microsoft.com/office/drawing/2014/main" id="{B6C541AE-9B02-44C0-B8C6-B2DEA7ED3813}"/>
+              </a:ext>
+              <a:ext uri="{C183D7F6-B498-43B3-948B-1728B52AA6E4}">
+                <adec:decorative xmlns:adec="http://schemas.microsoft.com/office/drawing/2017/decorative" val="1"/>
+              </a:ext>
+            </a:extLst>
+          </p:cNvPr>
+          <p:cNvSpPr>
+            <a:spLocks noGrp="1" noRot="1" noChangeAspect="1" noMove="1" noResize="1" noEditPoints="1" noAdjustHandles="1" noChangeArrowheads="1" noChangeShapeType="1" noTextEdit="1"/>
+          </p:cNvSpPr>
+          <p:nvPr>
+            <p:extLst>
+              <p:ext uri="{386F3935-93C4-4BCD-93E2-E3B085C9AB24}">
+                <p16:designElem xmlns:p16="http://schemas.microsoft.com/office/powerpoint/2015/main" val="1"/>
+              </p:ext>
+            </p:extLst>
+          </p:nvPr>
+        </p:nvSpPr>
+        <p:spPr>
+          <a:xfrm>
+            <a:off x="1429446" y="4786746"/>
+            <a:ext cx="620727" cy="620727"/>
+          </a:xfrm>
+          <a:prstGeom prst="ellipse">
+            <a:avLst/>
+          </a:prstGeom>
+          <a:solidFill>
+            <a:schemeClr val="accent3">
+              <a:alpha val="20000"/>
+            </a:schemeClr>
+          </a:solidFill>
+          <a:ln w="28575">
+            <a:solidFill>
+              <a:schemeClr val="tx1"/>
+            </a:solidFill>
+          </a:ln>
+        </p:spPr>
+        <p:style>
+          <a:lnRef idx="2">
+            <a:schemeClr val="accent1">
+              <a:shade val="50000"/>
+            </a:schemeClr>
+          </a:lnRef>
+          <a:fillRef idx="1">
+            <a:schemeClr val="accent1"/>
+          </a:fillRef>
+          <a:effectRef idx="0">
+            <a:schemeClr val="accent1"/>
+          </a:effectRef>
+          <a:fontRef idx="minor">
+            <a:schemeClr val="lt1"/>
+          </a:fontRef>
+        </p:style>
+        <p:txBody>
+          <a:bodyPr rot="0" spcFirstLastPara="0" vertOverflow="overflow" horzOverflow="overflow" vert="horz" wrap="square" lIns="91440" tIns="45720" rIns="91440" bIns="45720" numCol="1" spcCol="0" rtlCol="0" fromWordArt="0" anchor="ctr" anchorCtr="0" forceAA="0" compatLnSpc="1">
+            <a:prstTxWarp prst="textNoShape">
+              <a:avLst/>
+            </a:prstTxWarp>
+            <a:noAutofit/>
+          </a:bodyPr>
+          <a:lstStyle/>
+          <a:p>
+            <a:pPr algn="ctr"/>
+            <a:endParaRPr lang="en-US"/>
+          </a:p>
+        </p:txBody>
+      </p:sp>
+    </p:spTree>
+    <p:extLst>
+      <p:ext uri="{BB962C8B-B14F-4D97-AF65-F5344CB8AC3E}">
+        <p14:creationId xmlns:p14="http://schemas.microsoft.com/office/powerpoint/2010/main" val="1810074227"/>
+      </p:ext>
+    </p:extLst>
+  </p:cSld>
+  <p:clrMapOvr>
+    <a:masterClrMapping/>
+  </p:clrMapOvr>
+</p:sld>
+</file>
+
 <file path=ppt/slides/slide2.xml><?xml version="1.0" encoding="utf-8"?>
 <p:sld xmlns:a="http://schemas.openxmlformats.org/drawingml/2006/main" xmlns:r="http://schemas.openxmlformats.org/officeDocument/2006/relationships" xmlns:p="http://schemas.openxmlformats.org/presentationml/2006/main">
   <p:cSld>
@@ -11514,11 +14510,19 @@
             </a:r>
             <a:r>
               <a:rPr lang="en-US" sz="2400" dirty="0"/>
-              <a:t> and </a:t>
+              <a:t>, </a:t>
             </a:r>
             <a:r>
               <a:rPr lang="en-US" sz="2400" i="1" dirty="0"/>
               <a:t>matplotlib</a:t>
+            </a:r>
+            <a:r>
+              <a:rPr lang="en-US" sz="2400" dirty="0"/>
+              <a:t>, and </a:t>
+            </a:r>
+            <a:r>
+              <a:rPr lang="en-US" sz="2400" i="1" dirty="0" err="1"/>
+              <a:t>WordCloud</a:t>
             </a:r>
             <a:r>
               <a:rPr lang="en-US" sz="2400" dirty="0"/>
@@ -12058,8 +15062,8 @@
           </a:p>
         </p:txBody>
       </p:sp>
-      <mc:AlternateContent xmlns:mc="http://schemas.openxmlformats.org/markup-compatibility/2006">
-        <mc:Choice xmlns:a14="http://schemas.microsoft.com/office/drawing/2010/main" Requires="a14">
+      <mc:AlternateContent xmlns:mc="http://schemas.openxmlformats.org/markup-compatibility/2006" xmlns:a14="http://schemas.microsoft.com/office/drawing/2010/main">
+        <mc:Choice Requires="a14">
           <p:sp>
             <p:nvSpPr>
               <p:cNvPr id="3" name="Content Placeholder 2">
@@ -12717,7 +15721,7 @@
             </p:txBody>
           </p:sp>
         </mc:Choice>
-        <mc:Fallback>
+        <mc:Fallback xmlns="">
           <p:sp>
             <p:nvSpPr>
               <p:cNvPr id="3" name="Content Placeholder 2">
@@ -13334,8 +16338,8 @@
           </a:p>
         </p:txBody>
       </p:sp>
-      <mc:AlternateContent xmlns:mc="http://schemas.openxmlformats.org/markup-compatibility/2006">
-        <mc:Choice xmlns:a14="http://schemas.microsoft.com/office/drawing/2010/main" Requires="a14">
+      <mc:AlternateContent xmlns:mc="http://schemas.openxmlformats.org/markup-compatibility/2006" xmlns:a14="http://schemas.microsoft.com/office/drawing/2010/main">
+        <mc:Choice Requires="a14">
           <p:sp>
             <p:nvSpPr>
               <p:cNvPr id="3" name="Content Placeholder 2">
@@ -14026,7 +17030,7 @@
             </p:txBody>
           </p:sp>
         </mc:Choice>
-        <mc:Fallback>
+        <mc:Fallback xmlns="">
           <p:sp>
             <p:nvSpPr>
               <p:cNvPr id="3" name="Content Placeholder 2">
@@ -14087,6 +17091,511 @@
         <p:cNvPr id="1" name="">
           <a:extLst>
             <a:ext uri="{FF2B5EF4-FFF2-40B4-BE49-F238E27FC236}">
+              <a16:creationId xmlns:a16="http://schemas.microsoft.com/office/drawing/2014/main" id="{DF1FEAFA-F6DC-EC5A-FCA1-601957F6D1A0}"/>
+            </a:ext>
+          </a:extLst>
+        </p:cNvPr>
+        <p:cNvGrpSpPr/>
+        <p:nvPr/>
+      </p:nvGrpSpPr>
+      <p:grpSpPr>
+        <a:xfrm>
+          <a:off x="0" y="0"/>
+          <a:ext cx="0" cy="0"/>
+          <a:chOff x="0" y="0"/>
+          <a:chExt cx="0" cy="0"/>
+        </a:xfrm>
+      </p:grpSpPr>
+      <p:sp>
+        <p:nvSpPr>
+          <p:cNvPr id="2" name="Title 1">
+            <a:extLst>
+              <a:ext uri="{FF2B5EF4-FFF2-40B4-BE49-F238E27FC236}">
+                <a16:creationId xmlns:a16="http://schemas.microsoft.com/office/drawing/2014/main" id="{0ABD0111-1ADE-4BD2-9107-7F4DC804919A}"/>
+              </a:ext>
+            </a:extLst>
+          </p:cNvPr>
+          <p:cNvSpPr>
+            <a:spLocks noGrp="1"/>
+          </p:cNvSpPr>
+          <p:nvPr>
+            <p:ph type="title"/>
+          </p:nvPr>
+        </p:nvSpPr>
+        <p:spPr/>
+        <p:txBody>
+          <a:bodyPr/>
+          <a:lstStyle/>
+          <a:p>
+            <a:r>
+              <a:rPr lang="en-US" b="1" spc="1500" dirty="0"/>
+              <a:t>OUR DATA SETS</a:t>
+            </a:r>
+            <a:endParaRPr lang="en-CA" b="1" spc="1500" dirty="0"/>
+          </a:p>
+        </p:txBody>
+      </p:sp>
+      <p:sp>
+        <p:nvSpPr>
+          <p:cNvPr id="3" name="Content Placeholder 2">
+            <a:extLst>
+              <a:ext uri="{FF2B5EF4-FFF2-40B4-BE49-F238E27FC236}">
+                <a16:creationId xmlns:a16="http://schemas.microsoft.com/office/drawing/2014/main" id="{3CB828ED-D9B1-00B7-6F5F-0D00ABA4FFFC}"/>
+              </a:ext>
+            </a:extLst>
+          </p:cNvPr>
+          <p:cNvSpPr>
+            <a:spLocks noGrp="1"/>
+          </p:cNvSpPr>
+          <p:nvPr>
+            <p:ph idx="1"/>
+          </p:nvPr>
+        </p:nvSpPr>
+        <p:spPr/>
+        <p:txBody>
+          <a:bodyPr/>
+          <a:lstStyle/>
+          <a:p>
+            <a:pPr marL="0" indent="0">
+              <a:spcAft>
+                <a:spcPts val="600"/>
+              </a:spcAft>
+              <a:buNone/>
+            </a:pPr>
+            <a:r>
+              <a:rPr lang="en-US" sz="3200" spc="400" dirty="0"/>
+              <a:t>N-GRAM</a:t>
+            </a:r>
+          </a:p>
+          <a:p>
+            <a:pPr marL="536575" indent="-361950">
+              <a:buClr>
+                <a:schemeClr val="tx1">
+                  <a:lumMod val="50000"/>
+                  <a:lumOff val="50000"/>
+                </a:schemeClr>
+              </a:buClr>
+              <a:buFont typeface="Source Sans Pro" panose="020B0503030403020204" pitchFamily="34" charset="0"/>
+              <a:buChar char="›"/>
+            </a:pPr>
+            <a:r>
+              <a:rPr lang="en-US" sz="2400" dirty="0"/>
+              <a:t>A dictionary of commonly paired words and frequency in the text corpus</a:t>
+            </a:r>
+          </a:p>
+          <a:p>
+            <a:pPr marL="993775" lvl="1" indent="-361950">
+              <a:buClr>
+                <a:schemeClr val="tx1">
+                  <a:lumMod val="50000"/>
+                  <a:lumOff val="50000"/>
+                </a:schemeClr>
+              </a:buClr>
+              <a:buFont typeface="Source Sans Pro" panose="020B0503030403020204" pitchFamily="34" charset="0"/>
+              <a:buChar char="›"/>
+            </a:pPr>
+            <a:r>
+              <a:rPr lang="en-US" sz="2000" dirty="0"/>
+              <a:t>The keys are the n-grams</a:t>
+            </a:r>
+          </a:p>
+          <a:p>
+            <a:pPr marL="993775" lvl="1" indent="-361950">
+              <a:buClr>
+                <a:schemeClr val="tx1">
+                  <a:lumMod val="50000"/>
+                  <a:lumOff val="50000"/>
+                </a:schemeClr>
+              </a:buClr>
+              <a:buFont typeface="Source Sans Pro" panose="020B0503030403020204" pitchFamily="34" charset="0"/>
+              <a:buChar char="›"/>
+            </a:pPr>
+            <a:r>
+              <a:rPr lang="en-US" sz="2000" dirty="0"/>
+              <a:t>The values are the number of occurrences in the corpus</a:t>
+            </a:r>
+          </a:p>
+          <a:p>
+            <a:pPr marL="0" indent="0">
+              <a:buNone/>
+            </a:pPr>
+            <a:endParaRPr lang="en-US" dirty="0"/>
+          </a:p>
+          <a:p>
+            <a:pPr marL="0" indent="0">
+              <a:buNone/>
+            </a:pPr>
+            <a:r>
+              <a:rPr lang="en-US" sz="1800" b="1" dirty="0" err="1">
+                <a:solidFill>
+                  <a:schemeClr val="accent2">
+                    <a:lumMod val="75000"/>
+                  </a:schemeClr>
+                </a:solidFill>
+                <a:latin typeface="Consolas" panose="020B0609020204030204" pitchFamily="49" charset="0"/>
+              </a:rPr>
+              <a:t>idf</a:t>
+            </a:r>
+            <a:r>
+              <a:rPr lang="en-US" sz="1800" b="1" dirty="0">
+                <a:latin typeface="Consolas" panose="020B0609020204030204" pitchFamily="49" charset="0"/>
+              </a:rPr>
+              <a:t>(</a:t>
+            </a:r>
+            <a:r>
+              <a:rPr lang="en-US" sz="1800" b="1" dirty="0">
+                <a:solidFill>
+                  <a:schemeClr val="accent3">
+                    <a:lumMod val="75000"/>
+                  </a:schemeClr>
+                </a:solidFill>
+                <a:latin typeface="Consolas" panose="020B0609020204030204" pitchFamily="49" charset="0"/>
+              </a:rPr>
+              <a:t>'</a:t>
+            </a:r>
+            <a:r>
+              <a:rPr lang="en-US" sz="1800" b="1" dirty="0" err="1">
+                <a:solidFill>
+                  <a:schemeClr val="accent3">
+                    <a:lumMod val="75000"/>
+                  </a:schemeClr>
+                </a:solidFill>
+                <a:latin typeface="Consolas" panose="020B0609020204030204" pitchFamily="49" charset="0"/>
+              </a:rPr>
+              <a:t>edward</a:t>
+            </a:r>
+            <a:r>
+              <a:rPr lang="en-US" sz="1800" b="1" dirty="0">
+                <a:solidFill>
+                  <a:schemeClr val="accent3">
+                    <a:lumMod val="75000"/>
+                  </a:schemeClr>
+                </a:solidFill>
+                <a:latin typeface="Consolas" panose="020B0609020204030204" pitchFamily="49" charset="0"/>
+              </a:rPr>
+              <a:t> loves food'</a:t>
+            </a:r>
+            <a:r>
+              <a:rPr lang="en-US" sz="1800" b="1" dirty="0">
+                <a:latin typeface="Consolas" panose="020B0609020204030204" pitchFamily="49" charset="0"/>
+              </a:rPr>
+              <a:t>, </a:t>
+            </a:r>
+            <a:r>
+              <a:rPr lang="en-US" sz="1800" b="1" dirty="0">
+                <a:solidFill>
+                  <a:schemeClr val="accent3">
+                    <a:lumMod val="75000"/>
+                  </a:schemeClr>
+                </a:solidFill>
+                <a:latin typeface="Consolas" panose="020B0609020204030204" pitchFamily="49" charset="0"/>
+              </a:rPr>
+              <a:t>'</a:t>
+            </a:r>
+            <a:r>
+              <a:rPr lang="en-US" sz="1800" b="1" dirty="0" err="1">
+                <a:solidFill>
+                  <a:schemeClr val="accent3">
+                    <a:lumMod val="75000"/>
+                  </a:schemeClr>
+                </a:solidFill>
+                <a:latin typeface="Consolas" panose="020B0609020204030204" pitchFamily="49" charset="0"/>
+              </a:rPr>
+              <a:t>humza</a:t>
+            </a:r>
+            <a:r>
+              <a:rPr lang="en-US" sz="1800" b="1" dirty="0">
+                <a:solidFill>
+                  <a:schemeClr val="accent3">
+                    <a:lumMod val="75000"/>
+                  </a:schemeClr>
+                </a:solidFill>
+                <a:latin typeface="Consolas" panose="020B0609020204030204" pitchFamily="49" charset="0"/>
+              </a:rPr>
+              <a:t> loves food'</a:t>
+            </a:r>
+            <a:r>
+              <a:rPr lang="en-US" sz="1800" b="1" dirty="0">
+                <a:latin typeface="Consolas" panose="020B0609020204030204" pitchFamily="49" charset="0"/>
+              </a:rPr>
+              <a:t>)</a:t>
+            </a:r>
+          </a:p>
+          <a:p>
+            <a:pPr marL="0" indent="0">
+              <a:buNone/>
+            </a:pPr>
+            <a:r>
+              <a:rPr lang="en-US" sz="1800" b="1" dirty="0">
+                <a:solidFill>
+                  <a:schemeClr val="bg1">
+                    <a:lumMod val="65000"/>
+                  </a:schemeClr>
+                </a:solidFill>
+                <a:latin typeface="Consolas" panose="020B0609020204030204" pitchFamily="49" charset="0"/>
+              </a:rPr>
+              <a:t>&gt;&gt;&gt;</a:t>
+            </a:r>
+            <a:r>
+              <a:rPr lang="en-US" sz="1800" b="1" dirty="0">
+                <a:latin typeface="Consolas" panose="020B0609020204030204" pitchFamily="49" charset="0"/>
+              </a:rPr>
+              <a:t> [((</a:t>
+            </a:r>
+            <a:r>
+              <a:rPr lang="en-US" sz="1800" b="1" dirty="0">
+                <a:solidFill>
+                  <a:schemeClr val="accent3">
+                    <a:lumMod val="75000"/>
+                  </a:schemeClr>
+                </a:solidFill>
+                <a:latin typeface="Consolas" panose="020B0609020204030204" pitchFamily="49" charset="0"/>
+              </a:rPr>
+              <a:t>'</a:t>
+            </a:r>
+            <a:r>
+              <a:rPr lang="en-US" sz="1800" b="1" dirty="0" err="1">
+                <a:solidFill>
+                  <a:schemeClr val="accent3">
+                    <a:lumMod val="75000"/>
+                  </a:schemeClr>
+                </a:solidFill>
+                <a:latin typeface="Consolas" panose="020B0609020204030204" pitchFamily="49" charset="0"/>
+              </a:rPr>
+              <a:t>edward</a:t>
+            </a:r>
+            <a:r>
+              <a:rPr lang="en-US" sz="1800" b="1" dirty="0">
+                <a:solidFill>
+                  <a:schemeClr val="accent3">
+                    <a:lumMod val="75000"/>
+                  </a:schemeClr>
+                </a:solidFill>
+                <a:latin typeface="Consolas" panose="020B0609020204030204" pitchFamily="49" charset="0"/>
+              </a:rPr>
+              <a:t>'</a:t>
+            </a:r>
+            <a:r>
+              <a:rPr lang="en-US" sz="1800" b="1" dirty="0">
+                <a:latin typeface="Consolas" panose="020B0609020204030204" pitchFamily="49" charset="0"/>
+              </a:rPr>
+              <a:t>, </a:t>
+            </a:r>
+            <a:r>
+              <a:rPr lang="en-US" sz="1800" b="1" dirty="0">
+                <a:solidFill>
+                  <a:schemeClr val="accent3">
+                    <a:lumMod val="75000"/>
+                  </a:schemeClr>
+                </a:solidFill>
+                <a:latin typeface="Consolas" panose="020B0609020204030204" pitchFamily="49" charset="0"/>
+              </a:rPr>
+              <a:t>'loves'</a:t>
+            </a:r>
+            <a:r>
+              <a:rPr lang="en-US" sz="1800" b="1" dirty="0">
+                <a:latin typeface="Consolas" panose="020B0609020204030204" pitchFamily="49" charset="0"/>
+              </a:rPr>
+              <a:t>),</a:t>
+            </a:r>
+            <a:r>
+              <a:rPr lang="en-US" sz="1800" b="1" dirty="0">
+                <a:solidFill>
+                  <a:schemeClr val="accent3">
+                    <a:lumMod val="75000"/>
+                  </a:schemeClr>
+                </a:solidFill>
+                <a:latin typeface="Consolas" panose="020B0609020204030204" pitchFamily="49" charset="0"/>
+              </a:rPr>
+              <a:t> </a:t>
+            </a:r>
+            <a:r>
+              <a:rPr lang="en-US" sz="1800" b="1" dirty="0">
+                <a:solidFill>
+                  <a:schemeClr val="accent4">
+                    <a:lumMod val="75000"/>
+                  </a:schemeClr>
+                </a:solidFill>
+                <a:latin typeface="Consolas" panose="020B0609020204030204" pitchFamily="49" charset="0"/>
+              </a:rPr>
+              <a:t>1</a:t>
+            </a:r>
+            <a:r>
+              <a:rPr lang="en-US" sz="1800" b="1" dirty="0">
+                <a:latin typeface="Consolas" panose="020B0609020204030204" pitchFamily="49" charset="0"/>
+              </a:rPr>
+              <a:t>), ((</a:t>
+            </a:r>
+            <a:r>
+              <a:rPr lang="en-US" sz="1800" b="1" dirty="0">
+                <a:solidFill>
+                  <a:schemeClr val="accent3">
+                    <a:lumMod val="75000"/>
+                  </a:schemeClr>
+                </a:solidFill>
+                <a:latin typeface="Consolas" panose="020B0609020204030204" pitchFamily="49" charset="0"/>
+              </a:rPr>
+              <a:t>'loves'</a:t>
+            </a:r>
+            <a:r>
+              <a:rPr lang="en-US" sz="1800" b="1" dirty="0">
+                <a:latin typeface="Consolas" panose="020B0609020204030204" pitchFamily="49" charset="0"/>
+              </a:rPr>
+              <a:t>, </a:t>
+            </a:r>
+            <a:r>
+              <a:rPr lang="en-US" sz="1800" b="1" dirty="0">
+                <a:solidFill>
+                  <a:schemeClr val="accent3">
+                    <a:lumMod val="75000"/>
+                  </a:schemeClr>
+                </a:solidFill>
+                <a:latin typeface="Consolas" panose="020B0609020204030204" pitchFamily="49" charset="0"/>
+              </a:rPr>
+              <a:t>'food’</a:t>
+            </a:r>
+            <a:r>
+              <a:rPr lang="en-US" sz="1800" b="1" dirty="0">
+                <a:latin typeface="Consolas" panose="020B0609020204030204" pitchFamily="49" charset="0"/>
+              </a:rPr>
+              <a:t>),</a:t>
+            </a:r>
+            <a:r>
+              <a:rPr lang="en-US" sz="1800" b="1" dirty="0">
+                <a:solidFill>
+                  <a:schemeClr val="accent3">
+                    <a:lumMod val="75000"/>
+                  </a:schemeClr>
+                </a:solidFill>
+                <a:latin typeface="Consolas" panose="020B0609020204030204" pitchFamily="49" charset="0"/>
+              </a:rPr>
+              <a:t> </a:t>
+            </a:r>
+            <a:r>
+              <a:rPr lang="en-US" sz="1800" b="1" dirty="0">
+                <a:solidFill>
+                  <a:schemeClr val="accent4">
+                    <a:lumMod val="75000"/>
+                  </a:schemeClr>
+                </a:solidFill>
+                <a:latin typeface="Consolas" panose="020B0609020204030204" pitchFamily="49" charset="0"/>
+              </a:rPr>
+              <a:t>2</a:t>
+            </a:r>
+            <a:r>
+              <a:rPr lang="en-US" sz="1800" b="1" dirty="0">
+                <a:latin typeface="Consolas" panose="020B0609020204030204" pitchFamily="49" charset="0"/>
+              </a:rPr>
+              <a:t>), ((</a:t>
+            </a:r>
+            <a:r>
+              <a:rPr lang="en-US" sz="1800" b="1" dirty="0">
+                <a:solidFill>
+                  <a:schemeClr val="accent3">
+                    <a:lumMod val="75000"/>
+                  </a:schemeClr>
+                </a:solidFill>
+                <a:latin typeface="Consolas" panose="020B0609020204030204" pitchFamily="49" charset="0"/>
+              </a:rPr>
+              <a:t>'</a:t>
+            </a:r>
+            <a:r>
+              <a:rPr lang="en-US" sz="1800" b="1" dirty="0" err="1">
+                <a:solidFill>
+                  <a:schemeClr val="accent3">
+                    <a:lumMod val="75000"/>
+                  </a:schemeClr>
+                </a:solidFill>
+                <a:latin typeface="Consolas" panose="020B0609020204030204" pitchFamily="49" charset="0"/>
+              </a:rPr>
+              <a:t>humza</a:t>
+            </a:r>
+            <a:r>
+              <a:rPr lang="en-US" sz="1800" b="1" dirty="0">
+                <a:solidFill>
+                  <a:schemeClr val="accent3">
+                    <a:lumMod val="75000"/>
+                  </a:schemeClr>
+                </a:solidFill>
+                <a:latin typeface="Consolas" panose="020B0609020204030204" pitchFamily="49" charset="0"/>
+              </a:rPr>
+              <a:t>'</a:t>
+            </a:r>
+            <a:r>
+              <a:rPr lang="en-US" sz="1800" b="1" dirty="0">
+                <a:latin typeface="Consolas" panose="020B0609020204030204" pitchFamily="49" charset="0"/>
+              </a:rPr>
+              <a:t>, </a:t>
+            </a:r>
+            <a:r>
+              <a:rPr lang="en-US" sz="1800" b="1" dirty="0">
+                <a:solidFill>
+                  <a:schemeClr val="accent3">
+                    <a:lumMod val="75000"/>
+                  </a:schemeClr>
+                </a:solidFill>
+                <a:latin typeface="Consolas" panose="020B0609020204030204" pitchFamily="49" charset="0"/>
+              </a:rPr>
+              <a:t>'loves'</a:t>
+            </a:r>
+            <a:r>
+              <a:rPr lang="en-US" sz="1800" b="1" dirty="0">
+                <a:latin typeface="Consolas" panose="020B0609020204030204" pitchFamily="49" charset="0"/>
+              </a:rPr>
+              <a:t>),</a:t>
+            </a:r>
+            <a:r>
+              <a:rPr lang="en-US" sz="1800" b="1" dirty="0">
+                <a:solidFill>
+                  <a:schemeClr val="accent3">
+                    <a:lumMod val="75000"/>
+                  </a:schemeClr>
+                </a:solidFill>
+                <a:latin typeface="Consolas" panose="020B0609020204030204" pitchFamily="49" charset="0"/>
+              </a:rPr>
+              <a:t> </a:t>
+            </a:r>
+            <a:r>
+              <a:rPr lang="en-US" sz="1800" b="1" dirty="0">
+                <a:solidFill>
+                  <a:schemeClr val="accent4">
+                    <a:lumMod val="75000"/>
+                  </a:schemeClr>
+                </a:solidFill>
+                <a:latin typeface="Consolas" panose="020B0609020204030204" pitchFamily="49" charset="0"/>
+              </a:rPr>
+              <a:t>1</a:t>
+            </a:r>
+            <a:r>
+              <a:rPr lang="en-US" sz="1800" b="1" dirty="0">
+                <a:latin typeface="Consolas" panose="020B0609020204030204" pitchFamily="49" charset="0"/>
+              </a:rPr>
+              <a:t>)]</a:t>
+            </a:r>
+          </a:p>
+        </p:txBody>
+      </p:sp>
+    </p:spTree>
+    <p:extLst>
+      <p:ext uri="{BB962C8B-B14F-4D97-AF65-F5344CB8AC3E}">
+        <p14:creationId xmlns:p14="http://schemas.microsoft.com/office/powerpoint/2010/main" val="1986612679"/>
+      </p:ext>
+    </p:extLst>
+  </p:cSld>
+  <p:clrMapOvr>
+    <a:masterClrMapping/>
+  </p:clrMapOvr>
+</p:sld>
+</file>
+
+<file path=ppt/slides/slide8.xml><?xml version="1.0" encoding="utf-8"?>
+<p:sld xmlns:a="http://schemas.openxmlformats.org/drawingml/2006/main" xmlns:r="http://schemas.openxmlformats.org/officeDocument/2006/relationships" xmlns:p="http://schemas.openxmlformats.org/presentationml/2006/main">
+  <p:cSld>
+    <p:spTree>
+      <p:nvGrpSpPr>
+        <p:cNvPr id="1" name="">
+          <a:extLst>
+            <a:ext uri="{FF2B5EF4-FFF2-40B4-BE49-F238E27FC236}">
               <a16:creationId xmlns:a16="http://schemas.microsoft.com/office/drawing/2014/main" id="{ED529070-E75F-BF62-6796-177E50056FC9}"/>
             </a:ext>
           </a:extLst>
@@ -14176,11 +17685,56 @@
             </a:pPr>
             <a:r>
               <a:rPr lang="en-US" sz="2400" dirty="0"/>
-              <a:t>A </a:t>
+              <a:t>At</a:t>
             </a:r>
           </a:p>
         </p:txBody>
       </p:sp>
+      <p:pic>
+        <p:nvPicPr>
+          <p:cNvPr id="1026" name="Picture 2">
+            <a:extLst>
+              <a:ext uri="{FF2B5EF4-FFF2-40B4-BE49-F238E27FC236}">
+                <a16:creationId xmlns:a16="http://schemas.microsoft.com/office/drawing/2014/main" id="{39913F24-4B11-167C-C84B-B138F5696F20}"/>
+              </a:ext>
+            </a:extLst>
+          </p:cNvPr>
+          <p:cNvPicPr>
+            <a:picLocks noChangeAspect="1" noChangeArrowheads="1"/>
+          </p:cNvPicPr>
+          <p:nvPr/>
+        </p:nvPicPr>
+        <p:blipFill rotWithShape="1">
+          <a:blip r:embed="rId2">
+            <a:extLst>
+              <a:ext uri="{28A0092B-C50C-407E-A947-70E740481C1C}">
+                <a14:useLocalDpi xmlns:a14="http://schemas.microsoft.com/office/drawing/2010/main" val="0"/>
+              </a:ext>
+            </a:extLst>
+          </a:blip>
+          <a:srcRect t="493" r="41764" b="1970"/>
+          <a:stretch/>
+        </p:blipFill>
+        <p:spPr bwMode="auto">
+          <a:xfrm>
+            <a:off x="6821214" y="360000"/>
+            <a:ext cx="4999892" cy="5298835"/>
+          </a:xfrm>
+          <a:prstGeom prst="rect">
+            <a:avLst/>
+          </a:prstGeom>
+          <a:noFill/>
+          <a:extLst>
+            <a:ext uri="{909E8E84-426E-40DD-AFC4-6F175D3DCCD1}">
+              <a14:hiddenFill xmlns:a14="http://schemas.microsoft.com/office/drawing/2010/main">
+                <a:solidFill>
+                  <a:srgbClr val="FFFFFF"/>
+                </a:solidFill>
+              </a14:hiddenFill>
+            </a:ext>
+          </a:extLst>
+        </p:spPr>
+      </p:pic>
     </p:spTree>
     <p:extLst>
       <p:ext uri="{BB962C8B-B14F-4D97-AF65-F5344CB8AC3E}">
@@ -14194,7 +17748,7 @@
 </p:sld>
 </file>
 
-<file path=ppt/slides/slide8.xml><?xml version="1.0" encoding="utf-8"?>
+<file path=ppt/slides/slide9.xml><?xml version="1.0" encoding="utf-8"?>
 <p:sld xmlns:a="http://schemas.openxmlformats.org/drawingml/2006/main" xmlns:r="http://schemas.openxmlformats.org/officeDocument/2006/relationships" xmlns:p="http://schemas.openxmlformats.org/presentationml/2006/main">
   <p:cSld>
     <p:spTree>
@@ -14275,7 +17829,7 @@
             </a:pPr>
             <a:r>
               <a:rPr lang="en-US" sz="3200" spc="400" dirty="0"/>
-              <a:t>ANALYSIS AND ALGORITHMS</a:t>
+              <a:t>ANALYSIS</a:t>
             </a:r>
           </a:p>
           <a:p>
@@ -14296,125 +17850,55 @@
           </a:p>
         </p:txBody>
       </p:sp>
+      <p:pic>
+        <p:nvPicPr>
+          <p:cNvPr id="2050" name="Picture 2">
+            <a:extLst>
+              <a:ext uri="{FF2B5EF4-FFF2-40B4-BE49-F238E27FC236}">
+                <a16:creationId xmlns:a16="http://schemas.microsoft.com/office/drawing/2014/main" id="{41540AFA-CFA9-0F94-4C27-3B7CF7A6ABC8}"/>
+              </a:ext>
+            </a:extLst>
+          </p:cNvPr>
+          <p:cNvPicPr>
+            <a:picLocks noChangeAspect="1" noChangeArrowheads="1"/>
+          </p:cNvPicPr>
+          <p:nvPr/>
+        </p:nvPicPr>
+        <p:blipFill rotWithShape="1">
+          <a:blip r:embed="rId2">
+            <a:extLst>
+              <a:ext uri="{28A0092B-C50C-407E-A947-70E740481C1C}">
+                <a14:useLocalDpi xmlns:a14="http://schemas.microsoft.com/office/drawing/2010/main" val="0"/>
+              </a:ext>
+            </a:extLst>
+          </a:blip>
+          <a:srcRect t="1271" r="8411" b="1448"/>
+          <a:stretch/>
+        </p:blipFill>
+        <p:spPr bwMode="auto">
+          <a:xfrm>
+            <a:off x="5713348" y="360001"/>
+            <a:ext cx="6111501" cy="5294566"/>
+          </a:xfrm>
+          <a:prstGeom prst="rect">
+            <a:avLst/>
+          </a:prstGeom>
+          <a:noFill/>
+          <a:extLst>
+            <a:ext uri="{909E8E84-426E-40DD-AFC4-6F175D3DCCD1}">
+              <a14:hiddenFill xmlns:a14="http://schemas.microsoft.com/office/drawing/2010/main">
+                <a:solidFill>
+                  <a:srgbClr val="FFFFFF"/>
+                </a:solidFill>
+              </a14:hiddenFill>
+            </a:ext>
+          </a:extLst>
+        </p:spPr>
+      </p:pic>
     </p:spTree>
     <p:extLst>
       <p:ext uri="{BB962C8B-B14F-4D97-AF65-F5344CB8AC3E}">
         <p14:creationId xmlns:p14="http://schemas.microsoft.com/office/powerpoint/2010/main" val="1559346346"/>
-      </p:ext>
-    </p:extLst>
-  </p:cSld>
-  <p:clrMapOvr>
-    <a:masterClrMapping/>
-  </p:clrMapOvr>
-</p:sld>
-</file>
-
-<file path=ppt/slides/slide9.xml><?xml version="1.0" encoding="utf-8"?>
-<p:sld xmlns:a="http://schemas.openxmlformats.org/drawingml/2006/main" xmlns:r="http://schemas.openxmlformats.org/officeDocument/2006/relationships" xmlns:p="http://schemas.openxmlformats.org/presentationml/2006/main">
-  <p:cSld>
-    <p:spTree>
-      <p:nvGrpSpPr>
-        <p:cNvPr id="1" name="">
-          <a:extLst>
-            <a:ext uri="{FF2B5EF4-FFF2-40B4-BE49-F238E27FC236}">
-              <a16:creationId xmlns:a16="http://schemas.microsoft.com/office/drawing/2014/main" id="{99F5739F-9891-1519-5038-7FE8FF4F404D}"/>
-            </a:ext>
-          </a:extLst>
-        </p:cNvPr>
-        <p:cNvGrpSpPr/>
-        <p:nvPr/>
-      </p:nvGrpSpPr>
-      <p:grpSpPr>
-        <a:xfrm>
-          <a:off x="0" y="0"/>
-          <a:ext cx="0" cy="0"/>
-          <a:chOff x="0" y="0"/>
-          <a:chExt cx="0" cy="0"/>
-        </a:xfrm>
-      </p:grpSpPr>
-      <p:sp>
-        <p:nvSpPr>
-          <p:cNvPr id="2" name="Title 1">
-            <a:extLst>
-              <a:ext uri="{FF2B5EF4-FFF2-40B4-BE49-F238E27FC236}">
-                <a16:creationId xmlns:a16="http://schemas.microsoft.com/office/drawing/2014/main" id="{A1ADC040-BE1B-167B-0781-3AF0EE5F3290}"/>
-              </a:ext>
-            </a:extLst>
-          </p:cNvPr>
-          <p:cNvSpPr>
-            <a:spLocks noGrp="1"/>
-          </p:cNvSpPr>
-          <p:nvPr>
-            <p:ph type="title"/>
-          </p:nvPr>
-        </p:nvSpPr>
-        <p:spPr/>
-        <p:txBody>
-          <a:bodyPr/>
-          <a:lstStyle/>
-          <a:p>
-            <a:r>
-              <a:rPr lang="en-US" b="1" spc="1500" dirty="0"/>
-              <a:t>OUR CODE</a:t>
-            </a:r>
-            <a:endParaRPr lang="en-CA" b="1" spc="1500" dirty="0"/>
-          </a:p>
-        </p:txBody>
-      </p:sp>
-      <p:sp>
-        <p:nvSpPr>
-          <p:cNvPr id="3" name="Content Placeholder 2">
-            <a:extLst>
-              <a:ext uri="{FF2B5EF4-FFF2-40B4-BE49-F238E27FC236}">
-                <a16:creationId xmlns:a16="http://schemas.microsoft.com/office/drawing/2014/main" id="{A8888916-18F2-097E-7516-F68889E4A0EE}"/>
-              </a:ext>
-            </a:extLst>
-          </p:cNvPr>
-          <p:cNvSpPr>
-            <a:spLocks noGrp="1"/>
-          </p:cNvSpPr>
-          <p:nvPr>
-            <p:ph idx="1"/>
-          </p:nvPr>
-        </p:nvSpPr>
-        <p:spPr/>
-        <p:txBody>
-          <a:bodyPr/>
-          <a:lstStyle/>
-          <a:p>
-            <a:pPr marL="0" indent="0">
-              <a:spcAft>
-                <a:spcPts val="600"/>
-              </a:spcAft>
-              <a:buNone/>
-            </a:pPr>
-            <a:r>
-              <a:rPr lang="en-US" sz="3200" spc="400" dirty="0"/>
-              <a:t>EXPORTING DATA SETS</a:t>
-            </a:r>
-          </a:p>
-          <a:p>
-            <a:pPr marL="536575" indent="-361950">
-              <a:buClr>
-                <a:schemeClr val="tx1">
-                  <a:lumMod val="50000"/>
-                  <a:lumOff val="50000"/>
-                </a:schemeClr>
-              </a:buClr>
-              <a:buFont typeface="Source Sans Pro" panose="020B0503030403020204" pitchFamily="34" charset="0"/>
-              <a:buChar char="›"/>
-            </a:pPr>
-            <a:r>
-              <a:rPr lang="en-US" sz="2400" dirty="0"/>
-              <a:t>A </a:t>
-            </a:r>
-          </a:p>
-        </p:txBody>
-      </p:sp>
-    </p:spTree>
-    <p:extLst>
-      <p:ext uri="{BB962C8B-B14F-4D97-AF65-F5344CB8AC3E}">
-        <p14:creationId xmlns:p14="http://schemas.microsoft.com/office/powerpoint/2010/main" val="2143880974"/>
       </p:ext>
     </p:extLst>
   </p:cSld>

--- a/nlp assignment 1.pptx
+++ b/nlp assignment 1.pptx
@@ -13,12 +13,17 @@
     <p:sldId id="260" r:id="rId7"/>
     <p:sldId id="268" r:id="rId8"/>
     <p:sldId id="262" r:id="rId9"/>
-    <p:sldId id="263" r:id="rId10"/>
-    <p:sldId id="264" r:id="rId11"/>
-    <p:sldId id="265" r:id="rId12"/>
-    <p:sldId id="266" r:id="rId13"/>
-    <p:sldId id="267" r:id="rId14"/>
-    <p:sldId id="269" r:id="rId15"/>
+    <p:sldId id="270" r:id="rId10"/>
+    <p:sldId id="271" r:id="rId11"/>
+    <p:sldId id="263" r:id="rId12"/>
+    <p:sldId id="272" r:id="rId13"/>
+    <p:sldId id="264" r:id="rId14"/>
+    <p:sldId id="273" r:id="rId15"/>
+    <p:sldId id="274" r:id="rId16"/>
+    <p:sldId id="265" r:id="rId17"/>
+    <p:sldId id="266" r:id="rId18"/>
+    <p:sldId id="267" r:id="rId19"/>
+    <p:sldId id="269" r:id="rId20"/>
   </p:sldIdLst>
   <p:sldSz cx="12192000" cy="6858000"/>
   <p:notesSz cx="6858000" cy="9144000"/>
@@ -10871,12 +10876,473 @@
   <p:clrMapOvr>
     <a:masterClrMapping/>
   </p:clrMapOvr>
+  <mc:AlternateContent xmlns:mc="http://schemas.openxmlformats.org/markup-compatibility/2006">
+    <mc:Choice xmlns:p14="http://schemas.microsoft.com/office/powerpoint/2010/main" Requires="p14">
+      <p:transition spd="med" p14:dur="700">
+        <p:fade/>
+      </p:transition>
+    </mc:Choice>
+    <mc:Fallback>
+      <p:transition spd="med">
+        <p:fade/>
+      </p:transition>
+    </mc:Fallback>
+  </mc:AlternateContent>
 </p:sld>
 </file>
 
 <file path=ppt/slides/slide10.xml><?xml version="1.0" encoding="utf-8"?>
 <p:sld xmlns:a="http://schemas.openxmlformats.org/drawingml/2006/main" xmlns:r="http://schemas.openxmlformats.org/officeDocument/2006/relationships" xmlns:p="http://schemas.openxmlformats.org/presentationml/2006/main">
   <p:cSld>
+    <p:bg>
+      <p:bgPr>
+        <a:solidFill>
+          <a:srgbClr val="19232D"/>
+        </a:solidFill>
+        <a:effectLst/>
+      </p:bgPr>
+    </p:bg>
+    <p:spTree>
+      <p:nvGrpSpPr>
+        <p:cNvPr id="1" name="">
+          <a:extLst>
+            <a:ext uri="{FF2B5EF4-FFF2-40B4-BE49-F238E27FC236}">
+              <a16:creationId xmlns:a16="http://schemas.microsoft.com/office/drawing/2014/main" id="{8FF84D86-253E-4EBB-741F-8BF60FBC95EC}"/>
+            </a:ext>
+          </a:extLst>
+        </p:cNvPr>
+        <p:cNvGrpSpPr/>
+        <p:nvPr/>
+      </p:nvGrpSpPr>
+      <p:grpSpPr>
+        <a:xfrm>
+          <a:off x="0" y="0"/>
+          <a:ext cx="0" cy="0"/>
+          <a:chOff x="0" y="0"/>
+          <a:chExt cx="0" cy="0"/>
+        </a:xfrm>
+      </p:grpSpPr>
+      <p:pic>
+        <p:nvPicPr>
+          <p:cNvPr id="1026" name="Picture 2">
+            <a:extLst>
+              <a:ext uri="{FF2B5EF4-FFF2-40B4-BE49-F238E27FC236}">
+                <a16:creationId xmlns:a16="http://schemas.microsoft.com/office/drawing/2014/main" id="{CBC92CDA-C5ED-7975-34A6-75ECEE70C32E}"/>
+              </a:ext>
+            </a:extLst>
+          </p:cNvPr>
+          <p:cNvPicPr>
+            <a:picLocks noChangeAspect="1" noChangeArrowheads="1"/>
+          </p:cNvPicPr>
+          <p:nvPr/>
+        </p:nvPicPr>
+        <p:blipFill rotWithShape="1">
+          <a:blip r:embed="rId2">
+            <a:extLst>
+              <a:ext uri="{28A0092B-C50C-407E-A947-70E740481C1C}">
+                <a14:useLocalDpi xmlns:a14="http://schemas.microsoft.com/office/drawing/2010/main" val="0"/>
+              </a:ext>
+            </a:extLst>
+          </a:blip>
+          <a:srcRect t="493" r="41764" b="1970"/>
+          <a:stretch/>
+        </p:blipFill>
+        <p:spPr bwMode="auto">
+          <a:xfrm>
+            <a:off x="5720906" y="0"/>
+            <a:ext cx="6471094" cy="6858000"/>
+          </a:xfrm>
+          <a:prstGeom prst="rect">
+            <a:avLst/>
+          </a:prstGeom>
+          <a:noFill/>
+          <a:extLst>
+            <a:ext uri="{909E8E84-426E-40DD-AFC4-6F175D3DCCD1}">
+              <a14:hiddenFill xmlns:a14="http://schemas.microsoft.com/office/drawing/2010/main">
+                <a:solidFill>
+                  <a:srgbClr val="FFFFFF"/>
+                </a:solidFill>
+              </a14:hiddenFill>
+            </a:ext>
+          </a:extLst>
+        </p:spPr>
+      </p:pic>
+      <p:sp>
+        <p:nvSpPr>
+          <p:cNvPr id="12" name="Left Brace 11">
+            <a:extLst>
+              <a:ext uri="{FF2B5EF4-FFF2-40B4-BE49-F238E27FC236}">
+                <a16:creationId xmlns:a16="http://schemas.microsoft.com/office/drawing/2014/main" id="{D3C5E3CD-6AA5-64B5-953F-EA35B9BAB105}"/>
+              </a:ext>
+            </a:extLst>
+          </p:cNvPr>
+          <p:cNvSpPr/>
+          <p:nvPr/>
+        </p:nvSpPr>
+        <p:spPr>
+          <a:xfrm>
+            <a:off x="5375849" y="4106172"/>
+            <a:ext cx="345057" cy="2691443"/>
+          </a:xfrm>
+          <a:prstGeom prst="leftBrace">
+            <a:avLst/>
+          </a:prstGeom>
+          <a:ln w="28575">
+            <a:solidFill>
+              <a:schemeClr val="bg1"/>
+            </a:solidFill>
+          </a:ln>
+        </p:spPr>
+        <p:style>
+          <a:lnRef idx="1">
+            <a:schemeClr val="accent1"/>
+          </a:lnRef>
+          <a:fillRef idx="0">
+            <a:schemeClr val="accent1"/>
+          </a:fillRef>
+          <a:effectRef idx="0">
+            <a:schemeClr val="accent1"/>
+          </a:effectRef>
+          <a:fontRef idx="minor">
+            <a:schemeClr val="tx1"/>
+          </a:fontRef>
+        </p:style>
+        <p:txBody>
+          <a:bodyPr rtlCol="0" anchor="ctr"/>
+          <a:lstStyle/>
+          <a:p>
+            <a:pPr algn="ctr"/>
+            <a:endParaRPr lang="en-CA"/>
+          </a:p>
+        </p:txBody>
+      </p:sp>
+    </p:spTree>
+    <p:extLst>
+      <p:ext uri="{BB962C8B-B14F-4D97-AF65-F5344CB8AC3E}">
+        <p14:creationId xmlns:p14="http://schemas.microsoft.com/office/powerpoint/2010/main" val="2766807952"/>
+      </p:ext>
+    </p:extLst>
+  </p:cSld>
+  <p:clrMapOvr>
+    <a:masterClrMapping/>
+  </p:clrMapOvr>
+  <mc:AlternateContent xmlns:mc="http://schemas.openxmlformats.org/markup-compatibility/2006">
+    <mc:Choice xmlns:p159="http://schemas.microsoft.com/office/powerpoint/2015/09/main" Requires="p159">
+      <p:transition xmlns:p14="http://schemas.microsoft.com/office/powerpoint/2010/main" spd="slow" p14:dur="2000">
+        <p159:morph option="byObject"/>
+      </p:transition>
+    </mc:Choice>
+    <mc:Fallback>
+      <p:transition spd="slow">
+        <p:fade/>
+      </p:transition>
+    </mc:Fallback>
+  </mc:AlternateContent>
+</p:sld>
+</file>
+
+<file path=ppt/slides/slide11.xml><?xml version="1.0" encoding="utf-8"?>
+<p:sld xmlns:a="http://schemas.openxmlformats.org/drawingml/2006/main" xmlns:r="http://schemas.openxmlformats.org/officeDocument/2006/relationships" xmlns:p="http://schemas.openxmlformats.org/presentationml/2006/main">
+  <p:cSld>
+    <p:bg>
+      <p:bgPr>
+        <a:solidFill>
+          <a:srgbClr val="19232D"/>
+        </a:solidFill>
+        <a:effectLst/>
+      </p:bgPr>
+    </p:bg>
+    <p:spTree>
+      <p:nvGrpSpPr>
+        <p:cNvPr id="1" name="">
+          <a:extLst>
+            <a:ext uri="{FF2B5EF4-FFF2-40B4-BE49-F238E27FC236}">
+              <a16:creationId xmlns:a16="http://schemas.microsoft.com/office/drawing/2014/main" id="{3E470189-8F13-2732-51E9-2469AACC8B62}"/>
+            </a:ext>
+          </a:extLst>
+        </p:cNvPr>
+        <p:cNvGrpSpPr/>
+        <p:nvPr/>
+      </p:nvGrpSpPr>
+      <p:grpSpPr>
+        <a:xfrm>
+          <a:off x="0" y="0"/>
+          <a:ext cx="0" cy="0"/>
+          <a:chOff x="0" y="0"/>
+          <a:chExt cx="0" cy="0"/>
+        </a:xfrm>
+      </p:grpSpPr>
+      <p:pic>
+        <p:nvPicPr>
+          <p:cNvPr id="2050" name="Picture 2">
+            <a:extLst>
+              <a:ext uri="{FF2B5EF4-FFF2-40B4-BE49-F238E27FC236}">
+                <a16:creationId xmlns:a16="http://schemas.microsoft.com/office/drawing/2014/main" id="{41540AFA-CFA9-0F94-4C27-3B7CF7A6ABC8}"/>
+              </a:ext>
+            </a:extLst>
+          </p:cNvPr>
+          <p:cNvPicPr>
+            <a:picLocks noChangeAspect="1" noChangeArrowheads="1"/>
+          </p:cNvPicPr>
+          <p:nvPr/>
+        </p:nvPicPr>
+        <p:blipFill rotWithShape="1">
+          <a:blip r:embed="rId2">
+            <a:extLst>
+              <a:ext uri="{28A0092B-C50C-407E-A947-70E740481C1C}">
+                <a14:useLocalDpi xmlns:a14="http://schemas.microsoft.com/office/drawing/2010/main" val="0"/>
+              </a:ext>
+            </a:extLst>
+          </a:blip>
+          <a:srcRect t="1271" r="8411" b="1448"/>
+          <a:stretch/>
+        </p:blipFill>
+        <p:spPr bwMode="auto">
+          <a:xfrm>
+            <a:off x="4275832" y="0"/>
+            <a:ext cx="7916168" cy="6858000"/>
+          </a:xfrm>
+          <a:prstGeom prst="rect">
+            <a:avLst/>
+          </a:prstGeom>
+          <a:noFill/>
+          <a:extLst>
+            <a:ext uri="{909E8E84-426E-40DD-AFC4-6F175D3DCCD1}">
+              <a14:hiddenFill xmlns:a14="http://schemas.microsoft.com/office/drawing/2010/main">
+                <a:solidFill>
+                  <a:srgbClr val="FFFFFF"/>
+                </a:solidFill>
+              </a14:hiddenFill>
+            </a:ext>
+          </a:extLst>
+        </p:spPr>
+      </p:pic>
+      <p:sp>
+        <p:nvSpPr>
+          <p:cNvPr id="9" name="Left Brace 8">
+            <a:extLst>
+              <a:ext uri="{FF2B5EF4-FFF2-40B4-BE49-F238E27FC236}">
+                <a16:creationId xmlns:a16="http://schemas.microsoft.com/office/drawing/2014/main" id="{B085E2DE-E2D9-E71E-6C71-51F3FB00AD86}"/>
+              </a:ext>
+            </a:extLst>
+          </p:cNvPr>
+          <p:cNvSpPr/>
+          <p:nvPr/>
+        </p:nvSpPr>
+        <p:spPr>
+          <a:xfrm>
+            <a:off x="3930775" y="0"/>
+            <a:ext cx="345057" cy="5270740"/>
+          </a:xfrm>
+          <a:prstGeom prst="leftBrace">
+            <a:avLst/>
+          </a:prstGeom>
+          <a:ln w="28575">
+            <a:solidFill>
+              <a:schemeClr val="bg1"/>
+            </a:solidFill>
+          </a:ln>
+        </p:spPr>
+        <p:style>
+          <a:lnRef idx="1">
+            <a:schemeClr val="accent1"/>
+          </a:lnRef>
+          <a:fillRef idx="0">
+            <a:schemeClr val="accent1"/>
+          </a:fillRef>
+          <a:effectRef idx="0">
+            <a:schemeClr val="accent1"/>
+          </a:effectRef>
+          <a:fontRef idx="minor">
+            <a:schemeClr val="tx1"/>
+          </a:fontRef>
+        </p:style>
+        <p:txBody>
+          <a:bodyPr rtlCol="0" anchor="ctr"/>
+          <a:lstStyle/>
+          <a:p>
+            <a:pPr algn="ctr"/>
+            <a:endParaRPr lang="en-CA"/>
+          </a:p>
+        </p:txBody>
+      </p:sp>
+    </p:spTree>
+    <p:extLst>
+      <p:ext uri="{BB962C8B-B14F-4D97-AF65-F5344CB8AC3E}">
+        <p14:creationId xmlns:p14="http://schemas.microsoft.com/office/powerpoint/2010/main" val="1559346346"/>
+      </p:ext>
+    </p:extLst>
+  </p:cSld>
+  <p:clrMapOvr>
+    <a:masterClrMapping/>
+  </p:clrMapOvr>
+  <p:transition spd="slow">
+    <p:push dir="u"/>
+  </p:transition>
+</p:sld>
+</file>
+
+<file path=ppt/slides/slide12.xml><?xml version="1.0" encoding="utf-8"?>
+<p:sld xmlns:a="http://schemas.openxmlformats.org/drawingml/2006/main" xmlns:r="http://schemas.openxmlformats.org/officeDocument/2006/relationships" xmlns:p="http://schemas.openxmlformats.org/presentationml/2006/main">
+  <p:cSld>
+    <p:bg>
+      <p:bgPr>
+        <a:solidFill>
+          <a:srgbClr val="19232D"/>
+        </a:solidFill>
+        <a:effectLst/>
+      </p:bgPr>
+    </p:bg>
+    <p:spTree>
+      <p:nvGrpSpPr>
+        <p:cNvPr id="1" name="">
+          <a:extLst>
+            <a:ext uri="{FF2B5EF4-FFF2-40B4-BE49-F238E27FC236}">
+              <a16:creationId xmlns:a16="http://schemas.microsoft.com/office/drawing/2014/main" id="{875AA9BA-3012-7BEE-4235-F072D3BFA303}"/>
+            </a:ext>
+          </a:extLst>
+        </p:cNvPr>
+        <p:cNvGrpSpPr/>
+        <p:nvPr/>
+      </p:nvGrpSpPr>
+      <p:grpSpPr>
+        <a:xfrm>
+          <a:off x="0" y="0"/>
+          <a:ext cx="0" cy="0"/>
+          <a:chOff x="0" y="0"/>
+          <a:chExt cx="0" cy="0"/>
+        </a:xfrm>
+      </p:grpSpPr>
+      <p:pic>
+        <p:nvPicPr>
+          <p:cNvPr id="2050" name="Picture 2">
+            <a:extLst>
+              <a:ext uri="{FF2B5EF4-FFF2-40B4-BE49-F238E27FC236}">
+                <a16:creationId xmlns:a16="http://schemas.microsoft.com/office/drawing/2014/main" id="{3A2ABDBA-F4BC-34D4-7B6E-75897DBF3F94}"/>
+              </a:ext>
+            </a:extLst>
+          </p:cNvPr>
+          <p:cNvPicPr>
+            <a:picLocks noChangeAspect="1" noChangeArrowheads="1"/>
+          </p:cNvPicPr>
+          <p:nvPr/>
+        </p:nvPicPr>
+        <p:blipFill rotWithShape="1">
+          <a:blip r:embed="rId2">
+            <a:extLst>
+              <a:ext uri="{28A0092B-C50C-407E-A947-70E740481C1C}">
+                <a14:useLocalDpi xmlns:a14="http://schemas.microsoft.com/office/drawing/2010/main" val="0"/>
+              </a:ext>
+            </a:extLst>
+          </a:blip>
+          <a:srcRect t="1271" r="8411" b="1448"/>
+          <a:stretch/>
+        </p:blipFill>
+        <p:spPr bwMode="auto">
+          <a:xfrm>
+            <a:off x="4275832" y="0"/>
+            <a:ext cx="7916168" cy="6858000"/>
+          </a:xfrm>
+          <a:prstGeom prst="rect">
+            <a:avLst/>
+          </a:prstGeom>
+          <a:noFill/>
+          <a:extLst>
+            <a:ext uri="{909E8E84-426E-40DD-AFC4-6F175D3DCCD1}">
+              <a14:hiddenFill xmlns:a14="http://schemas.microsoft.com/office/drawing/2010/main">
+                <a:solidFill>
+                  <a:srgbClr val="FFFFFF"/>
+                </a:solidFill>
+              </a14:hiddenFill>
+            </a:ext>
+          </a:extLst>
+        </p:spPr>
+      </p:pic>
+      <p:sp>
+        <p:nvSpPr>
+          <p:cNvPr id="2" name="Left Brace 1">
+            <a:extLst>
+              <a:ext uri="{FF2B5EF4-FFF2-40B4-BE49-F238E27FC236}">
+                <a16:creationId xmlns:a16="http://schemas.microsoft.com/office/drawing/2014/main" id="{466C94AD-FBE0-A2AE-3505-7AF5A667C7D3}"/>
+              </a:ext>
+            </a:extLst>
+          </p:cNvPr>
+          <p:cNvSpPr/>
+          <p:nvPr/>
+        </p:nvSpPr>
+        <p:spPr>
+          <a:xfrm>
+            <a:off x="3930775" y="5313873"/>
+            <a:ext cx="345057" cy="1526875"/>
+          </a:xfrm>
+          <a:prstGeom prst="leftBrace">
+            <a:avLst/>
+          </a:prstGeom>
+          <a:ln w="28575">
+            <a:solidFill>
+              <a:schemeClr val="bg1"/>
+            </a:solidFill>
+          </a:ln>
+        </p:spPr>
+        <p:style>
+          <a:lnRef idx="1">
+            <a:schemeClr val="accent1"/>
+          </a:lnRef>
+          <a:fillRef idx="0">
+            <a:schemeClr val="accent1"/>
+          </a:fillRef>
+          <a:effectRef idx="0">
+            <a:schemeClr val="accent1"/>
+          </a:effectRef>
+          <a:fontRef idx="minor">
+            <a:schemeClr val="tx1"/>
+          </a:fontRef>
+        </p:style>
+        <p:txBody>
+          <a:bodyPr rtlCol="0" anchor="ctr"/>
+          <a:lstStyle/>
+          <a:p>
+            <a:pPr algn="ctr"/>
+            <a:endParaRPr lang="en-CA"/>
+          </a:p>
+        </p:txBody>
+      </p:sp>
+    </p:spTree>
+    <p:extLst>
+      <p:ext uri="{BB962C8B-B14F-4D97-AF65-F5344CB8AC3E}">
+        <p14:creationId xmlns:p14="http://schemas.microsoft.com/office/powerpoint/2010/main" val="3713922814"/>
+      </p:ext>
+    </p:extLst>
+  </p:cSld>
+  <p:clrMapOvr>
+    <a:masterClrMapping/>
+  </p:clrMapOvr>
+  <mc:AlternateContent xmlns:mc="http://schemas.openxmlformats.org/markup-compatibility/2006">
+    <mc:Choice xmlns:p159="http://schemas.microsoft.com/office/powerpoint/2015/09/main" Requires="p159">
+      <p:transition xmlns:p14="http://schemas.microsoft.com/office/powerpoint/2010/main" spd="slow" p14:dur="2000">
+        <p159:morph option="byObject"/>
+      </p:transition>
+    </mc:Choice>
+    <mc:Fallback>
+      <p:transition spd="slow">
+        <p:fade/>
+      </p:transition>
+    </mc:Fallback>
+  </mc:AlternateContent>
+</p:sld>
+</file>
+
+<file path=ppt/slides/slide13.xml><?xml version="1.0" encoding="utf-8"?>
+<p:sld xmlns:a="http://schemas.openxmlformats.org/drawingml/2006/main" xmlns:r="http://schemas.openxmlformats.org/officeDocument/2006/relationships" xmlns:p="http://schemas.openxmlformats.org/presentationml/2006/main">
+  <p:cSld>
+    <p:bg>
+      <p:bgPr>
+        <a:solidFill>
+          <a:srgbClr val="19232D"/>
+        </a:solidFill>
+        <a:effectLst/>
+      </p:bgPr>
+    </p:bg>
     <p:spTree>
       <p:nvGrpSpPr>
         <p:cNvPr id="1" name="">
@@ -10897,85 +11363,6 @@
           <a:chExt cx="0" cy="0"/>
         </a:xfrm>
       </p:grpSpPr>
-      <p:sp>
-        <p:nvSpPr>
-          <p:cNvPr id="2" name="Title 1">
-            <a:extLst>
-              <a:ext uri="{FF2B5EF4-FFF2-40B4-BE49-F238E27FC236}">
-                <a16:creationId xmlns:a16="http://schemas.microsoft.com/office/drawing/2014/main" id="{A1ADC040-BE1B-167B-0781-3AF0EE5F3290}"/>
-              </a:ext>
-            </a:extLst>
-          </p:cNvPr>
-          <p:cNvSpPr>
-            <a:spLocks noGrp="1"/>
-          </p:cNvSpPr>
-          <p:nvPr>
-            <p:ph type="title"/>
-          </p:nvPr>
-        </p:nvSpPr>
-        <p:spPr/>
-        <p:txBody>
-          <a:bodyPr/>
-          <a:lstStyle/>
-          <a:p>
-            <a:r>
-              <a:rPr lang="en-US" b="1" spc="1500" dirty="0"/>
-              <a:t>OUR CODE</a:t>
-            </a:r>
-            <a:endParaRPr lang="en-CA" b="1" spc="1500" dirty="0"/>
-          </a:p>
-        </p:txBody>
-      </p:sp>
-      <p:sp>
-        <p:nvSpPr>
-          <p:cNvPr id="3" name="Content Placeholder 2">
-            <a:extLst>
-              <a:ext uri="{FF2B5EF4-FFF2-40B4-BE49-F238E27FC236}">
-                <a16:creationId xmlns:a16="http://schemas.microsoft.com/office/drawing/2014/main" id="{A8888916-18F2-097E-7516-F68889E4A0EE}"/>
-              </a:ext>
-            </a:extLst>
-          </p:cNvPr>
-          <p:cNvSpPr>
-            <a:spLocks noGrp="1"/>
-          </p:cNvSpPr>
-          <p:nvPr>
-            <p:ph idx="1"/>
-          </p:nvPr>
-        </p:nvSpPr>
-        <p:spPr/>
-        <p:txBody>
-          <a:bodyPr/>
-          <a:lstStyle/>
-          <a:p>
-            <a:pPr marL="0" indent="0">
-              <a:spcAft>
-                <a:spcPts val="600"/>
-              </a:spcAft>
-              <a:buNone/>
-            </a:pPr>
-            <a:r>
-              <a:rPr lang="en-US" sz="3200" spc="400" dirty="0"/>
-              <a:t>EXPORTING DATA SETS</a:t>
-            </a:r>
-          </a:p>
-          <a:p>
-            <a:pPr marL="536575" indent="-361950">
-              <a:buClr>
-                <a:schemeClr val="tx1">
-                  <a:lumMod val="50000"/>
-                  <a:lumOff val="50000"/>
-                </a:schemeClr>
-              </a:buClr>
-              <a:buFont typeface="Source Sans Pro" panose="020B0503030403020204" pitchFamily="34" charset="0"/>
-              <a:buChar char="›"/>
-            </a:pPr>
-            <a:r>
-              <a:rPr lang="en-US" sz="2400" dirty="0"/>
-              <a:t>A </a:t>
-            </a:r>
-          </a:p>
-        </p:txBody>
-      </p:sp>
       <p:pic>
         <p:nvPicPr>
           <p:cNvPr id="3074" name="Picture 2">
@@ -11003,8 +11390,8 @@
         </p:blipFill>
         <p:spPr bwMode="auto">
           <a:xfrm>
-            <a:off x="6630330" y="360001"/>
-            <a:ext cx="5180197" cy="5294566"/>
+            <a:off x="5477775" y="-1"/>
+            <a:ext cx="6714226" cy="6862463"/>
           </a:xfrm>
           <a:prstGeom prst="rect">
             <a:avLst/>
@@ -11021,6 +11408,55 @@
           </a:extLst>
         </p:spPr>
       </p:pic>
+      <p:sp>
+        <p:nvSpPr>
+          <p:cNvPr id="6" name="Left Brace 5">
+            <a:extLst>
+              <a:ext uri="{FF2B5EF4-FFF2-40B4-BE49-F238E27FC236}">
+                <a16:creationId xmlns:a16="http://schemas.microsoft.com/office/drawing/2014/main" id="{47E596DD-FB24-6CEE-9579-AA231209090A}"/>
+              </a:ext>
+            </a:extLst>
+          </p:cNvPr>
+          <p:cNvSpPr/>
+          <p:nvPr/>
+        </p:nvSpPr>
+        <p:spPr>
+          <a:xfrm>
+            <a:off x="5132718" y="0"/>
+            <a:ext cx="345057" cy="3105509"/>
+          </a:xfrm>
+          <a:prstGeom prst="leftBrace">
+            <a:avLst/>
+          </a:prstGeom>
+          <a:ln w="28575">
+            <a:solidFill>
+              <a:schemeClr val="bg1"/>
+            </a:solidFill>
+          </a:ln>
+        </p:spPr>
+        <p:style>
+          <a:lnRef idx="1">
+            <a:schemeClr val="accent1"/>
+          </a:lnRef>
+          <a:fillRef idx="0">
+            <a:schemeClr val="accent1"/>
+          </a:fillRef>
+          <a:effectRef idx="0">
+            <a:schemeClr val="accent1"/>
+          </a:effectRef>
+          <a:fontRef idx="minor">
+            <a:schemeClr val="tx1"/>
+          </a:fontRef>
+        </p:style>
+        <p:txBody>
+          <a:bodyPr rtlCol="0" anchor="ctr"/>
+          <a:lstStyle/>
+          <a:p>
+            <a:pPr algn="ctr"/>
+            <a:endParaRPr lang="en-CA"/>
+          </a:p>
+        </p:txBody>
+      </p:sp>
     </p:spTree>
     <p:extLst>
       <p:ext uri="{BB962C8B-B14F-4D97-AF65-F5344CB8AC3E}">
@@ -11031,10 +11467,313 @@
   <p:clrMapOvr>
     <a:masterClrMapping/>
   </p:clrMapOvr>
+  <p:transition spd="slow">
+    <p:push dir="u"/>
+  </p:transition>
 </p:sld>
 </file>
 
-<file path=ppt/slides/slide11.xml><?xml version="1.0" encoding="utf-8"?>
+<file path=ppt/slides/slide14.xml><?xml version="1.0" encoding="utf-8"?>
+<p:sld xmlns:a="http://schemas.openxmlformats.org/drawingml/2006/main" xmlns:r="http://schemas.openxmlformats.org/officeDocument/2006/relationships" xmlns:p="http://schemas.openxmlformats.org/presentationml/2006/main">
+  <p:cSld>
+    <p:bg>
+      <p:bgPr>
+        <a:solidFill>
+          <a:srgbClr val="19232D"/>
+        </a:solidFill>
+        <a:effectLst/>
+      </p:bgPr>
+    </p:bg>
+    <p:spTree>
+      <p:nvGrpSpPr>
+        <p:cNvPr id="1" name="">
+          <a:extLst>
+            <a:ext uri="{FF2B5EF4-FFF2-40B4-BE49-F238E27FC236}">
+              <a16:creationId xmlns:a16="http://schemas.microsoft.com/office/drawing/2014/main" id="{661F660B-8397-7425-49F2-809D0BA19EEC}"/>
+            </a:ext>
+          </a:extLst>
+        </p:cNvPr>
+        <p:cNvGrpSpPr/>
+        <p:nvPr/>
+      </p:nvGrpSpPr>
+      <p:grpSpPr>
+        <a:xfrm>
+          <a:off x="0" y="0"/>
+          <a:ext cx="0" cy="0"/>
+          <a:chOff x="0" y="0"/>
+          <a:chExt cx="0" cy="0"/>
+        </a:xfrm>
+      </p:grpSpPr>
+      <p:pic>
+        <p:nvPicPr>
+          <p:cNvPr id="3074" name="Picture 2">
+            <a:extLst>
+              <a:ext uri="{FF2B5EF4-FFF2-40B4-BE49-F238E27FC236}">
+                <a16:creationId xmlns:a16="http://schemas.microsoft.com/office/drawing/2014/main" id="{748CC442-68DF-1362-588F-01DE4EEA4609}"/>
+              </a:ext>
+            </a:extLst>
+          </p:cNvPr>
+          <p:cNvPicPr>
+            <a:picLocks noChangeAspect="1" noChangeArrowheads="1"/>
+          </p:cNvPicPr>
+          <p:nvPr/>
+        </p:nvPicPr>
+        <p:blipFill rotWithShape="1">
+          <a:blip r:embed="rId2">
+            <a:extLst>
+              <a:ext uri="{28A0092B-C50C-407E-A947-70E740481C1C}">
+                <a14:useLocalDpi xmlns:a14="http://schemas.microsoft.com/office/drawing/2010/main" val="0"/>
+              </a:ext>
+            </a:extLst>
+          </a:blip>
+          <a:srcRect t="867" r="12694" b="1204"/>
+          <a:stretch/>
+        </p:blipFill>
+        <p:spPr bwMode="auto">
+          <a:xfrm>
+            <a:off x="5477775" y="-1"/>
+            <a:ext cx="6714226" cy="6862463"/>
+          </a:xfrm>
+          <a:prstGeom prst="rect">
+            <a:avLst/>
+          </a:prstGeom>
+          <a:noFill/>
+          <a:extLst>
+            <a:ext uri="{909E8E84-426E-40DD-AFC4-6F175D3DCCD1}">
+              <a14:hiddenFill xmlns:a14="http://schemas.microsoft.com/office/drawing/2010/main">
+                <a:solidFill>
+                  <a:srgbClr val="FFFFFF"/>
+                </a:solidFill>
+              </a14:hiddenFill>
+            </a:ext>
+          </a:extLst>
+        </p:spPr>
+      </p:pic>
+      <p:sp>
+        <p:nvSpPr>
+          <p:cNvPr id="6" name="Left Brace 5">
+            <a:extLst>
+              <a:ext uri="{FF2B5EF4-FFF2-40B4-BE49-F238E27FC236}">
+                <a16:creationId xmlns:a16="http://schemas.microsoft.com/office/drawing/2014/main" id="{16D2BAC4-65DB-E59F-E20B-46B292642E5F}"/>
+              </a:ext>
+            </a:extLst>
+          </p:cNvPr>
+          <p:cNvSpPr/>
+          <p:nvPr/>
+        </p:nvSpPr>
+        <p:spPr>
+          <a:xfrm>
+            <a:off x="5132718" y="3088257"/>
+            <a:ext cx="345057" cy="1716655"/>
+          </a:xfrm>
+          <a:prstGeom prst="leftBrace">
+            <a:avLst/>
+          </a:prstGeom>
+          <a:ln w="28575">
+            <a:solidFill>
+              <a:schemeClr val="bg1"/>
+            </a:solidFill>
+          </a:ln>
+        </p:spPr>
+        <p:style>
+          <a:lnRef idx="1">
+            <a:schemeClr val="accent1"/>
+          </a:lnRef>
+          <a:fillRef idx="0">
+            <a:schemeClr val="accent1"/>
+          </a:fillRef>
+          <a:effectRef idx="0">
+            <a:schemeClr val="accent1"/>
+          </a:effectRef>
+          <a:fontRef idx="minor">
+            <a:schemeClr val="tx1"/>
+          </a:fontRef>
+        </p:style>
+        <p:txBody>
+          <a:bodyPr rtlCol="0" anchor="ctr"/>
+          <a:lstStyle/>
+          <a:p>
+            <a:pPr algn="ctr"/>
+            <a:endParaRPr lang="en-CA"/>
+          </a:p>
+        </p:txBody>
+      </p:sp>
+    </p:spTree>
+    <p:extLst>
+      <p:ext uri="{BB962C8B-B14F-4D97-AF65-F5344CB8AC3E}">
+        <p14:creationId xmlns:p14="http://schemas.microsoft.com/office/powerpoint/2010/main" val="4062879841"/>
+      </p:ext>
+    </p:extLst>
+  </p:cSld>
+  <p:clrMapOvr>
+    <a:masterClrMapping/>
+  </p:clrMapOvr>
+  <mc:AlternateContent xmlns:mc="http://schemas.openxmlformats.org/markup-compatibility/2006">
+    <mc:Choice xmlns:p159="http://schemas.microsoft.com/office/powerpoint/2015/09/main" Requires="p159">
+      <p:transition xmlns:p14="http://schemas.microsoft.com/office/powerpoint/2010/main" spd="slow" p14:dur="2000">
+        <p159:morph option="byObject"/>
+      </p:transition>
+    </mc:Choice>
+    <mc:Fallback>
+      <p:transition spd="slow">
+        <p:fade/>
+      </p:transition>
+    </mc:Fallback>
+  </mc:AlternateContent>
+</p:sld>
+</file>
+
+<file path=ppt/slides/slide15.xml><?xml version="1.0" encoding="utf-8"?>
+<p:sld xmlns:a="http://schemas.openxmlformats.org/drawingml/2006/main" xmlns:r="http://schemas.openxmlformats.org/officeDocument/2006/relationships" xmlns:p="http://schemas.openxmlformats.org/presentationml/2006/main">
+  <p:cSld>
+    <p:bg>
+      <p:bgPr>
+        <a:solidFill>
+          <a:srgbClr val="19232D"/>
+        </a:solidFill>
+        <a:effectLst/>
+      </p:bgPr>
+    </p:bg>
+    <p:spTree>
+      <p:nvGrpSpPr>
+        <p:cNvPr id="1" name="">
+          <a:extLst>
+            <a:ext uri="{FF2B5EF4-FFF2-40B4-BE49-F238E27FC236}">
+              <a16:creationId xmlns:a16="http://schemas.microsoft.com/office/drawing/2014/main" id="{244CA088-25CA-D623-FC16-5EB80F52F184}"/>
+            </a:ext>
+          </a:extLst>
+        </p:cNvPr>
+        <p:cNvGrpSpPr/>
+        <p:nvPr/>
+      </p:nvGrpSpPr>
+      <p:grpSpPr>
+        <a:xfrm>
+          <a:off x="0" y="0"/>
+          <a:ext cx="0" cy="0"/>
+          <a:chOff x="0" y="0"/>
+          <a:chExt cx="0" cy="0"/>
+        </a:xfrm>
+      </p:grpSpPr>
+      <p:pic>
+        <p:nvPicPr>
+          <p:cNvPr id="3074" name="Picture 2">
+            <a:extLst>
+              <a:ext uri="{FF2B5EF4-FFF2-40B4-BE49-F238E27FC236}">
+                <a16:creationId xmlns:a16="http://schemas.microsoft.com/office/drawing/2014/main" id="{E76267DD-CDD8-F34A-1551-088F63FAB09E}"/>
+              </a:ext>
+            </a:extLst>
+          </p:cNvPr>
+          <p:cNvPicPr>
+            <a:picLocks noChangeAspect="1" noChangeArrowheads="1"/>
+          </p:cNvPicPr>
+          <p:nvPr/>
+        </p:nvPicPr>
+        <p:blipFill rotWithShape="1">
+          <a:blip r:embed="rId2">
+            <a:extLst>
+              <a:ext uri="{28A0092B-C50C-407E-A947-70E740481C1C}">
+                <a14:useLocalDpi xmlns:a14="http://schemas.microsoft.com/office/drawing/2010/main" val="0"/>
+              </a:ext>
+            </a:extLst>
+          </a:blip>
+          <a:srcRect t="867" r="12694" b="1204"/>
+          <a:stretch/>
+        </p:blipFill>
+        <p:spPr bwMode="auto">
+          <a:xfrm>
+            <a:off x="5477775" y="-1"/>
+            <a:ext cx="6714226" cy="6862463"/>
+          </a:xfrm>
+          <a:prstGeom prst="rect">
+            <a:avLst/>
+          </a:prstGeom>
+          <a:noFill/>
+          <a:extLst>
+            <a:ext uri="{909E8E84-426E-40DD-AFC4-6F175D3DCCD1}">
+              <a14:hiddenFill xmlns:a14="http://schemas.microsoft.com/office/drawing/2010/main">
+                <a:solidFill>
+                  <a:srgbClr val="FFFFFF"/>
+                </a:solidFill>
+              </a14:hiddenFill>
+            </a:ext>
+          </a:extLst>
+        </p:spPr>
+      </p:pic>
+      <p:sp>
+        <p:nvSpPr>
+          <p:cNvPr id="6" name="Left Brace 5">
+            <a:extLst>
+              <a:ext uri="{FF2B5EF4-FFF2-40B4-BE49-F238E27FC236}">
+                <a16:creationId xmlns:a16="http://schemas.microsoft.com/office/drawing/2014/main" id="{E75A5748-BFDE-66F2-FA1D-539ECC5AB5A4}"/>
+              </a:ext>
+            </a:extLst>
+          </p:cNvPr>
+          <p:cNvSpPr/>
+          <p:nvPr/>
+        </p:nvSpPr>
+        <p:spPr>
+          <a:xfrm>
+            <a:off x="5132718" y="4839418"/>
+            <a:ext cx="345057" cy="1992702"/>
+          </a:xfrm>
+          <a:prstGeom prst="leftBrace">
+            <a:avLst/>
+          </a:prstGeom>
+          <a:ln w="28575">
+            <a:solidFill>
+              <a:schemeClr val="bg1"/>
+            </a:solidFill>
+          </a:ln>
+        </p:spPr>
+        <p:style>
+          <a:lnRef idx="1">
+            <a:schemeClr val="accent1"/>
+          </a:lnRef>
+          <a:fillRef idx="0">
+            <a:schemeClr val="accent1"/>
+          </a:fillRef>
+          <a:effectRef idx="0">
+            <a:schemeClr val="accent1"/>
+          </a:effectRef>
+          <a:fontRef idx="minor">
+            <a:schemeClr val="tx1"/>
+          </a:fontRef>
+        </p:style>
+        <p:txBody>
+          <a:bodyPr rtlCol="0" anchor="ctr"/>
+          <a:lstStyle/>
+          <a:p>
+            <a:pPr algn="ctr"/>
+            <a:endParaRPr lang="en-CA"/>
+          </a:p>
+        </p:txBody>
+      </p:sp>
+    </p:spTree>
+    <p:extLst>
+      <p:ext uri="{BB962C8B-B14F-4D97-AF65-F5344CB8AC3E}">
+        <p14:creationId xmlns:p14="http://schemas.microsoft.com/office/powerpoint/2010/main" val="1292087442"/>
+      </p:ext>
+    </p:extLst>
+  </p:cSld>
+  <p:clrMapOvr>
+    <a:masterClrMapping/>
+  </p:clrMapOvr>
+  <mc:AlternateContent xmlns:mc="http://schemas.openxmlformats.org/markup-compatibility/2006">
+    <mc:Choice xmlns:p159="http://schemas.microsoft.com/office/powerpoint/2015/09/main" Requires="p159">
+      <p:transition xmlns:p14="http://schemas.microsoft.com/office/powerpoint/2010/main" spd="slow" p14:dur="2000">
+        <p159:morph option="byObject"/>
+      </p:transition>
+    </mc:Choice>
+    <mc:Fallback>
+      <p:transition spd="slow">
+        <p:fade/>
+      </p:transition>
+    </mc:Fallback>
+  </mc:AlternateContent>
+</p:sld>
+</file>
+
+<file path=ppt/slides/slide16.xml><?xml version="1.0" encoding="utf-8"?>
 <p:sld xmlns:a="http://schemas.openxmlformats.org/drawingml/2006/main" xmlns:r="http://schemas.openxmlformats.org/officeDocument/2006/relationships" xmlns:p="http://schemas.openxmlformats.org/presentationml/2006/main">
   <p:cSld>
     <p:spTree>
@@ -11269,10 +12008,22 @@
   <p:clrMapOvr>
     <a:masterClrMapping/>
   </p:clrMapOvr>
+  <mc:AlternateContent xmlns:mc="http://schemas.openxmlformats.org/markup-compatibility/2006">
+    <mc:Choice xmlns:p14="http://schemas.microsoft.com/office/powerpoint/2010/main" Requires="p14">
+      <p:transition spd="med" p14:dur="700">
+        <p:fade/>
+      </p:transition>
+    </mc:Choice>
+    <mc:Fallback>
+      <p:transition spd="med">
+        <p:fade/>
+      </p:transition>
+    </mc:Fallback>
+  </mc:AlternateContent>
 </p:sld>
 </file>
 
-<file path=ppt/slides/slide12.xml><?xml version="1.0" encoding="utf-8"?>
+<file path=ppt/slides/slide17.xml><?xml version="1.0" encoding="utf-8"?>
 <p:sld xmlns:a="http://schemas.openxmlformats.org/drawingml/2006/main" xmlns:r="http://schemas.openxmlformats.org/officeDocument/2006/relationships" xmlns:p="http://schemas.openxmlformats.org/presentationml/2006/main">
   <p:cSld>
     <p:spTree>
@@ -11520,10 +12271,22 @@
   <p:clrMapOvr>
     <a:masterClrMapping/>
   </p:clrMapOvr>
+  <mc:AlternateContent xmlns:mc="http://schemas.openxmlformats.org/markup-compatibility/2006">
+    <mc:Choice xmlns:p159="http://schemas.microsoft.com/office/powerpoint/2015/09/main" Requires="p159">
+      <p:transition xmlns:p14="http://schemas.microsoft.com/office/powerpoint/2010/main" spd="slow" p14:dur="2000">
+        <p159:morph option="byObject"/>
+      </p:transition>
+    </mc:Choice>
+    <mc:Fallback>
+      <p:transition spd="slow">
+        <p:fade/>
+      </p:transition>
+    </mc:Fallback>
+  </mc:AlternateContent>
 </p:sld>
 </file>
 
-<file path=ppt/slides/slide13.xml><?xml version="1.0" encoding="utf-8"?>
+<file path=ppt/slides/slide18.xml><?xml version="1.0" encoding="utf-8"?>
 <p:sld xmlns:a="http://schemas.openxmlformats.org/drawingml/2006/main" xmlns:r="http://schemas.openxmlformats.org/officeDocument/2006/relationships" xmlns:p="http://schemas.openxmlformats.org/presentationml/2006/main">
   <p:cSld>
     <p:spTree>
@@ -11609,7 +12372,7 @@
             </a:pPr>
             <a:r>
               <a:rPr lang="en-US" sz="3200" spc="400" dirty="0"/>
-              <a:t>MOST COMMON WORDS</a:t>
+              <a:t>MOST FREQUENT BIGRAMS</a:t>
             </a:r>
           </a:p>
           <a:p>
@@ -11806,10 +12569,22 @@
   <p:clrMapOvr>
     <a:masterClrMapping/>
   </p:clrMapOvr>
+  <mc:AlternateContent xmlns:mc="http://schemas.openxmlformats.org/markup-compatibility/2006">
+    <mc:Choice xmlns:p159="http://schemas.microsoft.com/office/powerpoint/2015/09/main" Requires="p159">
+      <p:transition xmlns:p14="http://schemas.microsoft.com/office/powerpoint/2010/main" spd="slow" p14:dur="2000">
+        <p159:morph option="byObject"/>
+      </p:transition>
+    </mc:Choice>
+    <mc:Fallback>
+      <p:transition spd="slow">
+        <p:fade/>
+      </p:transition>
+    </mc:Fallback>
+  </mc:AlternateContent>
 </p:sld>
 </file>
 
-<file path=ppt/slides/slide14.xml><?xml version="1.0" encoding="utf-8"?>
+<file path=ppt/slides/slide19.xml><?xml version="1.0" encoding="utf-8"?>
 <p:sld xmlns:a="http://schemas.openxmlformats.org/drawingml/2006/main" xmlns:r="http://schemas.openxmlformats.org/officeDocument/2006/relationships" xmlns:p="http://schemas.openxmlformats.org/presentationml/2006/main">
   <p:cSld>
     <p:bg>
@@ -14346,6 +15121,18 @@
   <p:clrMapOvr>
     <a:masterClrMapping/>
   </p:clrMapOvr>
+  <mc:AlternateContent xmlns:mc="http://schemas.openxmlformats.org/markup-compatibility/2006">
+    <mc:Choice xmlns:p159="http://schemas.microsoft.com/office/powerpoint/2015/09/main" Requires="p159">
+      <p:transition xmlns:p14="http://schemas.microsoft.com/office/powerpoint/2010/main" spd="slow" p14:dur="2000">
+        <p159:morph option="byObject"/>
+      </p:transition>
+    </mc:Choice>
+    <mc:Fallback>
+      <p:transition spd="slow">
+        <p:fade/>
+      </p:transition>
+    </mc:Fallback>
+  </mc:AlternateContent>
 </p:sld>
 </file>
 
@@ -14602,6 +15389,18 @@
   <p:clrMapOvr>
     <a:masterClrMapping/>
   </p:clrMapOvr>
+  <mc:AlternateContent xmlns:mc="http://schemas.openxmlformats.org/markup-compatibility/2006">
+    <mc:Choice xmlns:p159="http://schemas.microsoft.com/office/powerpoint/2015/09/main" Requires="p159">
+      <p:transition xmlns:p14="http://schemas.microsoft.com/office/powerpoint/2010/main" spd="slow" p14:dur="2000">
+        <p159:morph option="byObject"/>
+      </p:transition>
+    </mc:Choice>
+    <mc:Fallback>
+      <p:transition spd="slow">
+        <p:fade/>
+      </p:transition>
+    </mc:Fallback>
+  </mc:AlternateContent>
 </p:sld>
 </file>
 
@@ -15007,6 +15806,18 @@
   <p:clrMapOvr>
     <a:masterClrMapping/>
   </p:clrMapOvr>
+  <mc:AlternateContent xmlns:mc="http://schemas.openxmlformats.org/markup-compatibility/2006">
+    <mc:Choice xmlns:p159="http://schemas.microsoft.com/office/powerpoint/2015/09/main" Requires="p159">
+      <p:transition xmlns:p14="http://schemas.microsoft.com/office/powerpoint/2010/main" spd="slow" p14:dur="2000">
+        <p159:morph option="byObject"/>
+      </p:transition>
+    </mc:Choice>
+    <mc:Fallback>
+      <p:transition spd="slow">
+        <p:fade/>
+      </p:transition>
+    </mc:Fallback>
+  </mc:AlternateContent>
 </p:sld>
 </file>
 
@@ -15771,6 +16582,18 @@
   <p:clrMapOvr>
     <a:masterClrMapping/>
   </p:clrMapOvr>
+  <mc:AlternateContent xmlns:mc="http://schemas.openxmlformats.org/markup-compatibility/2006">
+    <mc:Choice xmlns:p159="http://schemas.microsoft.com/office/powerpoint/2015/09/main" Requires="p159">
+      <p:transition xmlns:p14="http://schemas.microsoft.com/office/powerpoint/2010/main" spd="slow" p14:dur="2000">
+        <p159:morph option="byObject"/>
+      </p:transition>
+    </mc:Choice>
+    <mc:Fallback>
+      <p:transition spd="slow">
+        <p:fade/>
+      </p:transition>
+    </mc:Fallback>
+  </mc:AlternateContent>
 </p:sld>
 </file>
 
@@ -16283,6 +17106,18 @@
   <p:clrMapOvr>
     <a:masterClrMapping/>
   </p:clrMapOvr>
+  <mc:AlternateContent xmlns:mc="http://schemas.openxmlformats.org/markup-compatibility/2006">
+    <mc:Choice xmlns:p159="http://schemas.microsoft.com/office/powerpoint/2015/09/main" Requires="p159">
+      <p:transition xmlns:p14="http://schemas.microsoft.com/office/powerpoint/2010/main" spd="slow" p14:dur="2000">
+        <p159:morph option="byObject"/>
+      </p:transition>
+    </mc:Choice>
+    <mc:Fallback>
+      <p:transition spd="slow">
+        <p:fade/>
+      </p:transition>
+    </mc:Fallback>
+  </mc:AlternateContent>
 </p:sld>
 </file>
 
@@ -17080,6 +17915,18 @@
   <p:clrMapOvr>
     <a:masterClrMapping/>
   </p:clrMapOvr>
+  <mc:AlternateContent xmlns:mc="http://schemas.openxmlformats.org/markup-compatibility/2006">
+    <mc:Choice xmlns:p159="http://schemas.microsoft.com/office/powerpoint/2015/09/main" Requires="p159">
+      <p:transition xmlns:p14="http://schemas.microsoft.com/office/powerpoint/2010/main" spd="slow" p14:dur="2000">
+        <p159:morph option="byObject"/>
+      </p:transition>
+    </mc:Choice>
+    <mc:Fallback>
+      <p:transition spd="slow">
+        <p:fade/>
+      </p:transition>
+    </mc:Fallback>
+  </mc:AlternateContent>
 </p:sld>
 </file>
 
@@ -17585,12 +18432,32 @@
   <p:clrMapOvr>
     <a:masterClrMapping/>
   </p:clrMapOvr>
+  <mc:AlternateContent xmlns:mc="http://schemas.openxmlformats.org/markup-compatibility/2006">
+    <mc:Choice xmlns:p159="http://schemas.microsoft.com/office/powerpoint/2015/09/main" Requires="p159">
+      <p:transition xmlns:p14="http://schemas.microsoft.com/office/powerpoint/2010/main" spd="slow" p14:dur="2000">
+        <p159:morph option="byObject"/>
+      </p:transition>
+    </mc:Choice>
+    <mc:Fallback>
+      <p:transition spd="slow">
+        <p:fade/>
+      </p:transition>
+    </mc:Fallback>
+  </mc:AlternateContent>
 </p:sld>
 </file>
 
 <file path=ppt/slides/slide8.xml><?xml version="1.0" encoding="utf-8"?>
 <p:sld xmlns:a="http://schemas.openxmlformats.org/drawingml/2006/main" xmlns:r="http://schemas.openxmlformats.org/officeDocument/2006/relationships" xmlns:p="http://schemas.openxmlformats.org/presentationml/2006/main">
   <p:cSld>
+    <p:bg>
+      <p:bgPr>
+        <a:solidFill>
+          <a:srgbClr val="19232D"/>
+        </a:solidFill>
+        <a:effectLst/>
+      </p:bgPr>
+    </p:bg>
     <p:spTree>
       <p:nvGrpSpPr>
         <p:cNvPr id="1" name="">
@@ -17611,85 +18478,6 @@
           <a:chExt cx="0" cy="0"/>
         </a:xfrm>
       </p:grpSpPr>
-      <p:sp>
-        <p:nvSpPr>
-          <p:cNvPr id="2" name="Title 1">
-            <a:extLst>
-              <a:ext uri="{FF2B5EF4-FFF2-40B4-BE49-F238E27FC236}">
-                <a16:creationId xmlns:a16="http://schemas.microsoft.com/office/drawing/2014/main" id="{79969A0C-7E6C-E4C8-A79D-3CF5DCC90C3F}"/>
-              </a:ext>
-            </a:extLst>
-          </p:cNvPr>
-          <p:cNvSpPr>
-            <a:spLocks noGrp="1"/>
-          </p:cNvSpPr>
-          <p:nvPr>
-            <p:ph type="title"/>
-          </p:nvPr>
-        </p:nvSpPr>
-        <p:spPr/>
-        <p:txBody>
-          <a:bodyPr/>
-          <a:lstStyle/>
-          <a:p>
-            <a:r>
-              <a:rPr lang="en-US" b="1" spc="1500" dirty="0"/>
-              <a:t>OUR CODE</a:t>
-            </a:r>
-            <a:endParaRPr lang="en-CA" b="1" spc="1500" dirty="0"/>
-          </a:p>
-        </p:txBody>
-      </p:sp>
-      <p:sp>
-        <p:nvSpPr>
-          <p:cNvPr id="3" name="Content Placeholder 2">
-            <a:extLst>
-              <a:ext uri="{FF2B5EF4-FFF2-40B4-BE49-F238E27FC236}">
-                <a16:creationId xmlns:a16="http://schemas.microsoft.com/office/drawing/2014/main" id="{5B4AFCCE-3684-7DA6-C8CF-7390648877D9}"/>
-              </a:ext>
-            </a:extLst>
-          </p:cNvPr>
-          <p:cNvSpPr>
-            <a:spLocks noGrp="1"/>
-          </p:cNvSpPr>
-          <p:nvPr>
-            <p:ph idx="1"/>
-          </p:nvPr>
-        </p:nvSpPr>
-        <p:spPr/>
-        <p:txBody>
-          <a:bodyPr/>
-          <a:lstStyle/>
-          <a:p>
-            <a:pPr marL="0" indent="0">
-              <a:spcAft>
-                <a:spcPts val="600"/>
-              </a:spcAft>
-              <a:buNone/>
-            </a:pPr>
-            <a:r>
-              <a:rPr lang="en-US" sz="3200" spc="400" dirty="0"/>
-              <a:t>IMPORTS AND VARIABLES</a:t>
-            </a:r>
-          </a:p>
-          <a:p>
-            <a:pPr marL="536575" indent="-361950">
-              <a:buClr>
-                <a:schemeClr val="tx1">
-                  <a:lumMod val="50000"/>
-                  <a:lumOff val="50000"/>
-                </a:schemeClr>
-              </a:buClr>
-              <a:buFont typeface="Source Sans Pro" panose="020B0503030403020204" pitchFamily="34" charset="0"/>
-              <a:buChar char="›"/>
-            </a:pPr>
-            <a:r>
-              <a:rPr lang="en-US" sz="2400" dirty="0"/>
-              <a:t>At</a:t>
-            </a:r>
-          </a:p>
-        </p:txBody>
-      </p:sp>
       <p:pic>
         <p:nvPicPr>
           <p:cNvPr id="1026" name="Picture 2">
@@ -17717,8 +18505,8 @@
         </p:blipFill>
         <p:spPr bwMode="auto">
           <a:xfrm>
-            <a:off x="6821214" y="360000"/>
-            <a:ext cx="4999892" cy="5298835"/>
+            <a:off x="5720906" y="0"/>
+            <a:ext cx="6471094" cy="6858000"/>
           </a:xfrm>
           <a:prstGeom prst="rect">
             <a:avLst/>
@@ -17735,6 +18523,55 @@
           </a:extLst>
         </p:spPr>
       </p:pic>
+      <p:sp>
+        <p:nvSpPr>
+          <p:cNvPr id="12" name="Left Brace 11">
+            <a:extLst>
+              <a:ext uri="{FF2B5EF4-FFF2-40B4-BE49-F238E27FC236}">
+                <a16:creationId xmlns:a16="http://schemas.microsoft.com/office/drawing/2014/main" id="{1F2D7A09-5052-2712-B21A-A45F99CC865A}"/>
+              </a:ext>
+            </a:extLst>
+          </p:cNvPr>
+          <p:cNvSpPr/>
+          <p:nvPr/>
+        </p:nvSpPr>
+        <p:spPr>
+          <a:xfrm>
+            <a:off x="5296619" y="0"/>
+            <a:ext cx="345057" cy="1785668"/>
+          </a:xfrm>
+          <a:prstGeom prst="leftBrace">
+            <a:avLst/>
+          </a:prstGeom>
+          <a:ln w="28575">
+            <a:solidFill>
+              <a:schemeClr val="bg1"/>
+            </a:solidFill>
+          </a:ln>
+        </p:spPr>
+        <p:style>
+          <a:lnRef idx="1">
+            <a:schemeClr val="accent1"/>
+          </a:lnRef>
+          <a:fillRef idx="0">
+            <a:schemeClr val="accent1"/>
+          </a:fillRef>
+          <a:effectRef idx="0">
+            <a:schemeClr val="accent1"/>
+          </a:effectRef>
+          <a:fontRef idx="minor">
+            <a:schemeClr val="tx1"/>
+          </a:fontRef>
+        </p:style>
+        <p:txBody>
+          <a:bodyPr rtlCol="0" anchor="ctr"/>
+          <a:lstStyle/>
+          <a:p>
+            <a:pPr algn="ctr"/>
+            <a:endParaRPr lang="en-CA"/>
+          </a:p>
+        </p:txBody>
+      </p:sp>
     </p:spTree>
     <p:extLst>
       <p:ext uri="{BB962C8B-B14F-4D97-AF65-F5344CB8AC3E}">
@@ -17745,18 +18582,38 @@
   <p:clrMapOvr>
     <a:masterClrMapping/>
   </p:clrMapOvr>
+  <mc:AlternateContent xmlns:mc="http://schemas.openxmlformats.org/markup-compatibility/2006">
+    <mc:Choice xmlns:p14="http://schemas.microsoft.com/office/powerpoint/2010/main" Requires="p14">
+      <p:transition spd="med" p14:dur="700">
+        <p:fade/>
+      </p:transition>
+    </mc:Choice>
+    <mc:Fallback>
+      <p:transition spd="med">
+        <p:fade/>
+      </p:transition>
+    </mc:Fallback>
+  </mc:AlternateContent>
 </p:sld>
 </file>
 
 <file path=ppt/slides/slide9.xml><?xml version="1.0" encoding="utf-8"?>
 <p:sld xmlns:a="http://schemas.openxmlformats.org/drawingml/2006/main" xmlns:r="http://schemas.openxmlformats.org/officeDocument/2006/relationships" xmlns:p="http://schemas.openxmlformats.org/presentationml/2006/main">
   <p:cSld>
+    <p:bg>
+      <p:bgPr>
+        <a:solidFill>
+          <a:srgbClr val="19232D"/>
+        </a:solidFill>
+        <a:effectLst/>
+      </p:bgPr>
+    </p:bg>
     <p:spTree>
       <p:nvGrpSpPr>
         <p:cNvPr id="1" name="">
           <a:extLst>
             <a:ext uri="{FF2B5EF4-FFF2-40B4-BE49-F238E27FC236}">
-              <a16:creationId xmlns:a16="http://schemas.microsoft.com/office/drawing/2014/main" id="{3E470189-8F13-2732-51E9-2469AACC8B62}"/>
+              <a16:creationId xmlns:a16="http://schemas.microsoft.com/office/drawing/2014/main" id="{97D7396D-F6C7-E66D-3E22-BF2E3E0F09B6}"/>
             </a:ext>
           </a:extLst>
         </p:cNvPr>
@@ -17771,91 +18628,12 @@
           <a:chExt cx="0" cy="0"/>
         </a:xfrm>
       </p:grpSpPr>
-      <p:sp>
-        <p:nvSpPr>
-          <p:cNvPr id="2" name="Title 1">
+      <p:pic>
+        <p:nvPicPr>
+          <p:cNvPr id="1026" name="Picture 2">
             <a:extLst>
               <a:ext uri="{FF2B5EF4-FFF2-40B4-BE49-F238E27FC236}">
-                <a16:creationId xmlns:a16="http://schemas.microsoft.com/office/drawing/2014/main" id="{C2B89847-1378-ED46-F1E2-5D75CED2AE0C}"/>
-              </a:ext>
-            </a:extLst>
-          </p:cNvPr>
-          <p:cNvSpPr>
-            <a:spLocks noGrp="1"/>
-          </p:cNvSpPr>
-          <p:nvPr>
-            <p:ph type="title"/>
-          </p:nvPr>
-        </p:nvSpPr>
-        <p:spPr/>
-        <p:txBody>
-          <a:bodyPr/>
-          <a:lstStyle/>
-          <a:p>
-            <a:r>
-              <a:rPr lang="en-US" b="1" spc="1500" dirty="0"/>
-              <a:t>OUR CODE</a:t>
-            </a:r>
-            <a:endParaRPr lang="en-CA" b="1" spc="1500" dirty="0"/>
-          </a:p>
-        </p:txBody>
-      </p:sp>
-      <p:sp>
-        <p:nvSpPr>
-          <p:cNvPr id="3" name="Content Placeholder 2">
-            <a:extLst>
-              <a:ext uri="{FF2B5EF4-FFF2-40B4-BE49-F238E27FC236}">
-                <a16:creationId xmlns:a16="http://schemas.microsoft.com/office/drawing/2014/main" id="{93D5186B-535B-7312-11F5-B61200738078}"/>
-              </a:ext>
-            </a:extLst>
-          </p:cNvPr>
-          <p:cNvSpPr>
-            <a:spLocks noGrp="1"/>
-          </p:cNvSpPr>
-          <p:nvPr>
-            <p:ph idx="1"/>
-          </p:nvPr>
-        </p:nvSpPr>
-        <p:spPr/>
-        <p:txBody>
-          <a:bodyPr/>
-          <a:lstStyle/>
-          <a:p>
-            <a:pPr marL="0" indent="0">
-              <a:spcAft>
-                <a:spcPts val="600"/>
-              </a:spcAft>
-              <a:buNone/>
-            </a:pPr>
-            <a:r>
-              <a:rPr lang="en-US" sz="3200" spc="400" dirty="0"/>
-              <a:t>ANALYSIS</a:t>
-            </a:r>
-          </a:p>
-          <a:p>
-            <a:pPr marL="536575" indent="-361950">
-              <a:buClr>
-                <a:schemeClr val="tx1">
-                  <a:lumMod val="50000"/>
-                  <a:lumOff val="50000"/>
-                </a:schemeClr>
-              </a:buClr>
-              <a:buFont typeface="Source Sans Pro" panose="020B0503030403020204" pitchFamily="34" charset="0"/>
-              <a:buChar char="›"/>
-            </a:pPr>
-            <a:r>
-              <a:rPr lang="en-US" sz="2400" dirty="0"/>
-              <a:t>A </a:t>
-            </a:r>
-          </a:p>
-        </p:txBody>
-      </p:sp>
-      <p:pic>
-        <p:nvPicPr>
-          <p:cNvPr id="2050" name="Picture 2">
-            <a:extLst>
-              <a:ext uri="{FF2B5EF4-FFF2-40B4-BE49-F238E27FC236}">
-                <a16:creationId xmlns:a16="http://schemas.microsoft.com/office/drawing/2014/main" id="{41540AFA-CFA9-0F94-4C27-3B7CF7A6ABC8}"/>
+                <a16:creationId xmlns:a16="http://schemas.microsoft.com/office/drawing/2014/main" id="{60646FE4-420B-05DE-70A6-18FA8371723C}"/>
               </a:ext>
             </a:extLst>
           </p:cNvPr>
@@ -17872,13 +18650,13 @@
               </a:ext>
             </a:extLst>
           </a:blip>
-          <a:srcRect t="1271" r="8411" b="1448"/>
+          <a:srcRect t="493" r="41764" b="1970"/>
           <a:stretch/>
         </p:blipFill>
         <p:spPr bwMode="auto">
           <a:xfrm>
-            <a:off x="5713348" y="360001"/>
-            <a:ext cx="6111501" cy="5294566"/>
+            <a:off x="5720906" y="0"/>
+            <a:ext cx="6471094" cy="6858000"/>
           </a:xfrm>
           <a:prstGeom prst="rect">
             <a:avLst/>
@@ -17895,16 +18673,77 @@
           </a:extLst>
         </p:spPr>
       </p:pic>
+      <p:sp>
+        <p:nvSpPr>
+          <p:cNvPr id="12" name="Left Brace 11">
+            <a:extLst>
+              <a:ext uri="{FF2B5EF4-FFF2-40B4-BE49-F238E27FC236}">
+                <a16:creationId xmlns:a16="http://schemas.microsoft.com/office/drawing/2014/main" id="{07109C36-73B6-2319-F3B7-C34DA6C305C5}"/>
+              </a:ext>
+            </a:extLst>
+          </p:cNvPr>
+          <p:cNvSpPr/>
+          <p:nvPr/>
+        </p:nvSpPr>
+        <p:spPr>
+          <a:xfrm>
+            <a:off x="5375849" y="1871932"/>
+            <a:ext cx="345057" cy="2156604"/>
+          </a:xfrm>
+          <a:prstGeom prst="leftBrace">
+            <a:avLst/>
+          </a:prstGeom>
+          <a:ln w="28575">
+            <a:solidFill>
+              <a:schemeClr val="bg1"/>
+            </a:solidFill>
+          </a:ln>
+        </p:spPr>
+        <p:style>
+          <a:lnRef idx="1">
+            <a:schemeClr val="accent1"/>
+          </a:lnRef>
+          <a:fillRef idx="0">
+            <a:schemeClr val="accent1"/>
+          </a:fillRef>
+          <a:effectRef idx="0">
+            <a:schemeClr val="accent1"/>
+          </a:effectRef>
+          <a:fontRef idx="minor">
+            <a:schemeClr val="tx1"/>
+          </a:fontRef>
+        </p:style>
+        <p:txBody>
+          <a:bodyPr rtlCol="0" anchor="ctr"/>
+          <a:lstStyle/>
+          <a:p>
+            <a:pPr algn="ctr"/>
+            <a:endParaRPr lang="en-CA"/>
+          </a:p>
+        </p:txBody>
+      </p:sp>
     </p:spTree>
     <p:extLst>
       <p:ext uri="{BB962C8B-B14F-4D97-AF65-F5344CB8AC3E}">
-        <p14:creationId xmlns:p14="http://schemas.microsoft.com/office/powerpoint/2010/main" val="1559346346"/>
+        <p14:creationId xmlns:p14="http://schemas.microsoft.com/office/powerpoint/2010/main" val="1420723034"/>
       </p:ext>
     </p:extLst>
   </p:cSld>
   <p:clrMapOvr>
     <a:masterClrMapping/>
   </p:clrMapOvr>
+  <mc:AlternateContent xmlns:mc="http://schemas.openxmlformats.org/markup-compatibility/2006">
+    <mc:Choice xmlns:p159="http://schemas.microsoft.com/office/powerpoint/2015/09/main" Requires="p159">
+      <p:transition xmlns:p14="http://schemas.microsoft.com/office/powerpoint/2010/main" spd="slow" p14:dur="2000">
+        <p159:morph option="byObject"/>
+      </p:transition>
+    </mc:Choice>
+    <mc:Fallback>
+      <p:transition spd="slow">
+        <p:fade/>
+      </p:transition>
+    </mc:Fallback>
+  </mc:AlternateContent>
 </p:sld>
 </file>
 
